--- a/assets/courses/compsci1/Cosma/Ch06 Visual Aids.pptx
+++ b/assets/courses/compsci1/Cosma/Ch06 Visual Aids.pptx
@@ -319,7 +319,7 @@
             <a:fld id="{975931CF-5613-4E56-B1AB-AD265D70C2E6}" type="datetime8">
               <a:rPr lang="en-US"/>
               <a:pPr/>
-              <a:t>1/14/14 14:02</a:t>
+              <a:t>2/25/15 08:13</a:t>
             </a:fld>
             <a:endParaRPr lang="en-US"/>
           </a:p>
@@ -637,7 +637,7 @@
             <a:fld id="{FCFA55DC-8285-4330-9809-771463244A4C}" type="datetime8">
               <a:rPr lang="en-US"/>
               <a:pPr/>
-              <a:t>1/14/14 14:02</a:t>
+              <a:t>2/25/15 08:13</a:t>
             </a:fld>
             <a:endParaRPr lang="en-US"/>
           </a:p>
@@ -1095,7 +1095,7 @@
             <a:fld id="{2F00FECC-4EC4-4CD5-82B5-E162F3036D1E}" type="datetime8">
               <a:rPr lang="en-US"/>
               <a:pPr/>
-              <a:t>1/14/14 14:02</a:t>
+              <a:t>2/25/15 08:13</a:t>
             </a:fld>
             <a:endParaRPr lang="en-US"/>
           </a:p>
@@ -1280,11 +1280,7 @@
             </a:pPr>
             <a:r>
               <a:rPr lang="en-US" dirty="0" smtClean="0"/>
-              <a:t>More flexible because changes to statements for a task need only be made in the sub </a:t>
-            </a:r>
-            <a:r>
-              <a:rPr lang="en-US" dirty="0" smtClean="0"/>
-              <a:t>procedure</a:t>
+              <a:t>More flexible because changes to statements for a task need only be made in the sub procedure</a:t>
             </a:r>
           </a:p>
           <a:p>
@@ -1331,11 +1327,76 @@
             </a:r>
             <a:r>
               <a:rPr lang="en-US" baseline="0" dirty="0" smtClean="0"/>
-              <a:t> ( cannot be accessed outside Form1 class) or Public ( accessed from other </a:t>
-            </a:r>
+              <a:t> ( cannot be accessed outside Form1 class) or Public ( accessed from other Form objects ).</a:t>
+            </a:r>
+          </a:p>
+          <a:p>
+            <a:pPr marL="0" marR="0" indent="0" algn="l" defTabSz="914400" rtl="0" eaLnBrk="1" fontAlgn="base" latinLnBrk="0" hangingPunct="1">
+              <a:lnSpc>
+                <a:spcPct val="100000"/>
+              </a:lnSpc>
+              <a:spcBef>
+                <a:spcPct val="30000"/>
+              </a:spcBef>
+              <a:spcAft>
+                <a:spcPct val="0"/>
+              </a:spcAft>
+              <a:buClrTx/>
+              <a:buSzTx/>
+              <a:buFontTx/>
+              <a:buNone/>
+              <a:tabLst/>
+              <a:defRPr/>
+            </a:pPr>
+            <a:r>
+              <a:rPr lang="en-US" baseline="0" dirty="0" smtClean="0"/>
+              <a:t>Procedures need a trigger to get executed:</a:t>
+            </a:r>
+          </a:p>
+          <a:p>
+            <a:pPr marL="342900" marR="0" indent="-342900" algn="l" defTabSz="914400" rtl="0" eaLnBrk="1" fontAlgn="base" latinLnBrk="0" hangingPunct="1">
+              <a:lnSpc>
+                <a:spcPct val="100000"/>
+              </a:lnSpc>
+              <a:spcBef>
+                <a:spcPct val="30000"/>
+              </a:spcBef>
+              <a:spcAft>
+                <a:spcPct val="0"/>
+              </a:spcAft>
+              <a:buClrTx/>
+              <a:buSzTx/>
+              <a:buFontTx/>
+              <a:buAutoNum type="arabicPeriod"/>
+              <a:tabLst/>
+              <a:defRPr/>
+            </a:pPr>
+            <a:r>
+              <a:rPr lang="en-US" baseline="0" dirty="0" smtClean="0"/>
+              <a:t>Event</a:t>
+            </a:r>
+          </a:p>
+          <a:p>
+            <a:pPr marL="342900" marR="0" indent="-342900" algn="l" defTabSz="914400" rtl="0" eaLnBrk="1" fontAlgn="base" latinLnBrk="0" hangingPunct="1">
+              <a:lnSpc>
+                <a:spcPct val="100000"/>
+              </a:lnSpc>
+              <a:spcBef>
+                <a:spcPct val="30000"/>
+              </a:spcBef>
+              <a:spcAft>
+                <a:spcPct val="0"/>
+              </a:spcAft>
+              <a:buClrTx/>
+              <a:buSzTx/>
+              <a:buFontTx/>
+              <a:buAutoNum type="arabicPeriod"/>
+              <a:tabLst/>
+              <a:defRPr/>
+            </a:pPr>
             <a:r>
               <a:rPr lang="en-US" baseline="0" smtClean="0"/>
-              <a:t>Form objects ).</a:t>
+              <a:t>Call</a:t>
             </a:r>
             <a:endParaRPr lang="en-US" dirty="0" smtClean="0"/>
           </a:p>
@@ -1406,7 +1467,7 @@
             <a:fld id="{3505CA1E-0740-4E7D-A385-044619E6CA27}" type="datetime8">
               <a:rPr lang="en-US"/>
               <a:pPr/>
-              <a:t>1/14/14 14:02</a:t>
+              <a:t>2/25/15 08:13</a:t>
             </a:fld>
             <a:endParaRPr lang="en-US"/>
           </a:p>
@@ -1540,7 +1601,7 @@
             <a:fld id="{08856AEB-6231-4EDF-B771-CDD0BD209C5B}" type="datetime8">
               <a:rPr lang="en-US"/>
               <a:pPr/>
-              <a:t>1/14/14 14:02</a:t>
+              <a:t>2/25/15 08:16</a:t>
             </a:fld>
             <a:endParaRPr lang="en-US"/>
           </a:p>
@@ -1651,7 +1712,431 @@
           <a:p>
             <a:r>
               <a:rPr lang="en-US" baseline="0" dirty="0" smtClean="0"/>
-              <a:t>Ex:</a:t>
+              <a:t>!!! A procedure can be written without actually knowing the names of the objects on the form. Only the Call statement specifies the real name of the object ( </a:t>
+            </a:r>
+            <a:r>
+              <a:rPr lang="en-US" baseline="0" dirty="0" err="1" smtClean="0"/>
+              <a:t>lblHint</a:t>
+            </a:r>
+            <a:r>
+              <a:rPr lang="en-US" baseline="0" dirty="0" smtClean="0"/>
+              <a:t> in the example ) and in the procedure I can use a different name ( generic: </a:t>
+            </a:r>
+            <a:r>
+              <a:rPr lang="en-US" baseline="0" dirty="0" err="1" smtClean="0"/>
+              <a:t>lblTip</a:t>
+            </a:r>
+            <a:r>
+              <a:rPr lang="en-US" baseline="0" dirty="0" smtClean="0"/>
+              <a:t> in the example ).</a:t>
+            </a:r>
+          </a:p>
+          <a:p>
+            <a:r>
+              <a:rPr lang="en-US" baseline="0" dirty="0" smtClean="0"/>
+              <a:t>Ex(Form1 with 1 x Label=</a:t>
+            </a:r>
+            <a:r>
+              <a:rPr lang="en-US" baseline="0" dirty="0" err="1" smtClean="0"/>
+              <a:t>lblHint</a:t>
+            </a:r>
+            <a:r>
+              <a:rPr lang="en-US" baseline="0" dirty="0" smtClean="0"/>
+              <a:t> and 1 x Button=</a:t>
+            </a:r>
+            <a:r>
+              <a:rPr lang="en-US" baseline="0" dirty="0" err="1" smtClean="0"/>
+              <a:t>btnTest</a:t>
+            </a:r>
+            <a:r>
+              <a:rPr lang="en-US" baseline="0" dirty="0" smtClean="0"/>
+              <a:t> ):</a:t>
+            </a:r>
+          </a:p>
+          <a:p>
+            <a:endParaRPr lang="en-US" baseline="0" dirty="0" smtClean="0"/>
+          </a:p>
+          <a:p>
+            <a:r>
+              <a:rPr lang="en-US" sz="1400" kern="1200" dirty="0" smtClean="0">
+                <a:solidFill>
+                  <a:schemeClr val="tx1"/>
+                </a:solidFill>
+                <a:latin typeface="Times New Roman" pitchFamily="18" charset="0"/>
+                <a:ea typeface="+mn-ea"/>
+                <a:cs typeface="+mn-cs"/>
+              </a:rPr>
+              <a:t>Private Sub </a:t>
+            </a:r>
+            <a:r>
+              <a:rPr lang="en-US" sz="1400" kern="1200" dirty="0" err="1" smtClean="0">
+                <a:solidFill>
+                  <a:schemeClr val="tx1"/>
+                </a:solidFill>
+                <a:latin typeface="Times New Roman" pitchFamily="18" charset="0"/>
+                <a:ea typeface="+mn-ea"/>
+                <a:cs typeface="+mn-cs"/>
+              </a:rPr>
+              <a:t>btnTest_Click</a:t>
+            </a:r>
+            <a:r>
+              <a:rPr lang="en-US" sz="1400" kern="1200" dirty="0" smtClean="0">
+                <a:solidFill>
+                  <a:schemeClr val="tx1"/>
+                </a:solidFill>
+                <a:latin typeface="Times New Roman" pitchFamily="18" charset="0"/>
+                <a:ea typeface="+mn-ea"/>
+                <a:cs typeface="+mn-cs"/>
+              </a:rPr>
+              <a:t>(</a:t>
+            </a:r>
+            <a:r>
+              <a:rPr lang="en-US" sz="1400" kern="1200" dirty="0" err="1" smtClean="0">
+                <a:solidFill>
+                  <a:schemeClr val="tx1"/>
+                </a:solidFill>
+                <a:latin typeface="Times New Roman" pitchFamily="18" charset="0"/>
+                <a:ea typeface="+mn-ea"/>
+                <a:cs typeface="+mn-cs"/>
+              </a:rPr>
+              <a:t>ByVal</a:t>
+            </a:r>
+            <a:r>
+              <a:rPr lang="en-US" sz="1400" kern="1200" dirty="0" smtClean="0">
+                <a:solidFill>
+                  <a:schemeClr val="tx1"/>
+                </a:solidFill>
+                <a:latin typeface="Times New Roman" pitchFamily="18" charset="0"/>
+                <a:ea typeface="+mn-ea"/>
+                <a:cs typeface="+mn-cs"/>
+              </a:rPr>
+              <a:t> sender As </a:t>
+            </a:r>
+            <a:r>
+              <a:rPr lang="en-US" sz="1400" kern="1200" dirty="0" err="1" smtClean="0">
+                <a:solidFill>
+                  <a:schemeClr val="tx1"/>
+                </a:solidFill>
+                <a:latin typeface="Times New Roman" pitchFamily="18" charset="0"/>
+                <a:ea typeface="+mn-ea"/>
+                <a:cs typeface="+mn-cs"/>
+              </a:rPr>
+              <a:t>System.Object</a:t>
+            </a:r>
+            <a:r>
+              <a:rPr lang="en-US" sz="1400" kern="1200" dirty="0" smtClean="0">
+                <a:solidFill>
+                  <a:schemeClr val="tx1"/>
+                </a:solidFill>
+                <a:latin typeface="Times New Roman" pitchFamily="18" charset="0"/>
+                <a:ea typeface="+mn-ea"/>
+                <a:cs typeface="+mn-cs"/>
+              </a:rPr>
+              <a:t>, </a:t>
+            </a:r>
+            <a:r>
+              <a:rPr lang="en-US" sz="1400" kern="1200" dirty="0" err="1" smtClean="0">
+                <a:solidFill>
+                  <a:schemeClr val="tx1"/>
+                </a:solidFill>
+                <a:latin typeface="Times New Roman" pitchFamily="18" charset="0"/>
+                <a:ea typeface="+mn-ea"/>
+                <a:cs typeface="+mn-cs"/>
+              </a:rPr>
+              <a:t>ByVal</a:t>
+            </a:r>
+            <a:r>
+              <a:rPr lang="en-US" sz="1400" kern="1200" dirty="0" smtClean="0">
+                <a:solidFill>
+                  <a:schemeClr val="tx1"/>
+                </a:solidFill>
+                <a:latin typeface="Times New Roman" pitchFamily="18" charset="0"/>
+                <a:ea typeface="+mn-ea"/>
+                <a:cs typeface="+mn-cs"/>
+              </a:rPr>
+              <a:t> e As </a:t>
+            </a:r>
+            <a:r>
+              <a:rPr lang="en-US" sz="1400" kern="1200" dirty="0" err="1" smtClean="0">
+                <a:solidFill>
+                  <a:schemeClr val="tx1"/>
+                </a:solidFill>
+                <a:latin typeface="Times New Roman" pitchFamily="18" charset="0"/>
+                <a:ea typeface="+mn-ea"/>
+                <a:cs typeface="+mn-cs"/>
+              </a:rPr>
+              <a:t>System.EventArgs</a:t>
+            </a:r>
+            <a:r>
+              <a:rPr lang="en-US" sz="1400" kern="1200" dirty="0" smtClean="0">
+                <a:solidFill>
+                  <a:schemeClr val="tx1"/>
+                </a:solidFill>
+                <a:latin typeface="Times New Roman" pitchFamily="18" charset="0"/>
+                <a:ea typeface="+mn-ea"/>
+                <a:cs typeface="+mn-cs"/>
+              </a:rPr>
+              <a:t>) Handles </a:t>
+            </a:r>
+            <a:r>
+              <a:rPr lang="en-US" sz="1400" kern="1200" dirty="0" err="1" smtClean="0">
+                <a:solidFill>
+                  <a:schemeClr val="tx1"/>
+                </a:solidFill>
+                <a:latin typeface="Times New Roman" pitchFamily="18" charset="0"/>
+                <a:ea typeface="+mn-ea"/>
+                <a:cs typeface="+mn-cs"/>
+              </a:rPr>
+              <a:t>btnTest.Click</a:t>
+            </a:r>
+            <a:endParaRPr lang="en-US" sz="1400" kern="1200" dirty="0" smtClean="0">
+              <a:solidFill>
+                <a:schemeClr val="tx1"/>
+              </a:solidFill>
+              <a:latin typeface="Times New Roman" pitchFamily="18" charset="0"/>
+              <a:ea typeface="+mn-ea"/>
+              <a:cs typeface="+mn-cs"/>
+            </a:endParaRPr>
+          </a:p>
+          <a:p>
+            <a:r>
+              <a:rPr lang="en-US" sz="1400" kern="1200" dirty="0" smtClean="0">
+                <a:solidFill>
+                  <a:schemeClr val="tx1"/>
+                </a:solidFill>
+                <a:latin typeface="Times New Roman" pitchFamily="18" charset="0"/>
+                <a:ea typeface="+mn-ea"/>
+                <a:cs typeface="+mn-cs"/>
+              </a:rPr>
+              <a:t>        Dim </a:t>
+            </a:r>
+            <a:r>
+              <a:rPr lang="en-US" sz="1400" kern="1200" dirty="0" err="1" smtClean="0">
+                <a:solidFill>
+                  <a:schemeClr val="tx1"/>
+                </a:solidFill>
+                <a:latin typeface="Times New Roman" pitchFamily="18" charset="0"/>
+                <a:ea typeface="+mn-ea"/>
+                <a:cs typeface="+mn-cs"/>
+              </a:rPr>
+              <a:t>firstNum</a:t>
+            </a:r>
+            <a:r>
+              <a:rPr lang="en-US" sz="1400" kern="1200" dirty="0" smtClean="0">
+                <a:solidFill>
+                  <a:schemeClr val="tx1"/>
+                </a:solidFill>
+                <a:latin typeface="Times New Roman" pitchFamily="18" charset="0"/>
+                <a:ea typeface="+mn-ea"/>
+                <a:cs typeface="+mn-cs"/>
+              </a:rPr>
+              <a:t>, </a:t>
+            </a:r>
+            <a:r>
+              <a:rPr lang="en-US" sz="1400" kern="1200" dirty="0" err="1" smtClean="0">
+                <a:solidFill>
+                  <a:schemeClr val="tx1"/>
+                </a:solidFill>
+                <a:latin typeface="Times New Roman" pitchFamily="18" charset="0"/>
+                <a:ea typeface="+mn-ea"/>
+                <a:cs typeface="+mn-cs"/>
+              </a:rPr>
+              <a:t>secondNum</a:t>
+            </a:r>
+            <a:r>
+              <a:rPr lang="en-US" sz="1400" kern="1200" dirty="0" smtClean="0">
+                <a:solidFill>
+                  <a:schemeClr val="tx1"/>
+                </a:solidFill>
+                <a:latin typeface="Times New Roman" pitchFamily="18" charset="0"/>
+                <a:ea typeface="+mn-ea"/>
+                <a:cs typeface="+mn-cs"/>
+              </a:rPr>
+              <a:t> As Integer</a:t>
+            </a:r>
+          </a:p>
+          <a:p>
+            <a:r>
+              <a:rPr lang="en-US" sz="1400" kern="1200" dirty="0" smtClean="0">
+                <a:solidFill>
+                  <a:schemeClr val="tx1"/>
+                </a:solidFill>
+                <a:latin typeface="Times New Roman" pitchFamily="18" charset="0"/>
+                <a:ea typeface="+mn-ea"/>
+                <a:cs typeface="+mn-cs"/>
+              </a:rPr>
+              <a:t>        </a:t>
+            </a:r>
+            <a:r>
+              <a:rPr lang="en-US" sz="1400" kern="1200" dirty="0" err="1" smtClean="0">
+                <a:solidFill>
+                  <a:schemeClr val="tx1"/>
+                </a:solidFill>
+                <a:latin typeface="Times New Roman" pitchFamily="18" charset="0"/>
+                <a:ea typeface="+mn-ea"/>
+                <a:cs typeface="+mn-cs"/>
+              </a:rPr>
+              <a:t>firstNum</a:t>
+            </a:r>
+            <a:r>
+              <a:rPr lang="en-US" sz="1400" kern="1200" dirty="0" smtClean="0">
+                <a:solidFill>
+                  <a:schemeClr val="tx1"/>
+                </a:solidFill>
+                <a:latin typeface="Times New Roman" pitchFamily="18" charset="0"/>
+                <a:ea typeface="+mn-ea"/>
+                <a:cs typeface="+mn-cs"/>
+              </a:rPr>
+              <a:t> = 5</a:t>
+            </a:r>
+          </a:p>
+          <a:p>
+            <a:r>
+              <a:rPr lang="it-IT" sz="1400" kern="1200" dirty="0" smtClean="0">
+                <a:solidFill>
+                  <a:schemeClr val="tx1"/>
+                </a:solidFill>
+                <a:latin typeface="Times New Roman" pitchFamily="18" charset="0"/>
+                <a:ea typeface="+mn-ea"/>
+                <a:cs typeface="+mn-cs"/>
+              </a:rPr>
+              <a:t>        </a:t>
+            </a:r>
+            <a:r>
+              <a:rPr lang="it-IT" sz="1400" kern="1200" dirty="0" err="1" smtClean="0">
+                <a:solidFill>
+                  <a:schemeClr val="tx1"/>
+                </a:solidFill>
+                <a:latin typeface="Times New Roman" pitchFamily="18" charset="0"/>
+                <a:ea typeface="+mn-ea"/>
+                <a:cs typeface="+mn-cs"/>
+              </a:rPr>
+              <a:t>secondNum</a:t>
+            </a:r>
+            <a:r>
+              <a:rPr lang="it-IT" sz="1400" kern="1200" dirty="0" smtClean="0">
+                <a:solidFill>
+                  <a:schemeClr val="tx1"/>
+                </a:solidFill>
+                <a:latin typeface="Times New Roman" pitchFamily="18" charset="0"/>
+                <a:ea typeface="+mn-ea"/>
+                <a:cs typeface="+mn-cs"/>
+              </a:rPr>
+              <a:t> = 10</a:t>
+            </a:r>
+          </a:p>
+          <a:p>
+            <a:r>
+              <a:rPr lang="it-IT" sz="1400" kern="1200" dirty="0" smtClean="0">
+                <a:solidFill>
+                  <a:schemeClr val="tx1"/>
+                </a:solidFill>
+                <a:latin typeface="Times New Roman" pitchFamily="18" charset="0"/>
+                <a:ea typeface="+mn-ea"/>
+                <a:cs typeface="+mn-cs"/>
+              </a:rPr>
+              <a:t>        Call </a:t>
+            </a:r>
+            <a:r>
+              <a:rPr lang="it-IT" sz="1400" kern="1200" dirty="0" err="1" smtClean="0">
+                <a:solidFill>
+                  <a:schemeClr val="tx1"/>
+                </a:solidFill>
+                <a:latin typeface="Times New Roman" pitchFamily="18" charset="0"/>
+                <a:ea typeface="+mn-ea"/>
+                <a:cs typeface="+mn-cs"/>
+              </a:rPr>
+              <a:t>GiveHint</a:t>
+            </a:r>
+            <a:r>
+              <a:rPr lang="it-IT" sz="1400" kern="1200" dirty="0" smtClean="0">
+                <a:solidFill>
+                  <a:schemeClr val="tx1"/>
+                </a:solidFill>
+                <a:latin typeface="Times New Roman" pitchFamily="18" charset="0"/>
+                <a:ea typeface="+mn-ea"/>
+                <a:cs typeface="+mn-cs"/>
+              </a:rPr>
+              <a:t>(</a:t>
+            </a:r>
+            <a:r>
+              <a:rPr lang="it-IT" sz="1400" kern="1200" dirty="0" err="1" smtClean="0">
+                <a:solidFill>
+                  <a:schemeClr val="tx1"/>
+                </a:solidFill>
+                <a:latin typeface="Times New Roman" pitchFamily="18" charset="0"/>
+                <a:ea typeface="+mn-ea"/>
+                <a:cs typeface="+mn-cs"/>
+              </a:rPr>
+              <a:t>lblHint</a:t>
+            </a:r>
+            <a:r>
+              <a:rPr lang="it-IT" sz="1400" kern="1200" dirty="0" smtClean="0">
+                <a:solidFill>
+                  <a:schemeClr val="tx1"/>
+                </a:solidFill>
+                <a:latin typeface="Times New Roman" pitchFamily="18" charset="0"/>
+                <a:ea typeface="+mn-ea"/>
+                <a:cs typeface="+mn-cs"/>
+              </a:rPr>
+              <a:t>, </a:t>
+            </a:r>
+            <a:r>
+              <a:rPr lang="it-IT" sz="1400" kern="1200" dirty="0" err="1" smtClean="0">
+                <a:solidFill>
+                  <a:schemeClr val="tx1"/>
+                </a:solidFill>
+                <a:latin typeface="Times New Roman" pitchFamily="18" charset="0"/>
+                <a:ea typeface="+mn-ea"/>
+                <a:cs typeface="+mn-cs"/>
+              </a:rPr>
+              <a:t>firstNum</a:t>
+            </a:r>
+            <a:r>
+              <a:rPr lang="it-IT" sz="1400" kern="1200" dirty="0" smtClean="0">
+                <a:solidFill>
+                  <a:schemeClr val="tx1"/>
+                </a:solidFill>
+                <a:latin typeface="Times New Roman" pitchFamily="18" charset="0"/>
+                <a:ea typeface="+mn-ea"/>
+                <a:cs typeface="+mn-cs"/>
+              </a:rPr>
+              <a:t>, </a:t>
+            </a:r>
+            <a:r>
+              <a:rPr lang="it-IT" sz="1400" kern="1200" dirty="0" err="1" smtClean="0">
+                <a:solidFill>
+                  <a:schemeClr val="tx1"/>
+                </a:solidFill>
+                <a:latin typeface="Times New Roman" pitchFamily="18" charset="0"/>
+                <a:ea typeface="+mn-ea"/>
+                <a:cs typeface="+mn-cs"/>
+              </a:rPr>
+              <a:t>secondNum</a:t>
+            </a:r>
+            <a:r>
+              <a:rPr lang="it-IT" sz="1400" kern="1200" dirty="0" smtClean="0">
+                <a:solidFill>
+                  <a:schemeClr val="tx1"/>
+                </a:solidFill>
+                <a:latin typeface="Times New Roman" pitchFamily="18" charset="0"/>
+                <a:ea typeface="+mn-ea"/>
+                <a:cs typeface="+mn-cs"/>
+              </a:rPr>
+              <a:t>)</a:t>
+            </a:r>
+          </a:p>
+          <a:p>
+            <a:r>
+              <a:rPr lang="de-DE" sz="1400" kern="1200" dirty="0" smtClean="0">
+                <a:solidFill>
+                  <a:schemeClr val="tx1"/>
+                </a:solidFill>
+                <a:latin typeface="Times New Roman" pitchFamily="18" charset="0"/>
+                <a:ea typeface="+mn-ea"/>
+                <a:cs typeface="+mn-cs"/>
+              </a:rPr>
+              <a:t>    End Sub</a:t>
             </a:r>
           </a:p>
           <a:p>
@@ -1708,7 +2193,7 @@
             </a:r>
             <a:r>
               <a:rPr lang="en-US" baseline="0" dirty="0" err="1" smtClean="0"/>
-              <a:t>lblHint</a:t>
+              <a:t>lblTip</a:t>
             </a:r>
             <a:r>
               <a:rPr lang="en-US" baseline="0" dirty="0" smtClean="0"/>
@@ -1728,15 +2213,7 @@
             </a:r>
             <a:r>
               <a:rPr lang="en-US" baseline="0" dirty="0" smtClean="0"/>
-              <a:t> As </a:t>
-            </a:r>
-            <a:r>
-              <a:rPr lang="en-US" baseline="0" dirty="0" err="1" smtClean="0"/>
-              <a:t>IntegerByVal</a:t>
-            </a:r>
-            <a:r>
-              <a:rPr lang="en-US" baseline="0" dirty="0" smtClean="0"/>
-              <a:t>, </a:t>
+              <a:t> As Integer, </a:t>
             </a:r>
             <a:r>
               <a:rPr lang="en-US" baseline="0" dirty="0" err="1" smtClean="0"/>
@@ -1770,17 +2247,57 @@
             </a:r>
           </a:p>
           <a:p>
+            <a:pPr marL="0" marR="0" indent="0" algn="l" defTabSz="914400" rtl="0" eaLnBrk="1" fontAlgn="base" latinLnBrk="0" hangingPunct="1">
+              <a:lnSpc>
+                <a:spcPct val="100000"/>
+              </a:lnSpc>
+              <a:spcBef>
+                <a:spcPct val="30000"/>
+              </a:spcBef>
+              <a:spcAft>
+                <a:spcPct val="0"/>
+              </a:spcAft>
+              <a:buClrTx/>
+              <a:buSzTx/>
+              <a:buFontTx/>
+              <a:buNone/>
+              <a:tabLst/>
+              <a:defRPr/>
+            </a:pPr>
             <a:r>
               <a:rPr lang="en-US" baseline="0" dirty="0" smtClean="0"/>
               <a:t>      </a:t>
             </a:r>
             <a:r>
               <a:rPr lang="en-US" baseline="0" dirty="0" err="1" smtClean="0"/>
-              <a:t>lblHint.Text</a:t>
+              <a:t>lblTip.Text</a:t>
             </a:r>
             <a:r>
               <a:rPr lang="en-US" baseline="0" dirty="0" smtClean="0"/>
-              <a:t> = “Too low.”</a:t>
+              <a:t> = </a:t>
+            </a:r>
+            <a:r>
+              <a:rPr lang="en-US" baseline="0" dirty="0" smtClean="0"/>
+              <a:t>“</a:t>
+            </a:r>
+            <a:r>
+              <a:rPr lang="en-US" sz="1400" kern="1200" dirty="0" smtClean="0">
+                <a:solidFill>
+                  <a:schemeClr val="tx1"/>
+                </a:solidFill>
+                <a:latin typeface="Times New Roman" pitchFamily="18" charset="0"/>
+                <a:ea typeface="+mn-ea"/>
+                <a:cs typeface="+mn-cs"/>
+              </a:rPr>
+              <a:t>First is higher</a:t>
+            </a:r>
+            <a:r>
+              <a:rPr lang="en-US" baseline="0" dirty="0" smtClean="0"/>
+              <a:t>.</a:t>
+            </a:r>
+            <a:r>
+              <a:rPr lang="en-US" baseline="0" dirty="0" smtClean="0"/>
+              <a:t>”</a:t>
             </a:r>
           </a:p>
           <a:p>
@@ -1790,17 +2307,57 @@
             </a:r>
           </a:p>
           <a:p>
+            <a:pPr marL="0" marR="0" indent="0" algn="l" defTabSz="914400" rtl="0" eaLnBrk="1" fontAlgn="base" latinLnBrk="0" hangingPunct="1">
+              <a:lnSpc>
+                <a:spcPct val="100000"/>
+              </a:lnSpc>
+              <a:spcBef>
+                <a:spcPct val="30000"/>
+              </a:spcBef>
+              <a:spcAft>
+                <a:spcPct val="0"/>
+              </a:spcAft>
+              <a:buClrTx/>
+              <a:buSzTx/>
+              <a:buFontTx/>
+              <a:buNone/>
+              <a:tabLst/>
+              <a:defRPr/>
+            </a:pPr>
             <a:r>
               <a:rPr lang="en-US" baseline="0" dirty="0" smtClean="0"/>
               <a:t>      </a:t>
             </a:r>
             <a:r>
               <a:rPr lang="en-US" baseline="0" dirty="0" err="1" smtClean="0"/>
-              <a:t>lblHint.Text</a:t>
+              <a:t>lblTip.Text</a:t>
             </a:r>
             <a:r>
               <a:rPr lang="en-US" baseline="0" dirty="0" smtClean="0"/>
-              <a:t> = “Too high.”</a:t>
+              <a:t> = </a:t>
+            </a:r>
+            <a:r>
+              <a:rPr lang="en-US" baseline="0" dirty="0" smtClean="0"/>
+              <a:t>“</a:t>
+            </a:r>
+            <a:r>
+              <a:rPr lang="en-US" sz="1400" kern="1200" dirty="0" smtClean="0">
+                <a:solidFill>
+                  <a:schemeClr val="tx1"/>
+                </a:solidFill>
+                <a:latin typeface="Times New Roman" pitchFamily="18" charset="0"/>
+                <a:ea typeface="+mn-ea"/>
+                <a:cs typeface="+mn-cs"/>
+              </a:rPr>
+              <a:t>First is lower</a:t>
+            </a:r>
+            <a:r>
+              <a:rPr lang="en-US" baseline="0" dirty="0" smtClean="0"/>
+              <a:t>.</a:t>
+            </a:r>
+            <a:r>
+              <a:rPr lang="en-US" baseline="0" dirty="0" smtClean="0"/>
+              <a:t>”</a:t>
             </a:r>
           </a:p>
           <a:p>
@@ -1863,7 +2420,7 @@
             <a:fld id="{E6C73D01-7BBA-47EE-8CEC-236467305A16}" type="datetime8">
               <a:rPr lang="en-US"/>
               <a:pPr/>
-              <a:t>1/14/14 14:02</a:t>
+              <a:t>2/25/15 08:13</a:t>
             </a:fld>
             <a:endParaRPr lang="en-US"/>
           </a:p>
@@ -1973,7 +2530,7 @@
             <a:fld id="{E6C73D01-7BBA-47EE-8CEC-236467305A16}" type="datetime8">
               <a:rPr lang="en-US"/>
               <a:pPr/>
-              <a:t>1/14/14 14:02</a:t>
+              <a:t>2/25/15 08:13</a:t>
             </a:fld>
             <a:endParaRPr lang="en-US"/>
           </a:p>
@@ -2285,7 +2842,7 @@
             <a:fld id="{6A2986C2-948F-46F5-A3BA-6F753955A024}" type="datetime8">
               <a:rPr lang="en-US"/>
               <a:pPr/>
-              <a:t>1/14/14 14:02</a:t>
+              <a:t>2/25/15 08:13</a:t>
             </a:fld>
             <a:endParaRPr lang="en-US"/>
           </a:p>
@@ -2346,6 +2903,63 @@
           <a:bodyPr/>
           <a:lstStyle/>
           <a:p>
+            <a:pPr marL="342900" indent="-342900">
+              <a:buAutoNum type="arabicPeriod"/>
+            </a:pPr>
+            <a:r>
+              <a:rPr lang="en-US" dirty="0" smtClean="0"/>
+              <a:t>The procedure</a:t>
+            </a:r>
+            <a:r>
+              <a:rPr lang="en-US" baseline="0" dirty="0" smtClean="0"/>
+              <a:t> name was changed to a more generic name ( from </a:t>
+            </a:r>
+            <a:r>
+              <a:rPr lang="en-US" baseline="0" dirty="0" err="1" smtClean="0"/>
+              <a:t>chkRelish_Click</a:t>
+            </a:r>
+            <a:r>
+              <a:rPr lang="en-US" baseline="0" dirty="0" smtClean="0"/>
+              <a:t> to </a:t>
+            </a:r>
+            <a:r>
+              <a:rPr lang="en-US" baseline="0" dirty="0" err="1" smtClean="0"/>
+              <a:t>Topping_Click</a:t>
+            </a:r>
+            <a:r>
+              <a:rPr lang="en-US" baseline="0" dirty="0" smtClean="0"/>
+              <a:t> )</a:t>
+            </a:r>
+          </a:p>
+          <a:p>
+            <a:pPr marL="342900" indent="-342900">
+              <a:buAutoNum type="arabicPeriod"/>
+            </a:pPr>
+            <a:r>
+              <a:rPr lang="en-US" baseline="0" dirty="0" smtClean="0"/>
+              <a:t>Additional events to be handled by the procedure were typed after Handles keyword</a:t>
+            </a:r>
+          </a:p>
+          <a:p>
+            <a:pPr marL="342900" indent="-342900">
+              <a:buAutoNum type="arabicPeriod"/>
+            </a:pPr>
+            <a:r>
+              <a:rPr lang="en-US" baseline="0" dirty="0" smtClean="0"/>
+              <a:t>Sender was assigned to a </a:t>
+            </a:r>
+            <a:r>
+              <a:rPr lang="en-US" baseline="0" dirty="0" err="1" smtClean="0"/>
+              <a:t>CheckBox</a:t>
+            </a:r>
+            <a:r>
+              <a:rPr lang="en-US" baseline="0" dirty="0" smtClean="0"/>
+              <a:t> variable so that his properties can </a:t>
+            </a:r>
+            <a:r>
+              <a:rPr lang="en-US" baseline="0" smtClean="0"/>
+              <a:t>be accessed</a:t>
+            </a:r>
             <a:endParaRPr lang="en-US" dirty="0"/>
           </a:p>
         </p:txBody>
@@ -2395,7 +3009,7 @@
             <a:fld id="{DDBD2A6E-185B-4D17-B0BF-2BC2FC47544E}" type="datetime8">
               <a:rPr lang="en-US"/>
               <a:pPr/>
-              <a:t>1/14/14 14:02</a:t>
+              <a:t>2/25/15 08:13</a:t>
             </a:fld>
             <a:endParaRPr lang="en-US"/>
           </a:p>
@@ -2882,7 +3496,7 @@
             <a:fld id="{E66ADB51-AC8B-48F4-8324-97CEFD9EE040}" type="datetime8">
               <a:rPr lang="en-US"/>
               <a:pPr/>
-              <a:t>1/14/14 14:02</a:t>
+              <a:t>2/25/15 08:13</a:t>
             </a:fld>
             <a:endParaRPr lang="en-US"/>
           </a:p>
@@ -2967,6 +3581,2398 @@
               <a:rPr lang="en-US" baseline="0" dirty="0" smtClean="0"/>
               <a:t>There can be more than one Return but the function ends after the first Return statement executes</a:t>
             </a:r>
+          </a:p>
+          <a:p>
+            <a:r>
+              <a:rPr lang="en-US" baseline="0" dirty="0" smtClean="0"/>
+              <a:t>Example: MHS\</a:t>
+            </a:r>
+            <a:r>
+              <a:rPr lang="en-US" baseline="0" dirty="0" err="1" smtClean="0"/>
+              <a:t>CompSci</a:t>
+            </a:r>
+            <a:r>
+              <a:rPr lang="en-US" baseline="0" dirty="0" smtClean="0"/>
+              <a:t> I\PROGRAMS IN TEXT\Letter Grade\Letter Grade</a:t>
+            </a:r>
+          </a:p>
+          <a:p>
+            <a:r>
+              <a:rPr lang="en-US" sz="1400" kern="1200" dirty="0" smtClean="0">
+                <a:solidFill>
+                  <a:schemeClr val="tx1"/>
+                </a:solidFill>
+                <a:latin typeface="Times New Roman" pitchFamily="18" charset="0"/>
+                <a:ea typeface="+mn-ea"/>
+                <a:cs typeface="+mn-cs"/>
+              </a:rPr>
+              <a:t> 'BC: 08/01/13-&gt; Ch_6/Review7: Letter Grade</a:t>
+            </a:r>
+          </a:p>
+          <a:p>
+            <a:r>
+              <a:rPr lang="en-US" sz="1400" kern="1200" dirty="0" smtClean="0">
+                <a:solidFill>
+                  <a:schemeClr val="tx1"/>
+                </a:solidFill>
+                <a:latin typeface="Times New Roman" pitchFamily="18" charset="0"/>
+                <a:ea typeface="+mn-ea"/>
+                <a:cs typeface="+mn-cs"/>
+              </a:rPr>
+              <a:t>See </a:t>
+            </a:r>
+            <a:r>
+              <a:rPr lang="en-US" sz="1400" kern="1200" smtClean="0">
+                <a:solidFill>
+                  <a:schemeClr val="tx1"/>
+                </a:solidFill>
+                <a:latin typeface="Times New Roman" pitchFamily="18" charset="0"/>
+                <a:ea typeface="+mn-ea"/>
+                <a:cs typeface="+mn-cs"/>
+              </a:rPr>
+              <a:t>code bellow:</a:t>
+            </a:r>
+            <a:endParaRPr lang="en-US" sz="1400" kern="1200" dirty="0" smtClean="0">
+              <a:solidFill>
+                <a:schemeClr val="tx1"/>
+              </a:solidFill>
+              <a:latin typeface="Times New Roman" pitchFamily="18" charset="0"/>
+              <a:ea typeface="+mn-ea"/>
+              <a:cs typeface="+mn-cs"/>
+            </a:endParaRPr>
+          </a:p>
+          <a:p>
+            <a:endParaRPr lang="en-US" sz="1400" kern="1200" dirty="0" smtClean="0">
+              <a:solidFill>
+                <a:schemeClr val="tx1"/>
+              </a:solidFill>
+              <a:latin typeface="Times New Roman" pitchFamily="18" charset="0"/>
+              <a:ea typeface="+mn-ea"/>
+              <a:cs typeface="+mn-cs"/>
+            </a:endParaRPr>
+          </a:p>
+          <a:p>
+            <a:r>
+              <a:rPr lang="en-US" sz="1400" kern="1200" dirty="0" smtClean="0">
+                <a:solidFill>
+                  <a:schemeClr val="tx1"/>
+                </a:solidFill>
+                <a:latin typeface="Times New Roman" pitchFamily="18" charset="0"/>
+                <a:ea typeface="+mn-ea"/>
+                <a:cs typeface="+mn-cs"/>
+              </a:rPr>
+              <a:t>    Private Sub </a:t>
+            </a:r>
+            <a:r>
+              <a:rPr lang="en-US" sz="1400" kern="1200" dirty="0" err="1" smtClean="0">
+                <a:solidFill>
+                  <a:schemeClr val="tx1"/>
+                </a:solidFill>
+                <a:latin typeface="Times New Roman" pitchFamily="18" charset="0"/>
+                <a:ea typeface="+mn-ea"/>
+                <a:cs typeface="+mn-cs"/>
+              </a:rPr>
+              <a:t>btnLetterGrade_Click</a:t>
+            </a:r>
+            <a:r>
+              <a:rPr lang="en-US" sz="1400" kern="1200" dirty="0" smtClean="0">
+                <a:solidFill>
+                  <a:schemeClr val="tx1"/>
+                </a:solidFill>
+                <a:latin typeface="Times New Roman" pitchFamily="18" charset="0"/>
+                <a:ea typeface="+mn-ea"/>
+                <a:cs typeface="+mn-cs"/>
+              </a:rPr>
+              <a:t>(</a:t>
+            </a:r>
+            <a:r>
+              <a:rPr lang="en-US" sz="1400" kern="1200" dirty="0" err="1" smtClean="0">
+                <a:solidFill>
+                  <a:schemeClr val="tx1"/>
+                </a:solidFill>
+                <a:latin typeface="Times New Roman" pitchFamily="18" charset="0"/>
+                <a:ea typeface="+mn-ea"/>
+                <a:cs typeface="+mn-cs"/>
+              </a:rPr>
+              <a:t>ByVal</a:t>
+            </a:r>
+            <a:r>
+              <a:rPr lang="en-US" sz="1400" kern="1200" dirty="0" smtClean="0">
+                <a:solidFill>
+                  <a:schemeClr val="tx1"/>
+                </a:solidFill>
+                <a:latin typeface="Times New Roman" pitchFamily="18" charset="0"/>
+                <a:ea typeface="+mn-ea"/>
+                <a:cs typeface="+mn-cs"/>
+              </a:rPr>
+              <a:t> sender As Object, </a:t>
+            </a:r>
+            <a:r>
+              <a:rPr lang="en-US" sz="1400" kern="1200" dirty="0" err="1" smtClean="0">
+                <a:solidFill>
+                  <a:schemeClr val="tx1"/>
+                </a:solidFill>
+                <a:latin typeface="Times New Roman" pitchFamily="18" charset="0"/>
+                <a:ea typeface="+mn-ea"/>
+                <a:cs typeface="+mn-cs"/>
+              </a:rPr>
+              <a:t>ByVal</a:t>
+            </a:r>
+            <a:r>
+              <a:rPr lang="en-US" sz="1400" kern="1200" dirty="0" smtClean="0">
+                <a:solidFill>
+                  <a:schemeClr val="tx1"/>
+                </a:solidFill>
+                <a:latin typeface="Times New Roman" pitchFamily="18" charset="0"/>
+                <a:ea typeface="+mn-ea"/>
+                <a:cs typeface="+mn-cs"/>
+              </a:rPr>
+              <a:t> e As </a:t>
+            </a:r>
+            <a:r>
+              <a:rPr lang="en-US" sz="1400" kern="1200" dirty="0" err="1" smtClean="0">
+                <a:solidFill>
+                  <a:schemeClr val="tx1"/>
+                </a:solidFill>
+                <a:latin typeface="Times New Roman" pitchFamily="18" charset="0"/>
+                <a:ea typeface="+mn-ea"/>
+                <a:cs typeface="+mn-cs"/>
+              </a:rPr>
+              <a:t>System.EventArgs</a:t>
+            </a:r>
+            <a:r>
+              <a:rPr lang="en-US" sz="1400" kern="1200" dirty="0" smtClean="0">
+                <a:solidFill>
+                  <a:schemeClr val="tx1"/>
+                </a:solidFill>
+                <a:latin typeface="Times New Roman" pitchFamily="18" charset="0"/>
+                <a:ea typeface="+mn-ea"/>
+                <a:cs typeface="+mn-cs"/>
+              </a:rPr>
+              <a:t>) Handles </a:t>
+            </a:r>
+            <a:r>
+              <a:rPr lang="en-US" sz="1400" kern="1200" dirty="0" err="1" smtClean="0">
+                <a:solidFill>
+                  <a:schemeClr val="tx1"/>
+                </a:solidFill>
+                <a:latin typeface="Times New Roman" pitchFamily="18" charset="0"/>
+                <a:ea typeface="+mn-ea"/>
+                <a:cs typeface="+mn-cs"/>
+              </a:rPr>
+              <a:t>btnLetterGrade.Click</a:t>
+            </a:r>
+            <a:endParaRPr lang="en-US" sz="1400" kern="1200" dirty="0" smtClean="0">
+              <a:solidFill>
+                <a:schemeClr val="tx1"/>
+              </a:solidFill>
+              <a:latin typeface="Times New Roman" pitchFamily="18" charset="0"/>
+              <a:ea typeface="+mn-ea"/>
+              <a:cs typeface="+mn-cs"/>
+            </a:endParaRPr>
+          </a:p>
+          <a:p>
+            <a:r>
+              <a:rPr lang="en-US" sz="1400" kern="1200" dirty="0" smtClean="0">
+                <a:solidFill>
+                  <a:schemeClr val="tx1"/>
+                </a:solidFill>
+                <a:latin typeface="Times New Roman" pitchFamily="18" charset="0"/>
+                <a:ea typeface="+mn-ea"/>
+                <a:cs typeface="+mn-cs"/>
+              </a:rPr>
+              <a:t>        </a:t>
+            </a:r>
+            <a:r>
+              <a:rPr lang="en-US" sz="1400" kern="1200" dirty="0" err="1" smtClean="0">
+                <a:solidFill>
+                  <a:schemeClr val="tx1"/>
+                </a:solidFill>
+                <a:latin typeface="Times New Roman" pitchFamily="18" charset="0"/>
+                <a:ea typeface="+mn-ea"/>
+                <a:cs typeface="+mn-cs"/>
+              </a:rPr>
+              <a:t>Const</a:t>
+            </a:r>
+            <a:r>
+              <a:rPr lang="en-US" sz="1400" kern="1200" dirty="0" smtClean="0">
+                <a:solidFill>
+                  <a:schemeClr val="tx1"/>
+                </a:solidFill>
+                <a:latin typeface="Times New Roman" pitchFamily="18" charset="0"/>
+                <a:ea typeface="+mn-ea"/>
+                <a:cs typeface="+mn-cs"/>
+              </a:rPr>
+              <a:t> </a:t>
+            </a:r>
+            <a:r>
+              <a:rPr lang="en-US" sz="1400" kern="1200" dirty="0" err="1" smtClean="0">
+                <a:solidFill>
+                  <a:schemeClr val="tx1"/>
+                </a:solidFill>
+                <a:latin typeface="Times New Roman" pitchFamily="18" charset="0"/>
+                <a:ea typeface="+mn-ea"/>
+                <a:cs typeface="+mn-cs"/>
+              </a:rPr>
+              <a:t>sngLOWESTSCORE</a:t>
+            </a:r>
+            <a:r>
+              <a:rPr lang="en-US" sz="1400" kern="1200" dirty="0" smtClean="0">
+                <a:solidFill>
+                  <a:schemeClr val="tx1"/>
+                </a:solidFill>
+                <a:latin typeface="Times New Roman" pitchFamily="18" charset="0"/>
+                <a:ea typeface="+mn-ea"/>
+                <a:cs typeface="+mn-cs"/>
+              </a:rPr>
+              <a:t> As Single = 0</a:t>
+            </a:r>
+          </a:p>
+          <a:p>
+            <a:r>
+              <a:rPr lang="en-US" sz="1400" kern="1200" dirty="0" smtClean="0">
+                <a:solidFill>
+                  <a:schemeClr val="tx1"/>
+                </a:solidFill>
+                <a:latin typeface="Times New Roman" pitchFamily="18" charset="0"/>
+                <a:ea typeface="+mn-ea"/>
+                <a:cs typeface="+mn-cs"/>
+              </a:rPr>
+              <a:t>        </a:t>
+            </a:r>
+            <a:r>
+              <a:rPr lang="en-US" sz="1400" kern="1200" dirty="0" err="1" smtClean="0">
+                <a:solidFill>
+                  <a:schemeClr val="tx1"/>
+                </a:solidFill>
+                <a:latin typeface="Times New Roman" pitchFamily="18" charset="0"/>
+                <a:ea typeface="+mn-ea"/>
+                <a:cs typeface="+mn-cs"/>
+              </a:rPr>
+              <a:t>Const</a:t>
+            </a:r>
+            <a:r>
+              <a:rPr lang="en-US" sz="1400" kern="1200" dirty="0" smtClean="0">
+                <a:solidFill>
+                  <a:schemeClr val="tx1"/>
+                </a:solidFill>
+                <a:latin typeface="Times New Roman" pitchFamily="18" charset="0"/>
+                <a:ea typeface="+mn-ea"/>
+                <a:cs typeface="+mn-cs"/>
+              </a:rPr>
+              <a:t> </a:t>
+            </a:r>
+            <a:r>
+              <a:rPr lang="en-US" sz="1400" kern="1200" dirty="0" err="1" smtClean="0">
+                <a:solidFill>
+                  <a:schemeClr val="tx1"/>
+                </a:solidFill>
+                <a:latin typeface="Times New Roman" pitchFamily="18" charset="0"/>
+                <a:ea typeface="+mn-ea"/>
+                <a:cs typeface="+mn-cs"/>
+              </a:rPr>
+              <a:t>sngHIGHESTSCORE</a:t>
+            </a:r>
+            <a:r>
+              <a:rPr lang="en-US" sz="1400" kern="1200" dirty="0" smtClean="0">
+                <a:solidFill>
+                  <a:schemeClr val="tx1"/>
+                </a:solidFill>
+                <a:latin typeface="Times New Roman" pitchFamily="18" charset="0"/>
+                <a:ea typeface="+mn-ea"/>
+                <a:cs typeface="+mn-cs"/>
+              </a:rPr>
+              <a:t> As Single = 100</a:t>
+            </a:r>
+          </a:p>
+          <a:p>
+            <a:r>
+              <a:rPr lang="en-US" sz="1400" kern="1200" dirty="0" smtClean="0">
+                <a:solidFill>
+                  <a:schemeClr val="tx1"/>
+                </a:solidFill>
+                <a:latin typeface="Times New Roman" pitchFamily="18" charset="0"/>
+                <a:ea typeface="+mn-ea"/>
+                <a:cs typeface="+mn-cs"/>
+              </a:rPr>
+              <a:t>        Dim </a:t>
+            </a:r>
+            <a:r>
+              <a:rPr lang="en-US" sz="1400" kern="1200" dirty="0" err="1" smtClean="0">
+                <a:solidFill>
+                  <a:schemeClr val="tx1"/>
+                </a:solidFill>
+                <a:latin typeface="Times New Roman" pitchFamily="18" charset="0"/>
+                <a:ea typeface="+mn-ea"/>
+                <a:cs typeface="+mn-cs"/>
+              </a:rPr>
+              <a:t>sngScoreEntered</a:t>
+            </a:r>
+            <a:r>
+              <a:rPr lang="en-US" sz="1400" kern="1200" dirty="0" smtClean="0">
+                <a:solidFill>
+                  <a:schemeClr val="tx1"/>
+                </a:solidFill>
+                <a:latin typeface="Times New Roman" pitchFamily="18" charset="0"/>
+                <a:ea typeface="+mn-ea"/>
+                <a:cs typeface="+mn-cs"/>
+              </a:rPr>
+              <a:t> As Single</a:t>
+            </a:r>
+          </a:p>
+          <a:p>
+            <a:endParaRPr lang="en-US" sz="1400" kern="1200" dirty="0" smtClean="0">
+              <a:solidFill>
+                <a:schemeClr val="tx1"/>
+              </a:solidFill>
+              <a:latin typeface="Times New Roman" pitchFamily="18" charset="0"/>
+              <a:ea typeface="+mn-ea"/>
+              <a:cs typeface="+mn-cs"/>
+            </a:endParaRPr>
+          </a:p>
+          <a:p>
+            <a:r>
+              <a:rPr lang="en-US" sz="1400" kern="1200" dirty="0" smtClean="0">
+                <a:solidFill>
+                  <a:schemeClr val="tx1"/>
+                </a:solidFill>
+                <a:latin typeface="Times New Roman" pitchFamily="18" charset="0"/>
+                <a:ea typeface="+mn-ea"/>
+                <a:cs typeface="+mn-cs"/>
+              </a:rPr>
+              <a:t>        </a:t>
+            </a:r>
+            <a:r>
+              <a:rPr lang="en-US" sz="1400" kern="1200" dirty="0" err="1" smtClean="0">
+                <a:solidFill>
+                  <a:schemeClr val="tx1"/>
+                </a:solidFill>
+                <a:latin typeface="Times New Roman" pitchFamily="18" charset="0"/>
+                <a:ea typeface="+mn-ea"/>
+                <a:cs typeface="+mn-cs"/>
+              </a:rPr>
+              <a:t>sngScoreEntered</a:t>
+            </a:r>
+            <a:r>
+              <a:rPr lang="en-US" sz="1400" kern="1200" dirty="0" smtClean="0">
+                <a:solidFill>
+                  <a:schemeClr val="tx1"/>
+                </a:solidFill>
+                <a:latin typeface="Times New Roman" pitchFamily="18" charset="0"/>
+                <a:ea typeface="+mn-ea"/>
+                <a:cs typeface="+mn-cs"/>
+              </a:rPr>
+              <a:t> = Val(</a:t>
+            </a:r>
+            <a:r>
+              <a:rPr lang="en-US" sz="1400" kern="1200" dirty="0" err="1" smtClean="0">
+                <a:solidFill>
+                  <a:schemeClr val="tx1"/>
+                </a:solidFill>
+                <a:latin typeface="Times New Roman" pitchFamily="18" charset="0"/>
+                <a:ea typeface="+mn-ea"/>
+                <a:cs typeface="+mn-cs"/>
+              </a:rPr>
+              <a:t>Me.txtScore.Text</a:t>
+            </a:r>
+            <a:r>
+              <a:rPr lang="en-US" sz="1400" kern="1200" dirty="0" smtClean="0">
+                <a:solidFill>
+                  <a:schemeClr val="tx1"/>
+                </a:solidFill>
+                <a:latin typeface="Times New Roman" pitchFamily="18" charset="0"/>
+                <a:ea typeface="+mn-ea"/>
+                <a:cs typeface="+mn-cs"/>
+              </a:rPr>
+              <a:t>)</a:t>
+            </a:r>
+          </a:p>
+          <a:p>
+            <a:endParaRPr lang="en-US" sz="1400" kern="1200" dirty="0" smtClean="0">
+              <a:solidFill>
+                <a:schemeClr val="tx1"/>
+              </a:solidFill>
+              <a:latin typeface="Times New Roman" pitchFamily="18" charset="0"/>
+              <a:ea typeface="+mn-ea"/>
+              <a:cs typeface="+mn-cs"/>
+            </a:endParaRPr>
+          </a:p>
+          <a:p>
+            <a:r>
+              <a:rPr lang="en-US" sz="1400" kern="1200" dirty="0" smtClean="0">
+                <a:solidFill>
+                  <a:schemeClr val="tx1"/>
+                </a:solidFill>
+                <a:latin typeface="Times New Roman" pitchFamily="18" charset="0"/>
+                <a:ea typeface="+mn-ea"/>
+                <a:cs typeface="+mn-cs"/>
+              </a:rPr>
+              <a:t>        If Not </a:t>
+            </a:r>
+            <a:r>
+              <a:rPr lang="en-US" sz="1400" kern="1200" dirty="0" err="1" smtClean="0">
+                <a:solidFill>
+                  <a:schemeClr val="tx1"/>
+                </a:solidFill>
+                <a:latin typeface="Times New Roman" pitchFamily="18" charset="0"/>
+                <a:ea typeface="+mn-ea"/>
+                <a:cs typeface="+mn-cs"/>
+              </a:rPr>
+              <a:t>ValidEntry</a:t>
+            </a:r>
+            <a:r>
+              <a:rPr lang="en-US" sz="1400" kern="1200" dirty="0" smtClean="0">
+                <a:solidFill>
+                  <a:schemeClr val="tx1"/>
+                </a:solidFill>
+                <a:latin typeface="Times New Roman" pitchFamily="18" charset="0"/>
+                <a:ea typeface="+mn-ea"/>
+                <a:cs typeface="+mn-cs"/>
+              </a:rPr>
+              <a:t>(</a:t>
+            </a:r>
+            <a:r>
+              <a:rPr lang="en-US" sz="1400" kern="1200" dirty="0" err="1" smtClean="0">
+                <a:solidFill>
+                  <a:schemeClr val="tx1"/>
+                </a:solidFill>
+                <a:latin typeface="Times New Roman" pitchFamily="18" charset="0"/>
+                <a:ea typeface="+mn-ea"/>
+                <a:cs typeface="+mn-cs"/>
+              </a:rPr>
+              <a:t>sngScoreEntered</a:t>
+            </a:r>
+            <a:r>
+              <a:rPr lang="en-US" sz="1400" kern="1200" dirty="0" smtClean="0">
+                <a:solidFill>
+                  <a:schemeClr val="tx1"/>
+                </a:solidFill>
+                <a:latin typeface="Times New Roman" pitchFamily="18" charset="0"/>
+                <a:ea typeface="+mn-ea"/>
+                <a:cs typeface="+mn-cs"/>
+              </a:rPr>
+              <a:t>, </a:t>
+            </a:r>
+            <a:r>
+              <a:rPr lang="en-US" sz="1400" kern="1200" dirty="0" err="1" smtClean="0">
+                <a:solidFill>
+                  <a:schemeClr val="tx1"/>
+                </a:solidFill>
+                <a:latin typeface="Times New Roman" pitchFamily="18" charset="0"/>
+                <a:ea typeface="+mn-ea"/>
+                <a:cs typeface="+mn-cs"/>
+              </a:rPr>
+              <a:t>sngHIGHESTSCORE</a:t>
+            </a:r>
+            <a:r>
+              <a:rPr lang="en-US" sz="1400" kern="1200" dirty="0" smtClean="0">
+                <a:solidFill>
+                  <a:schemeClr val="tx1"/>
+                </a:solidFill>
+                <a:latin typeface="Times New Roman" pitchFamily="18" charset="0"/>
+                <a:ea typeface="+mn-ea"/>
+                <a:cs typeface="+mn-cs"/>
+              </a:rPr>
+              <a:t>, </a:t>
+            </a:r>
+            <a:r>
+              <a:rPr lang="en-US" sz="1400" kern="1200" dirty="0" err="1" smtClean="0">
+                <a:solidFill>
+                  <a:schemeClr val="tx1"/>
+                </a:solidFill>
+                <a:latin typeface="Times New Roman" pitchFamily="18" charset="0"/>
+                <a:ea typeface="+mn-ea"/>
+                <a:cs typeface="+mn-cs"/>
+              </a:rPr>
+              <a:t>sngLOWESTSCORE</a:t>
+            </a:r>
+            <a:r>
+              <a:rPr lang="en-US" sz="1400" kern="1200" dirty="0" smtClean="0">
+                <a:solidFill>
+                  <a:schemeClr val="tx1"/>
+                </a:solidFill>
+                <a:latin typeface="Times New Roman" pitchFamily="18" charset="0"/>
+                <a:ea typeface="+mn-ea"/>
+                <a:cs typeface="+mn-cs"/>
+              </a:rPr>
+              <a:t>) Then</a:t>
+            </a:r>
+          </a:p>
+          <a:p>
+            <a:r>
+              <a:rPr lang="en-US" sz="1400" kern="1200" dirty="0" smtClean="0">
+                <a:solidFill>
+                  <a:schemeClr val="tx1"/>
+                </a:solidFill>
+                <a:latin typeface="Times New Roman" pitchFamily="18" charset="0"/>
+                <a:ea typeface="+mn-ea"/>
+                <a:cs typeface="+mn-cs"/>
+              </a:rPr>
+              <a:t>            </a:t>
+            </a:r>
+            <a:r>
+              <a:rPr lang="en-US" sz="1400" kern="1200" dirty="0" err="1" smtClean="0">
+                <a:solidFill>
+                  <a:schemeClr val="tx1"/>
+                </a:solidFill>
+                <a:latin typeface="Times New Roman" pitchFamily="18" charset="0"/>
+                <a:ea typeface="+mn-ea"/>
+                <a:cs typeface="+mn-cs"/>
+              </a:rPr>
+              <a:t>MessageBox.Show</a:t>
+            </a:r>
+            <a:r>
+              <a:rPr lang="en-US" sz="1400" kern="1200" dirty="0" smtClean="0">
+                <a:solidFill>
+                  <a:schemeClr val="tx1"/>
+                </a:solidFill>
+                <a:latin typeface="Times New Roman" pitchFamily="18" charset="0"/>
+                <a:ea typeface="+mn-ea"/>
+                <a:cs typeface="+mn-cs"/>
+              </a:rPr>
+              <a:t>("Enter a score between " &amp; </a:t>
+            </a:r>
+            <a:r>
+              <a:rPr lang="en-US" sz="1400" kern="1200" dirty="0" err="1" smtClean="0">
+                <a:solidFill>
+                  <a:schemeClr val="tx1"/>
+                </a:solidFill>
+                <a:latin typeface="Times New Roman" pitchFamily="18" charset="0"/>
+                <a:ea typeface="+mn-ea"/>
+                <a:cs typeface="+mn-cs"/>
+              </a:rPr>
+              <a:t>sngLOWESTSCORE</a:t>
+            </a:r>
+            <a:r>
+              <a:rPr lang="en-US" sz="1400" kern="1200" dirty="0" smtClean="0">
+                <a:solidFill>
+                  <a:schemeClr val="tx1"/>
+                </a:solidFill>
+                <a:latin typeface="Times New Roman" pitchFamily="18" charset="0"/>
+                <a:ea typeface="+mn-ea"/>
+                <a:cs typeface="+mn-cs"/>
+              </a:rPr>
+              <a:t> &amp; "and" &amp; </a:t>
+            </a:r>
+            <a:r>
+              <a:rPr lang="en-US" sz="1400" kern="1200" dirty="0" err="1" smtClean="0">
+                <a:solidFill>
+                  <a:schemeClr val="tx1"/>
+                </a:solidFill>
+                <a:latin typeface="Times New Roman" pitchFamily="18" charset="0"/>
+                <a:ea typeface="+mn-ea"/>
+                <a:cs typeface="+mn-cs"/>
+              </a:rPr>
+              <a:t>sngHIGHESTSCORE</a:t>
+            </a:r>
+            <a:r>
+              <a:rPr lang="en-US" sz="1400" kern="1200" dirty="0" smtClean="0">
+                <a:solidFill>
+                  <a:schemeClr val="tx1"/>
+                </a:solidFill>
+                <a:latin typeface="Times New Roman" pitchFamily="18" charset="0"/>
+                <a:ea typeface="+mn-ea"/>
+                <a:cs typeface="+mn-cs"/>
+              </a:rPr>
+              <a:t>)</a:t>
+            </a:r>
+          </a:p>
+          <a:p>
+            <a:endParaRPr lang="en-US" sz="1400" kern="1200" dirty="0" smtClean="0">
+              <a:solidFill>
+                <a:schemeClr val="tx1"/>
+              </a:solidFill>
+              <a:latin typeface="Times New Roman" pitchFamily="18" charset="0"/>
+              <a:ea typeface="+mn-ea"/>
+              <a:cs typeface="+mn-cs"/>
+            </a:endParaRPr>
+          </a:p>
+          <a:p>
+            <a:r>
+              <a:rPr lang="en-US" sz="1400" kern="1200" dirty="0" smtClean="0">
+                <a:solidFill>
+                  <a:schemeClr val="tx1"/>
+                </a:solidFill>
+                <a:latin typeface="Times New Roman" pitchFamily="18" charset="0"/>
+                <a:ea typeface="+mn-ea"/>
+                <a:cs typeface="+mn-cs"/>
+              </a:rPr>
+              <a:t>            </a:t>
+            </a:r>
+            <a:r>
+              <a:rPr lang="en-US" sz="1400" kern="1200" dirty="0" err="1" smtClean="0">
+                <a:solidFill>
+                  <a:schemeClr val="tx1"/>
+                </a:solidFill>
+                <a:latin typeface="Times New Roman" pitchFamily="18" charset="0"/>
+                <a:ea typeface="+mn-ea"/>
+                <a:cs typeface="+mn-cs"/>
+              </a:rPr>
+              <a:t>Me.txtScore.Text</a:t>
+            </a:r>
+            <a:r>
+              <a:rPr lang="en-US" sz="1400" kern="1200" dirty="0" smtClean="0">
+                <a:solidFill>
+                  <a:schemeClr val="tx1"/>
+                </a:solidFill>
+                <a:latin typeface="Times New Roman" pitchFamily="18" charset="0"/>
+                <a:ea typeface="+mn-ea"/>
+                <a:cs typeface="+mn-cs"/>
+              </a:rPr>
+              <a:t> = Nothing</a:t>
+            </a:r>
+          </a:p>
+          <a:p>
+            <a:r>
+              <a:rPr lang="en-US" sz="1400" kern="1200" dirty="0" smtClean="0">
+                <a:solidFill>
+                  <a:schemeClr val="tx1"/>
+                </a:solidFill>
+                <a:latin typeface="Times New Roman" pitchFamily="18" charset="0"/>
+                <a:ea typeface="+mn-ea"/>
+                <a:cs typeface="+mn-cs"/>
+              </a:rPr>
+              <a:t>            </a:t>
+            </a:r>
+            <a:r>
+              <a:rPr lang="en-US" sz="1400" kern="1200" dirty="0" err="1" smtClean="0">
+                <a:solidFill>
+                  <a:schemeClr val="tx1"/>
+                </a:solidFill>
+                <a:latin typeface="Times New Roman" pitchFamily="18" charset="0"/>
+                <a:ea typeface="+mn-ea"/>
+                <a:cs typeface="+mn-cs"/>
+              </a:rPr>
+              <a:t>Me.lblLetterGrade.Text</a:t>
+            </a:r>
+            <a:r>
+              <a:rPr lang="en-US" sz="1400" kern="1200" dirty="0" smtClean="0">
+                <a:solidFill>
+                  <a:schemeClr val="tx1"/>
+                </a:solidFill>
+                <a:latin typeface="Times New Roman" pitchFamily="18" charset="0"/>
+                <a:ea typeface="+mn-ea"/>
+                <a:cs typeface="+mn-cs"/>
+              </a:rPr>
+              <a:t> = Nothing</a:t>
+            </a:r>
+          </a:p>
+          <a:p>
+            <a:r>
+              <a:rPr lang="da-DK" sz="1400" kern="1200" dirty="0" smtClean="0">
+                <a:solidFill>
+                  <a:schemeClr val="tx1"/>
+                </a:solidFill>
+                <a:latin typeface="Times New Roman" pitchFamily="18" charset="0"/>
+                <a:ea typeface="+mn-ea"/>
+                <a:cs typeface="+mn-cs"/>
+              </a:rPr>
+              <a:t>        Else</a:t>
+            </a:r>
+          </a:p>
+          <a:p>
+            <a:r>
+              <a:rPr lang="da-DK" sz="1400" kern="1200" dirty="0" smtClean="0">
+                <a:solidFill>
+                  <a:schemeClr val="tx1"/>
+                </a:solidFill>
+                <a:latin typeface="Times New Roman" pitchFamily="18" charset="0"/>
+                <a:ea typeface="+mn-ea"/>
+                <a:cs typeface="+mn-cs"/>
+              </a:rPr>
+              <a:t>            </a:t>
+            </a:r>
+            <a:r>
+              <a:rPr lang="da-DK" sz="1400" kern="1200" dirty="0" err="1" smtClean="0">
+                <a:solidFill>
+                  <a:schemeClr val="tx1"/>
+                </a:solidFill>
+                <a:latin typeface="Times New Roman" pitchFamily="18" charset="0"/>
+                <a:ea typeface="+mn-ea"/>
+                <a:cs typeface="+mn-cs"/>
+              </a:rPr>
+              <a:t>Me.lblLetterGrade.Text</a:t>
+            </a:r>
+            <a:r>
+              <a:rPr lang="da-DK" sz="1400" kern="1200" dirty="0" smtClean="0">
+                <a:solidFill>
+                  <a:schemeClr val="tx1"/>
+                </a:solidFill>
+                <a:latin typeface="Times New Roman" pitchFamily="18" charset="0"/>
+                <a:ea typeface="+mn-ea"/>
+                <a:cs typeface="+mn-cs"/>
+              </a:rPr>
+              <a:t> = "</a:t>
+            </a:r>
+            <a:r>
+              <a:rPr lang="da-DK" sz="1400" kern="1200" dirty="0" err="1" smtClean="0">
+                <a:solidFill>
+                  <a:schemeClr val="tx1"/>
+                </a:solidFill>
+                <a:latin typeface="Times New Roman" pitchFamily="18" charset="0"/>
+                <a:ea typeface="+mn-ea"/>
+                <a:cs typeface="+mn-cs"/>
+              </a:rPr>
+              <a:t>Your</a:t>
+            </a:r>
+            <a:r>
+              <a:rPr lang="da-DK" sz="1400" kern="1200" dirty="0" smtClean="0">
+                <a:solidFill>
+                  <a:schemeClr val="tx1"/>
+                </a:solidFill>
+                <a:latin typeface="Times New Roman" pitchFamily="18" charset="0"/>
+                <a:ea typeface="+mn-ea"/>
+                <a:cs typeface="+mn-cs"/>
+              </a:rPr>
+              <a:t> grade is " &amp; </a:t>
+            </a:r>
+            <a:r>
+              <a:rPr lang="da-DK" sz="1400" kern="1200" dirty="0" err="1" smtClean="0">
+                <a:solidFill>
+                  <a:schemeClr val="tx1"/>
+                </a:solidFill>
+                <a:latin typeface="Times New Roman" pitchFamily="18" charset="0"/>
+                <a:ea typeface="+mn-ea"/>
+                <a:cs typeface="+mn-cs"/>
+              </a:rPr>
+              <a:t>LetterGrade</a:t>
+            </a:r>
+            <a:r>
+              <a:rPr lang="da-DK" sz="1400" kern="1200" dirty="0" smtClean="0">
+                <a:solidFill>
+                  <a:schemeClr val="tx1"/>
+                </a:solidFill>
+                <a:latin typeface="Times New Roman" pitchFamily="18" charset="0"/>
+                <a:ea typeface="+mn-ea"/>
+                <a:cs typeface="+mn-cs"/>
+              </a:rPr>
+              <a:t>(</a:t>
+            </a:r>
+            <a:r>
+              <a:rPr lang="da-DK" sz="1400" kern="1200" dirty="0" err="1" smtClean="0">
+                <a:solidFill>
+                  <a:schemeClr val="tx1"/>
+                </a:solidFill>
+                <a:latin typeface="Times New Roman" pitchFamily="18" charset="0"/>
+                <a:ea typeface="+mn-ea"/>
+                <a:cs typeface="+mn-cs"/>
+              </a:rPr>
+              <a:t>sngScoreEntered</a:t>
+            </a:r>
+            <a:r>
+              <a:rPr lang="da-DK" sz="1400" kern="1200" dirty="0" smtClean="0">
+                <a:solidFill>
+                  <a:schemeClr val="tx1"/>
+                </a:solidFill>
+                <a:latin typeface="Times New Roman" pitchFamily="18" charset="0"/>
+                <a:ea typeface="+mn-ea"/>
+                <a:cs typeface="+mn-cs"/>
+              </a:rPr>
+              <a:t>)</a:t>
+            </a:r>
+          </a:p>
+          <a:p>
+            <a:r>
+              <a:rPr lang="de-DE" sz="1400" kern="1200" dirty="0" smtClean="0">
+                <a:solidFill>
+                  <a:schemeClr val="tx1"/>
+                </a:solidFill>
+                <a:latin typeface="Times New Roman" pitchFamily="18" charset="0"/>
+                <a:ea typeface="+mn-ea"/>
+                <a:cs typeface="+mn-cs"/>
+              </a:rPr>
+              <a:t>        End </a:t>
+            </a:r>
+            <a:r>
+              <a:rPr lang="de-DE" sz="1400" kern="1200" dirty="0" err="1" smtClean="0">
+                <a:solidFill>
+                  <a:schemeClr val="tx1"/>
+                </a:solidFill>
+                <a:latin typeface="Times New Roman" pitchFamily="18" charset="0"/>
+                <a:ea typeface="+mn-ea"/>
+                <a:cs typeface="+mn-cs"/>
+              </a:rPr>
+              <a:t>If</a:t>
+            </a:r>
+            <a:endParaRPr lang="de-DE" sz="1400" kern="1200" dirty="0" smtClean="0">
+              <a:solidFill>
+                <a:schemeClr val="tx1"/>
+              </a:solidFill>
+              <a:latin typeface="Times New Roman" pitchFamily="18" charset="0"/>
+              <a:ea typeface="+mn-ea"/>
+              <a:cs typeface="+mn-cs"/>
+            </a:endParaRPr>
+          </a:p>
+          <a:p>
+            <a:endParaRPr lang="de-DE" sz="1400" kern="1200" dirty="0" smtClean="0">
+              <a:solidFill>
+                <a:schemeClr val="tx1"/>
+              </a:solidFill>
+              <a:latin typeface="Times New Roman" pitchFamily="18" charset="0"/>
+              <a:ea typeface="+mn-ea"/>
+              <a:cs typeface="+mn-cs"/>
+            </a:endParaRPr>
+          </a:p>
+          <a:p>
+            <a:r>
+              <a:rPr lang="de-DE" sz="1400" kern="1200" dirty="0" smtClean="0">
+                <a:solidFill>
+                  <a:schemeClr val="tx1"/>
+                </a:solidFill>
+                <a:latin typeface="Times New Roman" pitchFamily="18" charset="0"/>
+                <a:ea typeface="+mn-ea"/>
+                <a:cs typeface="+mn-cs"/>
+              </a:rPr>
+              <a:t>    End Sub</a:t>
+            </a:r>
+          </a:p>
+          <a:p>
+            <a:endParaRPr lang="de-DE" sz="1400" kern="1200" dirty="0" smtClean="0">
+              <a:solidFill>
+                <a:schemeClr val="tx1"/>
+              </a:solidFill>
+              <a:latin typeface="Times New Roman" pitchFamily="18" charset="0"/>
+              <a:ea typeface="+mn-ea"/>
+              <a:cs typeface="+mn-cs"/>
+            </a:endParaRPr>
+          </a:p>
+          <a:p>
+            <a:endParaRPr lang="de-DE" sz="1400" kern="1200" dirty="0" smtClean="0">
+              <a:solidFill>
+                <a:schemeClr val="tx1"/>
+              </a:solidFill>
+              <a:latin typeface="Times New Roman" pitchFamily="18" charset="0"/>
+              <a:ea typeface="+mn-ea"/>
+              <a:cs typeface="+mn-cs"/>
+            </a:endParaRPr>
+          </a:p>
+          <a:p>
+            <a:r>
+              <a:rPr lang="fr-FR" sz="1400" kern="1200" dirty="0" smtClean="0">
+                <a:solidFill>
+                  <a:schemeClr val="tx1"/>
+                </a:solidFill>
+                <a:latin typeface="Times New Roman" pitchFamily="18" charset="0"/>
+                <a:ea typeface="+mn-ea"/>
+                <a:cs typeface="+mn-cs"/>
+              </a:rPr>
+              <a:t>    '````````````````````````````````````````````````````````````````````````````````````````````````````````````````````````````</a:t>
+            </a:r>
+          </a:p>
+          <a:p>
+            <a:r>
+              <a:rPr lang="fr-FR" sz="1400" kern="1200" dirty="0" smtClean="0">
+                <a:solidFill>
+                  <a:schemeClr val="tx1"/>
+                </a:solidFill>
+                <a:latin typeface="Times New Roman" pitchFamily="18" charset="0"/>
+                <a:ea typeface="+mn-ea"/>
+                <a:cs typeface="+mn-cs"/>
+              </a:rPr>
+              <a:t>    '</a:t>
+            </a:r>
+            <a:r>
+              <a:rPr lang="fr-FR" sz="1400" kern="1200" dirty="0" err="1" smtClean="0">
+                <a:solidFill>
+                  <a:schemeClr val="tx1"/>
+                </a:solidFill>
+                <a:latin typeface="Times New Roman" pitchFamily="18" charset="0"/>
+                <a:ea typeface="+mn-ea"/>
+                <a:cs typeface="+mn-cs"/>
+              </a:rPr>
+              <a:t>Returns</a:t>
+            </a:r>
+            <a:r>
+              <a:rPr lang="fr-FR" sz="1400" kern="1200" dirty="0" smtClean="0">
+                <a:solidFill>
+                  <a:schemeClr val="tx1"/>
+                </a:solidFill>
+                <a:latin typeface="Times New Roman" pitchFamily="18" charset="0"/>
+                <a:ea typeface="+mn-ea"/>
+                <a:cs typeface="+mn-cs"/>
+              </a:rPr>
+              <a:t> </a:t>
+            </a:r>
+            <a:r>
+              <a:rPr lang="fr-FR" sz="1400" kern="1200" dirty="0" err="1" smtClean="0">
+                <a:solidFill>
+                  <a:schemeClr val="tx1"/>
+                </a:solidFill>
+                <a:latin typeface="Times New Roman" pitchFamily="18" charset="0"/>
+                <a:ea typeface="+mn-ea"/>
+                <a:cs typeface="+mn-cs"/>
+              </a:rPr>
+              <a:t>True</a:t>
+            </a:r>
+            <a:r>
+              <a:rPr lang="fr-FR" sz="1400" kern="1200" dirty="0" smtClean="0">
+                <a:solidFill>
+                  <a:schemeClr val="tx1"/>
+                </a:solidFill>
+                <a:latin typeface="Times New Roman" pitchFamily="18" charset="0"/>
+                <a:ea typeface="+mn-ea"/>
+                <a:cs typeface="+mn-cs"/>
+              </a:rPr>
+              <a:t> if </a:t>
+            </a:r>
+            <a:r>
+              <a:rPr lang="fr-FR" sz="1400" kern="1200" dirty="0" err="1" smtClean="0">
+                <a:solidFill>
+                  <a:schemeClr val="tx1"/>
+                </a:solidFill>
+                <a:latin typeface="Times New Roman" pitchFamily="18" charset="0"/>
+                <a:ea typeface="+mn-ea"/>
+                <a:cs typeface="+mn-cs"/>
+              </a:rPr>
+              <a:t>intLowerLimit</a:t>
+            </a:r>
+            <a:r>
+              <a:rPr lang="fr-FR" sz="1400" kern="1200" dirty="0" smtClean="0">
+                <a:solidFill>
+                  <a:schemeClr val="tx1"/>
+                </a:solidFill>
+                <a:latin typeface="Times New Roman" pitchFamily="18" charset="0"/>
+                <a:ea typeface="+mn-ea"/>
+                <a:cs typeface="+mn-cs"/>
+              </a:rPr>
+              <a:t> &lt;= </a:t>
+            </a:r>
+            <a:r>
+              <a:rPr lang="fr-FR" sz="1400" kern="1200" dirty="0" err="1" smtClean="0">
+                <a:solidFill>
+                  <a:schemeClr val="tx1"/>
+                </a:solidFill>
+                <a:latin typeface="Times New Roman" pitchFamily="18" charset="0"/>
+                <a:ea typeface="+mn-ea"/>
+                <a:cs typeface="+mn-cs"/>
+              </a:rPr>
+              <a:t>intUserNum</a:t>
+            </a:r>
+            <a:r>
+              <a:rPr lang="fr-FR" sz="1400" kern="1200" dirty="0" smtClean="0">
+                <a:solidFill>
+                  <a:schemeClr val="tx1"/>
+                </a:solidFill>
+                <a:latin typeface="Times New Roman" pitchFamily="18" charset="0"/>
+                <a:ea typeface="+mn-ea"/>
+                <a:cs typeface="+mn-cs"/>
+              </a:rPr>
+              <a:t> &lt;= </a:t>
+            </a:r>
+            <a:r>
+              <a:rPr lang="fr-FR" sz="1400" kern="1200" dirty="0" err="1" smtClean="0">
+                <a:solidFill>
+                  <a:schemeClr val="tx1"/>
+                </a:solidFill>
+                <a:latin typeface="Times New Roman" pitchFamily="18" charset="0"/>
+                <a:ea typeface="+mn-ea"/>
+                <a:cs typeface="+mn-cs"/>
+              </a:rPr>
+              <a:t>intUpperLimit</a:t>
+            </a:r>
+            <a:endParaRPr lang="fr-FR" sz="1400" kern="1200" dirty="0" smtClean="0">
+              <a:solidFill>
+                <a:schemeClr val="tx1"/>
+              </a:solidFill>
+              <a:latin typeface="Times New Roman" pitchFamily="18" charset="0"/>
+              <a:ea typeface="+mn-ea"/>
+              <a:cs typeface="+mn-cs"/>
+            </a:endParaRPr>
+          </a:p>
+          <a:p>
+            <a:r>
+              <a:rPr lang="fr-FR" sz="1400" kern="1200" dirty="0" smtClean="0">
+                <a:solidFill>
+                  <a:schemeClr val="tx1"/>
+                </a:solidFill>
+                <a:latin typeface="Times New Roman" pitchFamily="18" charset="0"/>
+                <a:ea typeface="+mn-ea"/>
+                <a:cs typeface="+mn-cs"/>
+              </a:rPr>
+              <a:t>    '</a:t>
+            </a:r>
+          </a:p>
+          <a:p>
+            <a:r>
+              <a:rPr lang="fr-FR" sz="1400" kern="1200" dirty="0" smtClean="0">
+                <a:solidFill>
+                  <a:schemeClr val="tx1"/>
+                </a:solidFill>
+                <a:latin typeface="Times New Roman" pitchFamily="18" charset="0"/>
+                <a:ea typeface="+mn-ea"/>
+                <a:cs typeface="+mn-cs"/>
+              </a:rPr>
+              <a:t>    'post: </a:t>
+            </a:r>
+            <a:r>
+              <a:rPr lang="fr-FR" sz="1400" kern="1200" dirty="0" err="1" smtClean="0">
+                <a:solidFill>
+                  <a:schemeClr val="tx1"/>
+                </a:solidFill>
+                <a:latin typeface="Times New Roman" pitchFamily="18" charset="0"/>
+                <a:ea typeface="+mn-ea"/>
+                <a:cs typeface="+mn-cs"/>
+              </a:rPr>
+              <a:t>True</a:t>
+            </a:r>
+            <a:r>
+              <a:rPr lang="fr-FR" sz="1400" kern="1200" dirty="0" smtClean="0">
+                <a:solidFill>
+                  <a:schemeClr val="tx1"/>
+                </a:solidFill>
+                <a:latin typeface="Times New Roman" pitchFamily="18" charset="0"/>
+                <a:ea typeface="+mn-ea"/>
+                <a:cs typeface="+mn-cs"/>
+              </a:rPr>
+              <a:t> </a:t>
+            </a:r>
+            <a:r>
+              <a:rPr lang="fr-FR" sz="1400" kern="1200" dirty="0" err="1" smtClean="0">
+                <a:solidFill>
+                  <a:schemeClr val="tx1"/>
+                </a:solidFill>
+                <a:latin typeface="Times New Roman" pitchFamily="18" charset="0"/>
+                <a:ea typeface="+mn-ea"/>
+                <a:cs typeface="+mn-cs"/>
+              </a:rPr>
+              <a:t>returned</a:t>
+            </a:r>
+            <a:r>
+              <a:rPr lang="fr-FR" sz="1400" kern="1200" dirty="0" smtClean="0">
+                <a:solidFill>
+                  <a:schemeClr val="tx1"/>
+                </a:solidFill>
+                <a:latin typeface="Times New Roman" pitchFamily="18" charset="0"/>
+                <a:ea typeface="+mn-ea"/>
+                <a:cs typeface="+mn-cs"/>
+              </a:rPr>
+              <a:t> if </a:t>
+            </a:r>
+            <a:r>
+              <a:rPr lang="fr-FR" sz="1400" kern="1200" dirty="0" err="1" smtClean="0">
+                <a:solidFill>
+                  <a:schemeClr val="tx1"/>
+                </a:solidFill>
+                <a:latin typeface="Times New Roman" pitchFamily="18" charset="0"/>
+                <a:ea typeface="+mn-ea"/>
+                <a:cs typeface="+mn-cs"/>
+              </a:rPr>
+              <a:t>intLowerLimit</a:t>
+            </a:r>
+            <a:r>
+              <a:rPr lang="fr-FR" sz="1400" kern="1200" dirty="0" smtClean="0">
+                <a:solidFill>
+                  <a:schemeClr val="tx1"/>
+                </a:solidFill>
+                <a:latin typeface="Times New Roman" pitchFamily="18" charset="0"/>
+                <a:ea typeface="+mn-ea"/>
+                <a:cs typeface="+mn-cs"/>
+              </a:rPr>
+              <a:t> &lt;= </a:t>
+            </a:r>
+            <a:r>
+              <a:rPr lang="fr-FR" sz="1400" kern="1200" dirty="0" err="1" smtClean="0">
+                <a:solidFill>
+                  <a:schemeClr val="tx1"/>
+                </a:solidFill>
+                <a:latin typeface="Times New Roman" pitchFamily="18" charset="0"/>
+                <a:ea typeface="+mn-ea"/>
+                <a:cs typeface="+mn-cs"/>
+              </a:rPr>
+              <a:t>intUserNum</a:t>
+            </a:r>
+            <a:r>
+              <a:rPr lang="fr-FR" sz="1400" kern="1200" dirty="0" smtClean="0">
+                <a:solidFill>
+                  <a:schemeClr val="tx1"/>
+                </a:solidFill>
+                <a:latin typeface="Times New Roman" pitchFamily="18" charset="0"/>
+                <a:ea typeface="+mn-ea"/>
+                <a:cs typeface="+mn-cs"/>
+              </a:rPr>
+              <a:t> &lt;= </a:t>
+            </a:r>
+            <a:r>
+              <a:rPr lang="fr-FR" sz="1400" kern="1200" dirty="0" err="1" smtClean="0">
+                <a:solidFill>
+                  <a:schemeClr val="tx1"/>
+                </a:solidFill>
+                <a:latin typeface="Times New Roman" pitchFamily="18" charset="0"/>
+                <a:ea typeface="+mn-ea"/>
+                <a:cs typeface="+mn-cs"/>
+              </a:rPr>
+              <a:t>intUpperLimit</a:t>
+            </a:r>
+            <a:endParaRPr lang="fr-FR" sz="1400" kern="1200" dirty="0" smtClean="0">
+              <a:solidFill>
+                <a:schemeClr val="tx1"/>
+              </a:solidFill>
+              <a:latin typeface="Times New Roman" pitchFamily="18" charset="0"/>
+              <a:ea typeface="+mn-ea"/>
+              <a:cs typeface="+mn-cs"/>
+            </a:endParaRPr>
+          </a:p>
+          <a:p>
+            <a:r>
+              <a:rPr lang="fr-FR" sz="1400" kern="1200" dirty="0" smtClean="0">
+                <a:solidFill>
+                  <a:schemeClr val="tx1"/>
+                </a:solidFill>
+                <a:latin typeface="Times New Roman" pitchFamily="18" charset="0"/>
+                <a:ea typeface="+mn-ea"/>
+                <a:cs typeface="+mn-cs"/>
+              </a:rPr>
+              <a:t>    '</a:t>
+            </a:r>
+            <a:r>
+              <a:rPr lang="fr-FR" sz="1400" kern="1200" dirty="0" err="1" smtClean="0">
+                <a:solidFill>
+                  <a:schemeClr val="tx1"/>
+                </a:solidFill>
+                <a:latin typeface="Times New Roman" pitchFamily="18" charset="0"/>
+                <a:ea typeface="+mn-ea"/>
+                <a:cs typeface="+mn-cs"/>
+              </a:rPr>
+              <a:t>otherwise</a:t>
+            </a:r>
+            <a:r>
+              <a:rPr lang="fr-FR" sz="1400" kern="1200" dirty="0" smtClean="0">
+                <a:solidFill>
+                  <a:schemeClr val="tx1"/>
+                </a:solidFill>
+                <a:latin typeface="Times New Roman" pitchFamily="18" charset="0"/>
+                <a:ea typeface="+mn-ea"/>
+                <a:cs typeface="+mn-cs"/>
+              </a:rPr>
+              <a:t> False </a:t>
+            </a:r>
+            <a:r>
+              <a:rPr lang="fr-FR" sz="1400" kern="1200" dirty="0" err="1" smtClean="0">
+                <a:solidFill>
+                  <a:schemeClr val="tx1"/>
+                </a:solidFill>
+                <a:latin typeface="Times New Roman" pitchFamily="18" charset="0"/>
+                <a:ea typeface="+mn-ea"/>
+                <a:cs typeface="+mn-cs"/>
+              </a:rPr>
+              <a:t>returned</a:t>
+            </a:r>
+            <a:endParaRPr lang="fr-FR" sz="1400" kern="1200" dirty="0" smtClean="0">
+              <a:solidFill>
+                <a:schemeClr val="tx1"/>
+              </a:solidFill>
+              <a:latin typeface="Times New Roman" pitchFamily="18" charset="0"/>
+              <a:ea typeface="+mn-ea"/>
+              <a:cs typeface="+mn-cs"/>
+            </a:endParaRPr>
+          </a:p>
+          <a:p>
+            <a:r>
+              <a:rPr lang="fr-FR" sz="1400" kern="1200" dirty="0" smtClean="0">
+                <a:solidFill>
+                  <a:schemeClr val="tx1"/>
+                </a:solidFill>
+                <a:latin typeface="Times New Roman" pitchFamily="18" charset="0"/>
+                <a:ea typeface="+mn-ea"/>
+                <a:cs typeface="+mn-cs"/>
+              </a:rPr>
+              <a:t>    '````````````````````````````````````````````````````````````````````````````````````````````````````````````````````````````</a:t>
+            </a:r>
+          </a:p>
+          <a:p>
+            <a:endParaRPr lang="fr-FR" sz="1400" kern="1200" dirty="0" smtClean="0">
+              <a:solidFill>
+                <a:schemeClr val="tx1"/>
+              </a:solidFill>
+              <a:latin typeface="Times New Roman" pitchFamily="18" charset="0"/>
+              <a:ea typeface="+mn-ea"/>
+              <a:cs typeface="+mn-cs"/>
+            </a:endParaRPr>
+          </a:p>
+          <a:p>
+            <a:r>
+              <a:rPr lang="fr-FR" sz="1400" kern="1200" dirty="0" smtClean="0">
+                <a:solidFill>
+                  <a:schemeClr val="tx1"/>
+                </a:solidFill>
+                <a:latin typeface="Times New Roman" pitchFamily="18" charset="0"/>
+                <a:ea typeface="+mn-ea"/>
+                <a:cs typeface="+mn-cs"/>
+              </a:rPr>
+              <a:t>    </a:t>
+            </a:r>
+            <a:r>
+              <a:rPr lang="fr-FR" sz="1400" kern="1200" dirty="0" err="1" smtClean="0">
+                <a:solidFill>
+                  <a:schemeClr val="tx1"/>
+                </a:solidFill>
+                <a:latin typeface="Times New Roman" pitchFamily="18" charset="0"/>
+                <a:ea typeface="+mn-ea"/>
+                <a:cs typeface="+mn-cs"/>
+              </a:rPr>
+              <a:t>Function</a:t>
+            </a:r>
+            <a:r>
+              <a:rPr lang="fr-FR" sz="1400" kern="1200" dirty="0" smtClean="0">
+                <a:solidFill>
+                  <a:schemeClr val="tx1"/>
+                </a:solidFill>
+                <a:latin typeface="Times New Roman" pitchFamily="18" charset="0"/>
+                <a:ea typeface="+mn-ea"/>
+                <a:cs typeface="+mn-cs"/>
+              </a:rPr>
+              <a:t> </a:t>
+            </a:r>
+            <a:r>
+              <a:rPr lang="fr-FR" sz="1400" kern="1200" dirty="0" err="1" smtClean="0">
+                <a:solidFill>
+                  <a:schemeClr val="tx1"/>
+                </a:solidFill>
+                <a:latin typeface="Times New Roman" pitchFamily="18" charset="0"/>
+                <a:ea typeface="+mn-ea"/>
+                <a:cs typeface="+mn-cs"/>
+              </a:rPr>
+              <a:t>ValidEntry</a:t>
+            </a:r>
+            <a:r>
+              <a:rPr lang="fr-FR" sz="1400" kern="1200" dirty="0" smtClean="0">
+                <a:solidFill>
+                  <a:schemeClr val="tx1"/>
+                </a:solidFill>
+                <a:latin typeface="Times New Roman" pitchFamily="18" charset="0"/>
+                <a:ea typeface="+mn-ea"/>
+                <a:cs typeface="+mn-cs"/>
+              </a:rPr>
+              <a:t>(</a:t>
+            </a:r>
+            <a:r>
+              <a:rPr lang="fr-FR" sz="1400" kern="1200" dirty="0" err="1" smtClean="0">
+                <a:solidFill>
+                  <a:schemeClr val="tx1"/>
+                </a:solidFill>
+                <a:latin typeface="Times New Roman" pitchFamily="18" charset="0"/>
+                <a:ea typeface="+mn-ea"/>
+                <a:cs typeface="+mn-cs"/>
+              </a:rPr>
+              <a:t>ByVal</a:t>
+            </a:r>
+            <a:r>
+              <a:rPr lang="fr-FR" sz="1400" kern="1200" dirty="0" smtClean="0">
+                <a:solidFill>
+                  <a:schemeClr val="tx1"/>
+                </a:solidFill>
+                <a:latin typeface="Times New Roman" pitchFamily="18" charset="0"/>
+                <a:ea typeface="+mn-ea"/>
+                <a:cs typeface="+mn-cs"/>
+              </a:rPr>
+              <a:t> </a:t>
+            </a:r>
+            <a:r>
+              <a:rPr lang="fr-FR" sz="1400" kern="1200" dirty="0" err="1" smtClean="0">
+                <a:solidFill>
+                  <a:schemeClr val="tx1"/>
+                </a:solidFill>
+                <a:latin typeface="Times New Roman" pitchFamily="18" charset="0"/>
+                <a:ea typeface="+mn-ea"/>
+                <a:cs typeface="+mn-cs"/>
+              </a:rPr>
+              <a:t>intUserNum</a:t>
+            </a:r>
+            <a:r>
+              <a:rPr lang="fr-FR" sz="1400" kern="1200" dirty="0" smtClean="0">
+                <a:solidFill>
+                  <a:schemeClr val="tx1"/>
+                </a:solidFill>
+                <a:latin typeface="Times New Roman" pitchFamily="18" charset="0"/>
+                <a:ea typeface="+mn-ea"/>
+                <a:cs typeface="+mn-cs"/>
+              </a:rPr>
+              <a:t> As </a:t>
+            </a:r>
+            <a:r>
+              <a:rPr lang="fr-FR" sz="1400" kern="1200" dirty="0" err="1" smtClean="0">
+                <a:solidFill>
+                  <a:schemeClr val="tx1"/>
+                </a:solidFill>
+                <a:latin typeface="Times New Roman" pitchFamily="18" charset="0"/>
+                <a:ea typeface="+mn-ea"/>
+                <a:cs typeface="+mn-cs"/>
+              </a:rPr>
+              <a:t>Integer</a:t>
+            </a:r>
+            <a:r>
+              <a:rPr lang="fr-FR" sz="1400" kern="1200" dirty="0" smtClean="0">
+                <a:solidFill>
+                  <a:schemeClr val="tx1"/>
+                </a:solidFill>
+                <a:latin typeface="Times New Roman" pitchFamily="18" charset="0"/>
+                <a:ea typeface="+mn-ea"/>
+                <a:cs typeface="+mn-cs"/>
+              </a:rPr>
+              <a:t>, </a:t>
+            </a:r>
+            <a:r>
+              <a:rPr lang="fr-FR" sz="1400" kern="1200" dirty="0" err="1" smtClean="0">
+                <a:solidFill>
+                  <a:schemeClr val="tx1"/>
+                </a:solidFill>
+                <a:latin typeface="Times New Roman" pitchFamily="18" charset="0"/>
+                <a:ea typeface="+mn-ea"/>
+                <a:cs typeface="+mn-cs"/>
+              </a:rPr>
+              <a:t>ByVal</a:t>
+            </a:r>
+            <a:r>
+              <a:rPr lang="fr-FR" sz="1400" kern="1200" dirty="0" smtClean="0">
+                <a:solidFill>
+                  <a:schemeClr val="tx1"/>
+                </a:solidFill>
+                <a:latin typeface="Times New Roman" pitchFamily="18" charset="0"/>
+                <a:ea typeface="+mn-ea"/>
+                <a:cs typeface="+mn-cs"/>
+              </a:rPr>
+              <a:t> </a:t>
+            </a:r>
+            <a:r>
+              <a:rPr lang="fr-FR" sz="1400" kern="1200" dirty="0" err="1" smtClean="0">
+                <a:solidFill>
+                  <a:schemeClr val="tx1"/>
+                </a:solidFill>
+                <a:latin typeface="Times New Roman" pitchFamily="18" charset="0"/>
+                <a:ea typeface="+mn-ea"/>
+                <a:cs typeface="+mn-cs"/>
+              </a:rPr>
+              <a:t>intUpperLimit</a:t>
+            </a:r>
+            <a:r>
+              <a:rPr lang="fr-FR" sz="1400" kern="1200" dirty="0" smtClean="0">
+                <a:solidFill>
+                  <a:schemeClr val="tx1"/>
+                </a:solidFill>
+                <a:latin typeface="Times New Roman" pitchFamily="18" charset="0"/>
+                <a:ea typeface="+mn-ea"/>
+                <a:cs typeface="+mn-cs"/>
+              </a:rPr>
+              <a:t> As </a:t>
+            </a:r>
+            <a:r>
+              <a:rPr lang="fr-FR" sz="1400" kern="1200" dirty="0" err="1" smtClean="0">
+                <a:solidFill>
+                  <a:schemeClr val="tx1"/>
+                </a:solidFill>
+                <a:latin typeface="Times New Roman" pitchFamily="18" charset="0"/>
+                <a:ea typeface="+mn-ea"/>
+                <a:cs typeface="+mn-cs"/>
+              </a:rPr>
+              <a:t>Integer</a:t>
+            </a:r>
+            <a:r>
+              <a:rPr lang="fr-FR" sz="1400" kern="1200" dirty="0" smtClean="0">
+                <a:solidFill>
+                  <a:schemeClr val="tx1"/>
+                </a:solidFill>
+                <a:latin typeface="Times New Roman" pitchFamily="18" charset="0"/>
+                <a:ea typeface="+mn-ea"/>
+                <a:cs typeface="+mn-cs"/>
+              </a:rPr>
+              <a:t>, </a:t>
+            </a:r>
+            <a:r>
+              <a:rPr lang="fr-FR" sz="1400" kern="1200" dirty="0" err="1" smtClean="0">
+                <a:solidFill>
+                  <a:schemeClr val="tx1"/>
+                </a:solidFill>
+                <a:latin typeface="Times New Roman" pitchFamily="18" charset="0"/>
+                <a:ea typeface="+mn-ea"/>
+                <a:cs typeface="+mn-cs"/>
+              </a:rPr>
+              <a:t>ByVal</a:t>
+            </a:r>
+            <a:r>
+              <a:rPr lang="fr-FR" sz="1400" kern="1200" dirty="0" smtClean="0">
+                <a:solidFill>
+                  <a:schemeClr val="tx1"/>
+                </a:solidFill>
+                <a:latin typeface="Times New Roman" pitchFamily="18" charset="0"/>
+                <a:ea typeface="+mn-ea"/>
+                <a:cs typeface="+mn-cs"/>
+              </a:rPr>
+              <a:t> </a:t>
+            </a:r>
+            <a:r>
+              <a:rPr lang="fr-FR" sz="1400" kern="1200" dirty="0" err="1" smtClean="0">
+                <a:solidFill>
+                  <a:schemeClr val="tx1"/>
+                </a:solidFill>
+                <a:latin typeface="Times New Roman" pitchFamily="18" charset="0"/>
+                <a:ea typeface="+mn-ea"/>
+                <a:cs typeface="+mn-cs"/>
+              </a:rPr>
+              <a:t>intLowerLimit</a:t>
+            </a:r>
+            <a:r>
+              <a:rPr lang="fr-FR" sz="1400" kern="1200" dirty="0" smtClean="0">
+                <a:solidFill>
+                  <a:schemeClr val="tx1"/>
+                </a:solidFill>
+                <a:latin typeface="Times New Roman" pitchFamily="18" charset="0"/>
+                <a:ea typeface="+mn-ea"/>
+                <a:cs typeface="+mn-cs"/>
+              </a:rPr>
+              <a:t> As </a:t>
+            </a:r>
+            <a:r>
+              <a:rPr lang="fr-FR" sz="1400" kern="1200" dirty="0" err="1" smtClean="0">
+                <a:solidFill>
+                  <a:schemeClr val="tx1"/>
+                </a:solidFill>
+                <a:latin typeface="Times New Roman" pitchFamily="18" charset="0"/>
+                <a:ea typeface="+mn-ea"/>
+                <a:cs typeface="+mn-cs"/>
+              </a:rPr>
+              <a:t>Integer</a:t>
+            </a:r>
+            <a:r>
+              <a:rPr lang="fr-FR" sz="1400" kern="1200" dirty="0" smtClean="0">
+                <a:solidFill>
+                  <a:schemeClr val="tx1"/>
+                </a:solidFill>
+                <a:latin typeface="Times New Roman" pitchFamily="18" charset="0"/>
+                <a:ea typeface="+mn-ea"/>
+                <a:cs typeface="+mn-cs"/>
+              </a:rPr>
+              <a:t>) As </a:t>
+            </a:r>
+            <a:r>
+              <a:rPr lang="fr-FR" sz="1400" kern="1200" dirty="0" err="1" smtClean="0">
+                <a:solidFill>
+                  <a:schemeClr val="tx1"/>
+                </a:solidFill>
+                <a:latin typeface="Times New Roman" pitchFamily="18" charset="0"/>
+                <a:ea typeface="+mn-ea"/>
+                <a:cs typeface="+mn-cs"/>
+              </a:rPr>
+              <a:t>Boolean</a:t>
+            </a:r>
+            <a:endParaRPr lang="fr-FR" sz="1400" kern="1200" dirty="0" smtClean="0">
+              <a:solidFill>
+                <a:schemeClr val="tx1"/>
+              </a:solidFill>
+              <a:latin typeface="Times New Roman" pitchFamily="18" charset="0"/>
+              <a:ea typeface="+mn-ea"/>
+              <a:cs typeface="+mn-cs"/>
+            </a:endParaRPr>
+          </a:p>
+          <a:p>
+            <a:r>
+              <a:rPr lang="fr-FR" sz="1400" kern="1200" dirty="0" smtClean="0">
+                <a:solidFill>
+                  <a:schemeClr val="tx1"/>
+                </a:solidFill>
+                <a:latin typeface="Times New Roman" pitchFamily="18" charset="0"/>
+                <a:ea typeface="+mn-ea"/>
+                <a:cs typeface="+mn-cs"/>
+              </a:rPr>
+              <a:t>        If </a:t>
+            </a:r>
+            <a:r>
+              <a:rPr lang="fr-FR" sz="1400" kern="1200" dirty="0" err="1" smtClean="0">
+                <a:solidFill>
+                  <a:schemeClr val="tx1"/>
+                </a:solidFill>
+                <a:latin typeface="Times New Roman" pitchFamily="18" charset="0"/>
+                <a:ea typeface="+mn-ea"/>
+                <a:cs typeface="+mn-cs"/>
+              </a:rPr>
+              <a:t>intUserNum</a:t>
+            </a:r>
+            <a:r>
+              <a:rPr lang="fr-FR" sz="1400" kern="1200" dirty="0" smtClean="0">
+                <a:solidFill>
+                  <a:schemeClr val="tx1"/>
+                </a:solidFill>
+                <a:latin typeface="Times New Roman" pitchFamily="18" charset="0"/>
+                <a:ea typeface="+mn-ea"/>
+                <a:cs typeface="+mn-cs"/>
+              </a:rPr>
+              <a:t> &gt; </a:t>
+            </a:r>
+            <a:r>
+              <a:rPr lang="fr-FR" sz="1400" kern="1200" dirty="0" err="1" smtClean="0">
+                <a:solidFill>
+                  <a:schemeClr val="tx1"/>
+                </a:solidFill>
+                <a:latin typeface="Times New Roman" pitchFamily="18" charset="0"/>
+                <a:ea typeface="+mn-ea"/>
+                <a:cs typeface="+mn-cs"/>
+              </a:rPr>
+              <a:t>intUpperLimit</a:t>
+            </a:r>
+            <a:r>
+              <a:rPr lang="fr-FR" sz="1400" kern="1200" dirty="0" smtClean="0">
+                <a:solidFill>
+                  <a:schemeClr val="tx1"/>
+                </a:solidFill>
+                <a:latin typeface="Times New Roman" pitchFamily="18" charset="0"/>
+                <a:ea typeface="+mn-ea"/>
+                <a:cs typeface="+mn-cs"/>
+              </a:rPr>
+              <a:t> Or </a:t>
+            </a:r>
+            <a:r>
+              <a:rPr lang="fr-FR" sz="1400" kern="1200" dirty="0" err="1" smtClean="0">
+                <a:solidFill>
+                  <a:schemeClr val="tx1"/>
+                </a:solidFill>
+                <a:latin typeface="Times New Roman" pitchFamily="18" charset="0"/>
+                <a:ea typeface="+mn-ea"/>
+                <a:cs typeface="+mn-cs"/>
+              </a:rPr>
+              <a:t>intUserNum</a:t>
+            </a:r>
+            <a:r>
+              <a:rPr lang="fr-FR" sz="1400" kern="1200" dirty="0" smtClean="0">
+                <a:solidFill>
+                  <a:schemeClr val="tx1"/>
+                </a:solidFill>
+                <a:latin typeface="Times New Roman" pitchFamily="18" charset="0"/>
+                <a:ea typeface="+mn-ea"/>
+                <a:cs typeface="+mn-cs"/>
+              </a:rPr>
+              <a:t> &lt; </a:t>
+            </a:r>
+            <a:r>
+              <a:rPr lang="fr-FR" sz="1400" kern="1200" dirty="0" err="1" smtClean="0">
+                <a:solidFill>
+                  <a:schemeClr val="tx1"/>
+                </a:solidFill>
+                <a:latin typeface="Times New Roman" pitchFamily="18" charset="0"/>
+                <a:ea typeface="+mn-ea"/>
+                <a:cs typeface="+mn-cs"/>
+              </a:rPr>
+              <a:t>intLowerLimit</a:t>
+            </a:r>
+            <a:r>
+              <a:rPr lang="fr-FR" sz="1400" kern="1200" dirty="0" smtClean="0">
+                <a:solidFill>
+                  <a:schemeClr val="tx1"/>
+                </a:solidFill>
+                <a:latin typeface="Times New Roman" pitchFamily="18" charset="0"/>
+                <a:ea typeface="+mn-ea"/>
+                <a:cs typeface="+mn-cs"/>
+              </a:rPr>
+              <a:t> </a:t>
+            </a:r>
+            <a:r>
+              <a:rPr lang="fr-FR" sz="1400" kern="1200" dirty="0" err="1" smtClean="0">
+                <a:solidFill>
+                  <a:schemeClr val="tx1"/>
+                </a:solidFill>
+                <a:latin typeface="Times New Roman" pitchFamily="18" charset="0"/>
+                <a:ea typeface="+mn-ea"/>
+                <a:cs typeface="+mn-cs"/>
+              </a:rPr>
+              <a:t>Then</a:t>
+            </a:r>
+            <a:endParaRPr lang="fr-FR" sz="1400" kern="1200" dirty="0" smtClean="0">
+              <a:solidFill>
+                <a:schemeClr val="tx1"/>
+              </a:solidFill>
+              <a:latin typeface="Times New Roman" pitchFamily="18" charset="0"/>
+              <a:ea typeface="+mn-ea"/>
+              <a:cs typeface="+mn-cs"/>
+            </a:endParaRPr>
+          </a:p>
+          <a:p>
+            <a:r>
+              <a:rPr lang="nb-NO" sz="1400" kern="1200" dirty="0" smtClean="0">
+                <a:solidFill>
+                  <a:schemeClr val="tx1"/>
+                </a:solidFill>
+                <a:latin typeface="Times New Roman" pitchFamily="18" charset="0"/>
+                <a:ea typeface="+mn-ea"/>
+                <a:cs typeface="+mn-cs"/>
+              </a:rPr>
+              <a:t>            Return False</a:t>
+            </a:r>
+          </a:p>
+          <a:p>
+            <a:r>
+              <a:rPr lang="da-DK" sz="1400" kern="1200" dirty="0" smtClean="0">
+                <a:solidFill>
+                  <a:schemeClr val="tx1"/>
+                </a:solidFill>
+                <a:latin typeface="Times New Roman" pitchFamily="18" charset="0"/>
+                <a:ea typeface="+mn-ea"/>
+                <a:cs typeface="+mn-cs"/>
+              </a:rPr>
+              <a:t>        Else</a:t>
+            </a:r>
+          </a:p>
+          <a:p>
+            <a:r>
+              <a:rPr lang="is-IS" sz="1400" kern="1200" dirty="0" smtClean="0">
+                <a:solidFill>
+                  <a:schemeClr val="tx1"/>
+                </a:solidFill>
+                <a:latin typeface="Times New Roman" pitchFamily="18" charset="0"/>
+                <a:ea typeface="+mn-ea"/>
+                <a:cs typeface="+mn-cs"/>
+              </a:rPr>
+              <a:t>            Return True</a:t>
+            </a:r>
+          </a:p>
+          <a:p>
+            <a:r>
+              <a:rPr lang="de-DE" sz="1400" kern="1200" dirty="0" smtClean="0">
+                <a:solidFill>
+                  <a:schemeClr val="tx1"/>
+                </a:solidFill>
+                <a:latin typeface="Times New Roman" pitchFamily="18" charset="0"/>
+                <a:ea typeface="+mn-ea"/>
+                <a:cs typeface="+mn-cs"/>
+              </a:rPr>
+              <a:t>        End </a:t>
+            </a:r>
+            <a:r>
+              <a:rPr lang="de-DE" sz="1400" kern="1200" dirty="0" err="1" smtClean="0">
+                <a:solidFill>
+                  <a:schemeClr val="tx1"/>
+                </a:solidFill>
+                <a:latin typeface="Times New Roman" pitchFamily="18" charset="0"/>
+                <a:ea typeface="+mn-ea"/>
+                <a:cs typeface="+mn-cs"/>
+              </a:rPr>
+              <a:t>If</a:t>
+            </a:r>
+            <a:endParaRPr lang="de-DE" sz="1400" kern="1200" dirty="0" smtClean="0">
+              <a:solidFill>
+                <a:schemeClr val="tx1"/>
+              </a:solidFill>
+              <a:latin typeface="Times New Roman" pitchFamily="18" charset="0"/>
+              <a:ea typeface="+mn-ea"/>
+              <a:cs typeface="+mn-cs"/>
+            </a:endParaRPr>
+          </a:p>
+          <a:p>
+            <a:r>
+              <a:rPr lang="de-DE" sz="1400" kern="1200" dirty="0" smtClean="0">
+                <a:solidFill>
+                  <a:schemeClr val="tx1"/>
+                </a:solidFill>
+                <a:latin typeface="Times New Roman" pitchFamily="18" charset="0"/>
+                <a:ea typeface="+mn-ea"/>
+                <a:cs typeface="+mn-cs"/>
+              </a:rPr>
+              <a:t>    End </a:t>
+            </a:r>
+            <a:r>
+              <a:rPr lang="de-DE" sz="1400" kern="1200" dirty="0" err="1" smtClean="0">
+                <a:solidFill>
+                  <a:schemeClr val="tx1"/>
+                </a:solidFill>
+                <a:latin typeface="Times New Roman" pitchFamily="18" charset="0"/>
+                <a:ea typeface="+mn-ea"/>
+                <a:cs typeface="+mn-cs"/>
+              </a:rPr>
+              <a:t>Function</a:t>
+            </a:r>
+            <a:endParaRPr lang="de-DE" sz="1400" kern="1200" dirty="0" smtClean="0">
+              <a:solidFill>
+                <a:schemeClr val="tx1"/>
+              </a:solidFill>
+              <a:latin typeface="Times New Roman" pitchFamily="18" charset="0"/>
+              <a:ea typeface="+mn-ea"/>
+              <a:cs typeface="+mn-cs"/>
+            </a:endParaRPr>
+          </a:p>
+          <a:p>
+            <a:endParaRPr lang="de-DE" sz="1400" kern="1200" dirty="0" smtClean="0">
+              <a:solidFill>
+                <a:schemeClr val="tx1"/>
+              </a:solidFill>
+              <a:latin typeface="Times New Roman" pitchFamily="18" charset="0"/>
+              <a:ea typeface="+mn-ea"/>
+              <a:cs typeface="+mn-cs"/>
+            </a:endParaRPr>
+          </a:p>
+          <a:p>
+            <a:r>
+              <a:rPr lang="fr-FR" sz="1400" kern="1200" dirty="0" smtClean="0">
+                <a:solidFill>
+                  <a:schemeClr val="tx1"/>
+                </a:solidFill>
+                <a:latin typeface="Times New Roman" pitchFamily="18" charset="0"/>
+                <a:ea typeface="+mn-ea"/>
+                <a:cs typeface="+mn-cs"/>
+              </a:rPr>
+              <a:t>    '~~~~~~~~~~~~~~~~~~~~~~~~~~~~~~~~~~~~~~~~~~~~~~~~~~~~~~~~~~~~~~~~~~~~~~~~~~~~~~~~~~~~~~~~~~~~~~~~~~~~~~~~~~~~~~~~~~~~~~~~~~~</a:t>
+            </a:r>
+          </a:p>
+          <a:p>
+            <a:r>
+              <a:rPr lang="fr-FR" sz="1400" kern="1200" dirty="0" smtClean="0">
+                <a:solidFill>
+                  <a:schemeClr val="tx1"/>
+                </a:solidFill>
+                <a:latin typeface="Times New Roman" pitchFamily="18" charset="0"/>
+                <a:ea typeface="+mn-ea"/>
+                <a:cs typeface="+mn-cs"/>
+              </a:rPr>
+              <a:t>    '</a:t>
+            </a:r>
+            <a:r>
+              <a:rPr lang="fr-FR" sz="1400" kern="1200" dirty="0" err="1" smtClean="0">
+                <a:solidFill>
+                  <a:schemeClr val="tx1"/>
+                </a:solidFill>
+                <a:latin typeface="Times New Roman" pitchFamily="18" charset="0"/>
+                <a:ea typeface="+mn-ea"/>
+                <a:cs typeface="+mn-cs"/>
+              </a:rPr>
+              <a:t>Returns</a:t>
+            </a:r>
+            <a:r>
+              <a:rPr lang="fr-FR" sz="1400" kern="1200" dirty="0" smtClean="0">
+                <a:solidFill>
+                  <a:schemeClr val="tx1"/>
+                </a:solidFill>
+                <a:latin typeface="Times New Roman" pitchFamily="18" charset="0"/>
+                <a:ea typeface="+mn-ea"/>
+                <a:cs typeface="+mn-cs"/>
+              </a:rPr>
+              <a:t> a </a:t>
+            </a:r>
+            <a:r>
+              <a:rPr lang="fr-FR" sz="1400" kern="1200" dirty="0" err="1" smtClean="0">
+                <a:solidFill>
+                  <a:schemeClr val="tx1"/>
+                </a:solidFill>
+                <a:latin typeface="Times New Roman" pitchFamily="18" charset="0"/>
+                <a:ea typeface="+mn-ea"/>
+                <a:cs typeface="+mn-cs"/>
+              </a:rPr>
+              <a:t>letter</a:t>
+            </a:r>
+            <a:r>
+              <a:rPr lang="fr-FR" sz="1400" kern="1200" dirty="0" smtClean="0">
+                <a:solidFill>
+                  <a:schemeClr val="tx1"/>
+                </a:solidFill>
+                <a:latin typeface="Times New Roman" pitchFamily="18" charset="0"/>
+                <a:ea typeface="+mn-ea"/>
+                <a:cs typeface="+mn-cs"/>
+              </a:rPr>
+              <a:t> grade </a:t>
+            </a:r>
+            <a:r>
+              <a:rPr lang="fr-FR" sz="1400" kern="1200" dirty="0" err="1" smtClean="0">
+                <a:solidFill>
+                  <a:schemeClr val="tx1"/>
+                </a:solidFill>
+                <a:latin typeface="Times New Roman" pitchFamily="18" charset="0"/>
+                <a:ea typeface="+mn-ea"/>
+                <a:cs typeface="+mn-cs"/>
+              </a:rPr>
+              <a:t>corresoonding</a:t>
+            </a:r>
+            <a:r>
+              <a:rPr lang="fr-FR" sz="1400" kern="1200" dirty="0" smtClean="0">
+                <a:solidFill>
+                  <a:schemeClr val="tx1"/>
+                </a:solidFill>
+                <a:latin typeface="Times New Roman" pitchFamily="18" charset="0"/>
+                <a:ea typeface="+mn-ea"/>
+                <a:cs typeface="+mn-cs"/>
+              </a:rPr>
+              <a:t> to </a:t>
+            </a:r>
+            <a:r>
+              <a:rPr lang="fr-FR" sz="1400" kern="1200" dirty="0" err="1" smtClean="0">
+                <a:solidFill>
+                  <a:schemeClr val="tx1"/>
+                </a:solidFill>
+                <a:latin typeface="Times New Roman" pitchFamily="18" charset="0"/>
+                <a:ea typeface="+mn-ea"/>
+                <a:cs typeface="+mn-cs"/>
+              </a:rPr>
+              <a:t>sngScore</a:t>
+            </a:r>
+            <a:endParaRPr lang="fr-FR" sz="1400" kern="1200" dirty="0" smtClean="0">
+              <a:solidFill>
+                <a:schemeClr val="tx1"/>
+              </a:solidFill>
+              <a:latin typeface="Times New Roman" pitchFamily="18" charset="0"/>
+              <a:ea typeface="+mn-ea"/>
+              <a:cs typeface="+mn-cs"/>
+            </a:endParaRPr>
+          </a:p>
+          <a:p>
+            <a:r>
+              <a:rPr lang="fr-FR" sz="1400" kern="1200" dirty="0" smtClean="0">
+                <a:solidFill>
+                  <a:schemeClr val="tx1"/>
+                </a:solidFill>
+                <a:latin typeface="Times New Roman" pitchFamily="18" charset="0"/>
+                <a:ea typeface="+mn-ea"/>
+                <a:cs typeface="+mn-cs"/>
+              </a:rPr>
+              <a:t>    '</a:t>
+            </a:r>
+          </a:p>
+          <a:p>
+            <a:r>
+              <a:rPr lang="fr-FR" sz="1400" kern="1200" dirty="0" smtClean="0">
+                <a:solidFill>
+                  <a:schemeClr val="tx1"/>
+                </a:solidFill>
+                <a:latin typeface="Times New Roman" pitchFamily="18" charset="0"/>
+                <a:ea typeface="+mn-ea"/>
+                <a:cs typeface="+mn-cs"/>
+              </a:rPr>
+              <a:t>    'post: a </a:t>
+            </a:r>
+            <a:r>
+              <a:rPr lang="fr-FR" sz="1400" kern="1200" dirty="0" err="1" smtClean="0">
+                <a:solidFill>
+                  <a:schemeClr val="tx1"/>
+                </a:solidFill>
+                <a:latin typeface="Times New Roman" pitchFamily="18" charset="0"/>
+                <a:ea typeface="+mn-ea"/>
+                <a:cs typeface="+mn-cs"/>
+              </a:rPr>
+              <a:t>letter</a:t>
+            </a:r>
+            <a:r>
+              <a:rPr lang="fr-FR" sz="1400" kern="1200" dirty="0" smtClean="0">
+                <a:solidFill>
+                  <a:schemeClr val="tx1"/>
+                </a:solidFill>
+                <a:latin typeface="Times New Roman" pitchFamily="18" charset="0"/>
+                <a:ea typeface="+mn-ea"/>
+                <a:cs typeface="+mn-cs"/>
+              </a:rPr>
+              <a:t> grade has been </a:t>
+            </a:r>
+            <a:r>
+              <a:rPr lang="fr-FR" sz="1400" kern="1200" dirty="0" err="1" smtClean="0">
+                <a:solidFill>
+                  <a:schemeClr val="tx1"/>
+                </a:solidFill>
+                <a:latin typeface="Times New Roman" pitchFamily="18" charset="0"/>
+                <a:ea typeface="+mn-ea"/>
+                <a:cs typeface="+mn-cs"/>
+              </a:rPr>
+              <a:t>returned</a:t>
+            </a:r>
+            <a:endParaRPr lang="fr-FR" sz="1400" kern="1200" dirty="0" smtClean="0">
+              <a:solidFill>
+                <a:schemeClr val="tx1"/>
+              </a:solidFill>
+              <a:latin typeface="Times New Roman" pitchFamily="18" charset="0"/>
+              <a:ea typeface="+mn-ea"/>
+              <a:cs typeface="+mn-cs"/>
+            </a:endParaRPr>
+          </a:p>
+          <a:p>
+            <a:r>
+              <a:rPr lang="fr-FR" sz="1400" kern="1200" dirty="0" smtClean="0">
+                <a:solidFill>
+                  <a:schemeClr val="tx1"/>
+                </a:solidFill>
+                <a:latin typeface="Times New Roman" pitchFamily="18" charset="0"/>
+                <a:ea typeface="+mn-ea"/>
+                <a:cs typeface="+mn-cs"/>
+              </a:rPr>
+              <a:t>    '~~~~~~~~~~~~~~~~~~~~~~~~~~~~~~~~~~~~~~~~~~~~~~~~~~~~~~~~~~~~~~~~~~~~~~~~~~~~~~~~~~~~~~~~~~~~~~~~~~~~~~~~~~~~~~~~~~~~~~~~~~~</a:t>
+            </a:r>
+          </a:p>
+          <a:p>
+            <a:r>
+              <a:rPr lang="fr-FR" sz="1400" kern="1200" dirty="0" smtClean="0">
+                <a:solidFill>
+                  <a:schemeClr val="tx1"/>
+                </a:solidFill>
+                <a:latin typeface="Times New Roman" pitchFamily="18" charset="0"/>
+                <a:ea typeface="+mn-ea"/>
+                <a:cs typeface="+mn-cs"/>
+              </a:rPr>
+              <a:t>    </a:t>
+            </a:r>
+            <a:r>
+              <a:rPr lang="fr-FR" sz="1400" kern="1200" dirty="0" err="1" smtClean="0">
+                <a:solidFill>
+                  <a:schemeClr val="tx1"/>
+                </a:solidFill>
+                <a:latin typeface="Times New Roman" pitchFamily="18" charset="0"/>
+                <a:ea typeface="+mn-ea"/>
+                <a:cs typeface="+mn-cs"/>
+              </a:rPr>
+              <a:t>Function</a:t>
+            </a:r>
+            <a:r>
+              <a:rPr lang="fr-FR" sz="1400" kern="1200" dirty="0" smtClean="0">
+                <a:solidFill>
+                  <a:schemeClr val="tx1"/>
+                </a:solidFill>
+                <a:latin typeface="Times New Roman" pitchFamily="18" charset="0"/>
+                <a:ea typeface="+mn-ea"/>
+                <a:cs typeface="+mn-cs"/>
+              </a:rPr>
+              <a:t> </a:t>
+            </a:r>
+            <a:r>
+              <a:rPr lang="fr-FR" sz="1400" kern="1200" dirty="0" err="1" smtClean="0">
+                <a:solidFill>
+                  <a:schemeClr val="tx1"/>
+                </a:solidFill>
+                <a:latin typeface="Times New Roman" pitchFamily="18" charset="0"/>
+                <a:ea typeface="+mn-ea"/>
+                <a:cs typeface="+mn-cs"/>
+              </a:rPr>
+              <a:t>LetterGrade</a:t>
+            </a:r>
+            <a:r>
+              <a:rPr lang="fr-FR" sz="1400" kern="1200" dirty="0" smtClean="0">
+                <a:solidFill>
+                  <a:schemeClr val="tx1"/>
+                </a:solidFill>
+                <a:latin typeface="Times New Roman" pitchFamily="18" charset="0"/>
+                <a:ea typeface="+mn-ea"/>
+                <a:cs typeface="+mn-cs"/>
+              </a:rPr>
+              <a:t>(</a:t>
+            </a:r>
+            <a:r>
+              <a:rPr lang="fr-FR" sz="1400" kern="1200" dirty="0" err="1" smtClean="0">
+                <a:solidFill>
+                  <a:schemeClr val="tx1"/>
+                </a:solidFill>
+                <a:latin typeface="Times New Roman" pitchFamily="18" charset="0"/>
+                <a:ea typeface="+mn-ea"/>
+                <a:cs typeface="+mn-cs"/>
+              </a:rPr>
+              <a:t>ByVal</a:t>
+            </a:r>
+            <a:r>
+              <a:rPr lang="fr-FR" sz="1400" kern="1200" dirty="0" smtClean="0">
+                <a:solidFill>
+                  <a:schemeClr val="tx1"/>
+                </a:solidFill>
+                <a:latin typeface="Times New Roman" pitchFamily="18" charset="0"/>
+                <a:ea typeface="+mn-ea"/>
+                <a:cs typeface="+mn-cs"/>
+              </a:rPr>
+              <a:t> </a:t>
+            </a:r>
+            <a:r>
+              <a:rPr lang="fr-FR" sz="1400" kern="1200" dirty="0" err="1" smtClean="0">
+                <a:solidFill>
+                  <a:schemeClr val="tx1"/>
+                </a:solidFill>
+                <a:latin typeface="Times New Roman" pitchFamily="18" charset="0"/>
+                <a:ea typeface="+mn-ea"/>
+                <a:cs typeface="+mn-cs"/>
+              </a:rPr>
+              <a:t>sngScore</a:t>
+            </a:r>
+            <a:r>
+              <a:rPr lang="fr-FR" sz="1400" kern="1200" dirty="0" smtClean="0">
+                <a:solidFill>
+                  <a:schemeClr val="tx1"/>
+                </a:solidFill>
+                <a:latin typeface="Times New Roman" pitchFamily="18" charset="0"/>
+                <a:ea typeface="+mn-ea"/>
+                <a:cs typeface="+mn-cs"/>
+              </a:rPr>
+              <a:t> As Single) As Char</a:t>
+            </a:r>
+          </a:p>
+          <a:p>
+            <a:r>
+              <a:rPr lang="en-US" sz="1400" kern="1200" dirty="0" smtClean="0">
+                <a:solidFill>
+                  <a:schemeClr val="tx1"/>
+                </a:solidFill>
+                <a:latin typeface="Times New Roman" pitchFamily="18" charset="0"/>
+                <a:ea typeface="+mn-ea"/>
+                <a:cs typeface="+mn-cs"/>
+              </a:rPr>
+              <a:t>        If </a:t>
+            </a:r>
+            <a:r>
+              <a:rPr lang="en-US" sz="1400" kern="1200" dirty="0" err="1" smtClean="0">
+                <a:solidFill>
+                  <a:schemeClr val="tx1"/>
+                </a:solidFill>
+                <a:latin typeface="Times New Roman" pitchFamily="18" charset="0"/>
+                <a:ea typeface="+mn-ea"/>
+                <a:cs typeface="+mn-cs"/>
+              </a:rPr>
+              <a:t>sngScore</a:t>
+            </a:r>
+            <a:r>
+              <a:rPr lang="en-US" sz="1400" kern="1200" dirty="0" smtClean="0">
+                <a:solidFill>
+                  <a:schemeClr val="tx1"/>
+                </a:solidFill>
+                <a:latin typeface="Times New Roman" pitchFamily="18" charset="0"/>
+                <a:ea typeface="+mn-ea"/>
+                <a:cs typeface="+mn-cs"/>
+              </a:rPr>
+              <a:t> &gt;= 90 Then</a:t>
+            </a:r>
+          </a:p>
+          <a:p>
+            <a:r>
+              <a:rPr lang="is-IS" sz="1400" kern="1200" dirty="0" smtClean="0">
+                <a:solidFill>
+                  <a:schemeClr val="tx1"/>
+                </a:solidFill>
+                <a:latin typeface="Times New Roman" pitchFamily="18" charset="0"/>
+                <a:ea typeface="+mn-ea"/>
+                <a:cs typeface="+mn-cs"/>
+              </a:rPr>
+              <a:t>            Return "A"</a:t>
+            </a:r>
+          </a:p>
+          <a:p>
+            <a:r>
+              <a:rPr lang="en-US" sz="1400" kern="1200" dirty="0" smtClean="0">
+                <a:solidFill>
+                  <a:schemeClr val="tx1"/>
+                </a:solidFill>
+                <a:latin typeface="Times New Roman" pitchFamily="18" charset="0"/>
+                <a:ea typeface="+mn-ea"/>
+                <a:cs typeface="+mn-cs"/>
+              </a:rPr>
+              <a:t>        </a:t>
+            </a:r>
+            <a:r>
+              <a:rPr lang="en-US" sz="1400" kern="1200" dirty="0" err="1" smtClean="0">
+                <a:solidFill>
+                  <a:schemeClr val="tx1"/>
+                </a:solidFill>
+                <a:latin typeface="Times New Roman" pitchFamily="18" charset="0"/>
+                <a:ea typeface="+mn-ea"/>
+                <a:cs typeface="+mn-cs"/>
+              </a:rPr>
+              <a:t>ElseIf</a:t>
+            </a:r>
+            <a:r>
+              <a:rPr lang="en-US" sz="1400" kern="1200" dirty="0" smtClean="0">
+                <a:solidFill>
+                  <a:schemeClr val="tx1"/>
+                </a:solidFill>
+                <a:latin typeface="Times New Roman" pitchFamily="18" charset="0"/>
+                <a:ea typeface="+mn-ea"/>
+                <a:cs typeface="+mn-cs"/>
+              </a:rPr>
+              <a:t> </a:t>
+            </a:r>
+            <a:r>
+              <a:rPr lang="en-US" sz="1400" kern="1200" dirty="0" err="1" smtClean="0">
+                <a:solidFill>
+                  <a:schemeClr val="tx1"/>
+                </a:solidFill>
+                <a:latin typeface="Times New Roman" pitchFamily="18" charset="0"/>
+                <a:ea typeface="+mn-ea"/>
+                <a:cs typeface="+mn-cs"/>
+              </a:rPr>
+              <a:t>sngScore</a:t>
+            </a:r>
+            <a:r>
+              <a:rPr lang="en-US" sz="1400" kern="1200" dirty="0" smtClean="0">
+                <a:solidFill>
+                  <a:schemeClr val="tx1"/>
+                </a:solidFill>
+                <a:latin typeface="Times New Roman" pitchFamily="18" charset="0"/>
+                <a:ea typeface="+mn-ea"/>
+                <a:cs typeface="+mn-cs"/>
+              </a:rPr>
+              <a:t> &gt;= 80 Then</a:t>
+            </a:r>
+          </a:p>
+          <a:p>
+            <a:r>
+              <a:rPr lang="is-IS" sz="1400" kern="1200" dirty="0" smtClean="0">
+                <a:solidFill>
+                  <a:schemeClr val="tx1"/>
+                </a:solidFill>
+                <a:latin typeface="Times New Roman" pitchFamily="18" charset="0"/>
+                <a:ea typeface="+mn-ea"/>
+                <a:cs typeface="+mn-cs"/>
+              </a:rPr>
+              <a:t>            Return "B"</a:t>
+            </a:r>
+          </a:p>
+          <a:p>
+            <a:r>
+              <a:rPr lang="en-US" sz="1400" kern="1200" dirty="0" smtClean="0">
+                <a:solidFill>
+                  <a:schemeClr val="tx1"/>
+                </a:solidFill>
+                <a:latin typeface="Times New Roman" pitchFamily="18" charset="0"/>
+                <a:ea typeface="+mn-ea"/>
+                <a:cs typeface="+mn-cs"/>
+              </a:rPr>
+              <a:t>        </a:t>
+            </a:r>
+            <a:r>
+              <a:rPr lang="en-US" sz="1400" kern="1200" dirty="0" err="1" smtClean="0">
+                <a:solidFill>
+                  <a:schemeClr val="tx1"/>
+                </a:solidFill>
+                <a:latin typeface="Times New Roman" pitchFamily="18" charset="0"/>
+                <a:ea typeface="+mn-ea"/>
+                <a:cs typeface="+mn-cs"/>
+              </a:rPr>
+              <a:t>ElseIf</a:t>
+            </a:r>
+            <a:r>
+              <a:rPr lang="en-US" sz="1400" kern="1200" dirty="0" smtClean="0">
+                <a:solidFill>
+                  <a:schemeClr val="tx1"/>
+                </a:solidFill>
+                <a:latin typeface="Times New Roman" pitchFamily="18" charset="0"/>
+                <a:ea typeface="+mn-ea"/>
+                <a:cs typeface="+mn-cs"/>
+              </a:rPr>
+              <a:t> </a:t>
+            </a:r>
+            <a:r>
+              <a:rPr lang="en-US" sz="1400" kern="1200" dirty="0" err="1" smtClean="0">
+                <a:solidFill>
+                  <a:schemeClr val="tx1"/>
+                </a:solidFill>
+                <a:latin typeface="Times New Roman" pitchFamily="18" charset="0"/>
+                <a:ea typeface="+mn-ea"/>
+                <a:cs typeface="+mn-cs"/>
+              </a:rPr>
+              <a:t>sngScore</a:t>
+            </a:r>
+            <a:r>
+              <a:rPr lang="en-US" sz="1400" kern="1200" dirty="0" smtClean="0">
+                <a:solidFill>
+                  <a:schemeClr val="tx1"/>
+                </a:solidFill>
+                <a:latin typeface="Times New Roman" pitchFamily="18" charset="0"/>
+                <a:ea typeface="+mn-ea"/>
+                <a:cs typeface="+mn-cs"/>
+              </a:rPr>
+              <a:t> &gt;= 70 Then</a:t>
+            </a:r>
+          </a:p>
+          <a:p>
+            <a:r>
+              <a:rPr lang="is-IS" sz="1400" kern="1200" dirty="0" smtClean="0">
+                <a:solidFill>
+                  <a:schemeClr val="tx1"/>
+                </a:solidFill>
+                <a:latin typeface="Times New Roman" pitchFamily="18" charset="0"/>
+                <a:ea typeface="+mn-ea"/>
+                <a:cs typeface="+mn-cs"/>
+              </a:rPr>
+              <a:t>            Return "C"</a:t>
+            </a:r>
+          </a:p>
+          <a:p>
+            <a:r>
+              <a:rPr lang="en-US" sz="1400" kern="1200" dirty="0" smtClean="0">
+                <a:solidFill>
+                  <a:schemeClr val="tx1"/>
+                </a:solidFill>
+                <a:latin typeface="Times New Roman" pitchFamily="18" charset="0"/>
+                <a:ea typeface="+mn-ea"/>
+                <a:cs typeface="+mn-cs"/>
+              </a:rPr>
+              <a:t>        </a:t>
+            </a:r>
+            <a:r>
+              <a:rPr lang="en-US" sz="1400" kern="1200" dirty="0" err="1" smtClean="0">
+                <a:solidFill>
+                  <a:schemeClr val="tx1"/>
+                </a:solidFill>
+                <a:latin typeface="Times New Roman" pitchFamily="18" charset="0"/>
+                <a:ea typeface="+mn-ea"/>
+                <a:cs typeface="+mn-cs"/>
+              </a:rPr>
+              <a:t>ElseIf</a:t>
+            </a:r>
+            <a:r>
+              <a:rPr lang="en-US" sz="1400" kern="1200" dirty="0" smtClean="0">
+                <a:solidFill>
+                  <a:schemeClr val="tx1"/>
+                </a:solidFill>
+                <a:latin typeface="Times New Roman" pitchFamily="18" charset="0"/>
+                <a:ea typeface="+mn-ea"/>
+                <a:cs typeface="+mn-cs"/>
+              </a:rPr>
+              <a:t> </a:t>
+            </a:r>
+            <a:r>
+              <a:rPr lang="en-US" sz="1400" kern="1200" dirty="0" err="1" smtClean="0">
+                <a:solidFill>
+                  <a:schemeClr val="tx1"/>
+                </a:solidFill>
+                <a:latin typeface="Times New Roman" pitchFamily="18" charset="0"/>
+                <a:ea typeface="+mn-ea"/>
+                <a:cs typeface="+mn-cs"/>
+              </a:rPr>
+              <a:t>sngScore</a:t>
+            </a:r>
+            <a:r>
+              <a:rPr lang="en-US" sz="1400" kern="1200" dirty="0" smtClean="0">
+                <a:solidFill>
+                  <a:schemeClr val="tx1"/>
+                </a:solidFill>
+                <a:latin typeface="Times New Roman" pitchFamily="18" charset="0"/>
+                <a:ea typeface="+mn-ea"/>
+                <a:cs typeface="+mn-cs"/>
+              </a:rPr>
+              <a:t> &gt;= 60 Then</a:t>
+            </a:r>
+          </a:p>
+          <a:p>
+            <a:r>
+              <a:rPr lang="is-IS" sz="1400" kern="1200" dirty="0" smtClean="0">
+                <a:solidFill>
+                  <a:schemeClr val="tx1"/>
+                </a:solidFill>
+                <a:latin typeface="Times New Roman" pitchFamily="18" charset="0"/>
+                <a:ea typeface="+mn-ea"/>
+                <a:cs typeface="+mn-cs"/>
+              </a:rPr>
+              <a:t>            Return "D"</a:t>
+            </a:r>
+          </a:p>
+          <a:p>
+            <a:r>
+              <a:rPr lang="da-DK" sz="1400" kern="1200" dirty="0" smtClean="0">
+                <a:solidFill>
+                  <a:schemeClr val="tx1"/>
+                </a:solidFill>
+                <a:latin typeface="Times New Roman" pitchFamily="18" charset="0"/>
+                <a:ea typeface="+mn-ea"/>
+                <a:cs typeface="+mn-cs"/>
+              </a:rPr>
+              <a:t>        Else</a:t>
+            </a:r>
+          </a:p>
+          <a:p>
+            <a:r>
+              <a:rPr lang="is-IS" sz="1400" kern="1200" dirty="0" smtClean="0">
+                <a:solidFill>
+                  <a:schemeClr val="tx1"/>
+                </a:solidFill>
+                <a:latin typeface="Times New Roman" pitchFamily="18" charset="0"/>
+                <a:ea typeface="+mn-ea"/>
+                <a:cs typeface="+mn-cs"/>
+              </a:rPr>
+              <a:t>            Return "F"</a:t>
+            </a:r>
+          </a:p>
+          <a:p>
+            <a:r>
+              <a:rPr lang="de-DE" sz="1400" kern="1200" dirty="0" smtClean="0">
+                <a:solidFill>
+                  <a:schemeClr val="tx1"/>
+                </a:solidFill>
+                <a:latin typeface="Times New Roman" pitchFamily="18" charset="0"/>
+                <a:ea typeface="+mn-ea"/>
+                <a:cs typeface="+mn-cs"/>
+              </a:rPr>
+              <a:t>        End </a:t>
+            </a:r>
+            <a:r>
+              <a:rPr lang="de-DE" sz="1400" kern="1200" dirty="0" err="1" smtClean="0">
+                <a:solidFill>
+                  <a:schemeClr val="tx1"/>
+                </a:solidFill>
+                <a:latin typeface="Times New Roman" pitchFamily="18" charset="0"/>
+                <a:ea typeface="+mn-ea"/>
+                <a:cs typeface="+mn-cs"/>
+              </a:rPr>
+              <a:t>If</a:t>
+            </a:r>
+            <a:endParaRPr lang="de-DE" sz="1400" kern="1200" dirty="0" smtClean="0">
+              <a:solidFill>
+                <a:schemeClr val="tx1"/>
+              </a:solidFill>
+              <a:latin typeface="Times New Roman" pitchFamily="18" charset="0"/>
+              <a:ea typeface="+mn-ea"/>
+              <a:cs typeface="+mn-cs"/>
+            </a:endParaRPr>
+          </a:p>
+          <a:p>
+            <a:endParaRPr lang="de-DE" sz="1400" kern="1200" dirty="0" smtClean="0">
+              <a:solidFill>
+                <a:schemeClr val="tx1"/>
+              </a:solidFill>
+              <a:latin typeface="Times New Roman" pitchFamily="18" charset="0"/>
+              <a:ea typeface="+mn-ea"/>
+              <a:cs typeface="+mn-cs"/>
+            </a:endParaRPr>
+          </a:p>
+          <a:p>
+            <a:r>
+              <a:rPr lang="de-DE" sz="1400" kern="1200" dirty="0" smtClean="0">
+                <a:solidFill>
+                  <a:schemeClr val="tx1"/>
+                </a:solidFill>
+                <a:latin typeface="Times New Roman" pitchFamily="18" charset="0"/>
+                <a:ea typeface="+mn-ea"/>
+                <a:cs typeface="+mn-cs"/>
+              </a:rPr>
+              <a:t>    End </a:t>
+            </a:r>
+            <a:r>
+              <a:rPr lang="de-DE" sz="1400" kern="1200" dirty="0" err="1" smtClean="0">
+                <a:solidFill>
+                  <a:schemeClr val="tx1"/>
+                </a:solidFill>
+                <a:latin typeface="Times New Roman" pitchFamily="18" charset="0"/>
+                <a:ea typeface="+mn-ea"/>
+                <a:cs typeface="+mn-cs"/>
+              </a:rPr>
+              <a:t>Function</a:t>
+            </a:r>
+            <a:endParaRPr lang="de-DE" sz="1400" kern="1200" dirty="0" smtClean="0">
+              <a:solidFill>
+                <a:schemeClr val="tx1"/>
+              </a:solidFill>
+              <a:latin typeface="Times New Roman" pitchFamily="18" charset="0"/>
+              <a:ea typeface="+mn-ea"/>
+              <a:cs typeface="+mn-cs"/>
+            </a:endParaRPr>
+          </a:p>
+          <a:p>
+            <a:endParaRPr lang="de-DE" sz="1400" kern="1200" dirty="0" smtClean="0">
+              <a:solidFill>
+                <a:schemeClr val="tx1"/>
+              </a:solidFill>
+              <a:latin typeface="Times New Roman" pitchFamily="18" charset="0"/>
+              <a:ea typeface="+mn-ea"/>
+              <a:cs typeface="+mn-cs"/>
+            </a:endParaRPr>
+          </a:p>
+          <a:p>
+            <a:r>
+              <a:rPr lang="de-DE" sz="1400" kern="1200" dirty="0" smtClean="0">
+                <a:solidFill>
+                  <a:schemeClr val="tx1"/>
+                </a:solidFill>
+                <a:latin typeface="Times New Roman" pitchFamily="18" charset="0"/>
+                <a:ea typeface="+mn-ea"/>
+                <a:cs typeface="+mn-cs"/>
+              </a:rPr>
+              <a:t>End Class</a:t>
+            </a:r>
+          </a:p>
+          <a:p>
+            <a:endParaRPr lang="en-US" baseline="0" dirty="0" smtClean="0"/>
+          </a:p>
+          <a:p>
             <a:endParaRPr lang="en-US" dirty="0"/>
           </a:p>
         </p:txBody>
@@ -3016,7 +6022,7 @@
             <a:fld id="{E66ADB51-AC8B-48F4-8324-97CEFD9EE040}" type="datetime8">
               <a:rPr lang="en-US"/>
               <a:pPr/>
-              <a:t>1/14/14 14:02</a:t>
+              <a:t>2/25/15 08:13</a:t>
             </a:fld>
             <a:endParaRPr lang="en-US"/>
           </a:p>
@@ -3172,7 +6178,7 @@
             <a:fld id="{FDD1CBB6-1CBD-418C-8809-8A37E27AD0EB}" type="datetime8">
               <a:rPr lang="en-US"/>
               <a:pPr/>
-              <a:t>1/14/14 14:02</a:t>
+              <a:t>2/25/15 08:13</a:t>
             </a:fld>
             <a:endParaRPr lang="en-US"/>
           </a:p>
@@ -3338,7 +6344,7 @@
             <a:fld id="{D8379020-55AF-480B-9B24-90E8FFB5F431}" type="datetime8">
               <a:rPr lang="en-US"/>
               <a:pPr/>
-              <a:t>1/14/14 14:02</a:t>
+              <a:t>2/25/15 08:13</a:t>
             </a:fld>
             <a:endParaRPr lang="en-US"/>
           </a:p>
@@ -3448,7 +6454,7 @@
             <a:fld id="{EF01CC56-E46E-4CC7-B9B5-9F43E2C1C6B2}" type="datetime8">
               <a:rPr lang="en-US"/>
               <a:pPr/>
-              <a:t>1/14/14 14:02</a:t>
+              <a:t>2/25/15 08:13</a:t>
             </a:fld>
             <a:endParaRPr lang="en-US"/>
           </a:p>
@@ -3605,7 +6611,7 @@
                 <a:ea typeface="+mn-ea"/>
                 <a:cs typeface="+mn-cs"/>
               </a:rPr>
-              <a:t>www.lvp.com</a:t>
+              <a:t>www.google.com</a:t>
             </a:r>
             <a:r>
               <a:rPr lang="en-US" sz="1400" kern="1200" dirty="0" smtClean="0">
@@ -3616,7 +6622,40 @@
                 <a:ea typeface="+mn-ea"/>
                 <a:cs typeface="+mn-cs"/>
               </a:rPr>
-              <a:t>")</a:t>
+              <a:t>"). Because of this I can change the</a:t>
+            </a:r>
+            <a:r>
+              <a:rPr lang="en-US" sz="1400" kern="1200" baseline="0" dirty="0" smtClean="0">
+                <a:solidFill>
+                  <a:schemeClr val="tx1"/>
+                </a:solidFill>
+                <a:latin typeface="Times New Roman" pitchFamily="18" charset="0"/>
+                <a:ea typeface="+mn-ea"/>
+                <a:cs typeface="+mn-cs"/>
+              </a:rPr>
+              <a:t> Text property of the </a:t>
+            </a:r>
+            <a:r>
+              <a:rPr lang="en-US" sz="1400" kern="1200" baseline="0" dirty="0" err="1" smtClean="0">
+                <a:solidFill>
+                  <a:schemeClr val="tx1"/>
+                </a:solidFill>
+                <a:latin typeface="Times New Roman" pitchFamily="18" charset="0"/>
+                <a:ea typeface="+mn-ea"/>
+                <a:cs typeface="+mn-cs"/>
+              </a:rPr>
+              <a:t>LinkLabel</a:t>
+            </a:r>
+            <a:r>
+              <a:rPr lang="en-US" sz="1400" kern="1200" baseline="0" dirty="0" smtClean="0">
+                <a:solidFill>
+                  <a:schemeClr val="tx1"/>
+                </a:solidFill>
+                <a:latin typeface="Times New Roman" pitchFamily="18" charset="0"/>
+                <a:ea typeface="+mn-ea"/>
+                <a:cs typeface="+mn-cs"/>
+              </a:rPr>
+              <a:t> to anything else</a:t>
             </a:r>
           </a:p>
           <a:p>
@@ -3638,149 +6677,26 @@
               <a:defRPr/>
             </a:pPr>
             <a:r>
-              <a:rPr lang="en-US" sz="1400" kern="1200" dirty="0" smtClean="0">
-                <a:solidFill>
-                  <a:schemeClr val="tx1"/>
-                </a:solidFill>
-                <a:latin typeface="Times New Roman" pitchFamily="18" charset="0"/>
-                <a:ea typeface="+mn-ea"/>
-                <a:cs typeface="+mn-cs"/>
-              </a:rPr>
-              <a:t>Result:</a:t>
-            </a:r>
-          </a:p>
-          <a:p>
-            <a:r>
-              <a:rPr lang="en-US" sz="1400" kern="1200" dirty="0" smtClean="0">
-                <a:solidFill>
-                  <a:schemeClr val="tx1"/>
-                </a:solidFill>
-                <a:latin typeface="Times New Roman" pitchFamily="18" charset="0"/>
-                <a:ea typeface="+mn-ea"/>
-                <a:cs typeface="+mn-cs"/>
-              </a:rPr>
-              <a:t>Private Sub </a:t>
-            </a:r>
-            <a:r>
-              <a:rPr lang="en-US" sz="1400" kern="1200" dirty="0" err="1" smtClean="0">
-                <a:solidFill>
-                  <a:schemeClr val="tx1"/>
-                </a:solidFill>
-                <a:latin typeface="Times New Roman" pitchFamily="18" charset="0"/>
-                <a:ea typeface="+mn-ea"/>
-                <a:cs typeface="+mn-cs"/>
-              </a:rPr>
-              <a:t>lnklvp_LinkClicked</a:t>
-            </a:r>
-            <a:r>
-              <a:rPr lang="en-US" sz="1400" kern="1200" dirty="0" smtClean="0">
-                <a:solidFill>
-                  <a:schemeClr val="tx1"/>
-                </a:solidFill>
-                <a:latin typeface="Times New Roman" pitchFamily="18" charset="0"/>
-                <a:ea typeface="+mn-ea"/>
-                <a:cs typeface="+mn-cs"/>
-              </a:rPr>
-              <a:t>(</a:t>
-            </a:r>
-            <a:r>
-              <a:rPr lang="en-US" sz="1400" kern="1200" dirty="0" err="1" smtClean="0">
-                <a:solidFill>
-                  <a:schemeClr val="tx1"/>
-                </a:solidFill>
-                <a:latin typeface="Times New Roman" pitchFamily="18" charset="0"/>
-                <a:ea typeface="+mn-ea"/>
-                <a:cs typeface="+mn-cs"/>
-              </a:rPr>
-              <a:t>ByVal</a:t>
-            </a:r>
-            <a:r>
-              <a:rPr lang="en-US" sz="1400" kern="1200" dirty="0" smtClean="0">
-                <a:solidFill>
-                  <a:schemeClr val="tx1"/>
-                </a:solidFill>
-                <a:latin typeface="Times New Roman" pitchFamily="18" charset="0"/>
-                <a:ea typeface="+mn-ea"/>
-                <a:cs typeface="+mn-cs"/>
-              </a:rPr>
-              <a:t> sender As </a:t>
-            </a:r>
-            <a:r>
-              <a:rPr lang="en-US" sz="1400" kern="1200" dirty="0" err="1" smtClean="0">
-                <a:solidFill>
-                  <a:schemeClr val="tx1"/>
-                </a:solidFill>
-                <a:latin typeface="Times New Roman" pitchFamily="18" charset="0"/>
-                <a:ea typeface="+mn-ea"/>
-                <a:cs typeface="+mn-cs"/>
-              </a:rPr>
-              <a:t>System.Object</a:t>
-            </a:r>
-            <a:r>
-              <a:rPr lang="en-US" sz="1400" kern="1200" dirty="0" smtClean="0">
-                <a:solidFill>
-                  <a:schemeClr val="tx1"/>
-                </a:solidFill>
-                <a:latin typeface="Times New Roman" pitchFamily="18" charset="0"/>
-                <a:ea typeface="+mn-ea"/>
-                <a:cs typeface="+mn-cs"/>
-              </a:rPr>
-              <a:t>, </a:t>
-            </a:r>
-            <a:r>
-              <a:rPr lang="en-US" sz="1400" kern="1200" dirty="0" err="1" smtClean="0">
-                <a:solidFill>
-                  <a:schemeClr val="tx1"/>
-                </a:solidFill>
-                <a:latin typeface="Times New Roman" pitchFamily="18" charset="0"/>
-                <a:ea typeface="+mn-ea"/>
-                <a:cs typeface="+mn-cs"/>
-              </a:rPr>
-              <a:t>ByVal</a:t>
-            </a:r>
-            <a:r>
-              <a:rPr lang="en-US" sz="1400" kern="1200" dirty="0" smtClean="0">
-                <a:solidFill>
-                  <a:schemeClr val="tx1"/>
-                </a:solidFill>
-                <a:latin typeface="Times New Roman" pitchFamily="18" charset="0"/>
-                <a:ea typeface="+mn-ea"/>
-                <a:cs typeface="+mn-cs"/>
-              </a:rPr>
-              <a:t> e As </a:t>
-            </a:r>
-            <a:r>
-              <a:rPr lang="en-US" sz="1400" kern="1200" dirty="0" err="1" smtClean="0">
-                <a:solidFill>
-                  <a:schemeClr val="tx1"/>
-                </a:solidFill>
-                <a:latin typeface="Times New Roman" pitchFamily="18" charset="0"/>
-                <a:ea typeface="+mn-ea"/>
-                <a:cs typeface="+mn-cs"/>
-              </a:rPr>
-              <a:t>System.Windows.Forms.LinkLabelLinkClickedEventArgs</a:t>
-            </a:r>
-            <a:r>
-              <a:rPr lang="en-US" sz="1400" kern="1200" dirty="0" smtClean="0">
-                <a:solidFill>
-                  <a:schemeClr val="tx1"/>
-                </a:solidFill>
-                <a:latin typeface="Times New Roman" pitchFamily="18" charset="0"/>
-                <a:ea typeface="+mn-ea"/>
-                <a:cs typeface="+mn-cs"/>
-              </a:rPr>
-              <a:t>) Handles </a:t>
-            </a:r>
-            <a:r>
-              <a:rPr lang="en-US" sz="1400" kern="1200" dirty="0" err="1" smtClean="0">
-                <a:solidFill>
-                  <a:schemeClr val="tx1"/>
-                </a:solidFill>
-                <a:latin typeface="Times New Roman" pitchFamily="18" charset="0"/>
-                <a:ea typeface="+mn-ea"/>
-                <a:cs typeface="+mn-cs"/>
-              </a:rPr>
-              <a:t>lnklvp.LinkClicked</a:t>
+              <a:rPr lang="en-US" sz="1400" kern="1200" baseline="0" dirty="0" smtClean="0">
+                <a:solidFill>
+                  <a:schemeClr val="tx1"/>
+                </a:solidFill>
+                <a:latin typeface="Times New Roman" pitchFamily="18" charset="0"/>
+                <a:ea typeface="+mn-ea"/>
+                <a:cs typeface="+mn-cs"/>
+              </a:rPr>
+              <a:t>( like Google for example ) and it still connects to the </a:t>
+            </a:r>
+            <a:r>
+              <a:rPr lang="en-US" sz="1400" kern="1200" baseline="0" smtClean="0">
+                <a:solidFill>
+                  <a:schemeClr val="tx1"/>
+                </a:solidFill>
+                <a:latin typeface="Times New Roman" pitchFamily="18" charset="0"/>
+                <a:ea typeface="+mn-ea"/>
+                <a:cs typeface="+mn-cs"/>
+              </a:rPr>
+              <a:t>web site.</a:t>
             </a:r>
             <a:endParaRPr lang="en-US" sz="1400" kern="1200" dirty="0" smtClean="0">
               <a:solidFill>
@@ -3792,6 +6708,23 @@
             </a:endParaRPr>
           </a:p>
           <a:p>
+            <a:pPr marL="0" marR="0" indent="0" algn="l" defTabSz="914400" rtl="0" eaLnBrk="1" fontAlgn="base" latinLnBrk="0" hangingPunct="1">
+              <a:lnSpc>
+                <a:spcPct val="100000"/>
+              </a:lnSpc>
+              <a:spcBef>
+                <a:spcPct val="30000"/>
+              </a:spcBef>
+              <a:spcAft>
+                <a:spcPct val="0"/>
+              </a:spcAft>
+              <a:buClrTx/>
+              <a:buSzTx/>
+              <a:buFontTx/>
+              <a:buNone/>
+              <a:tabLst/>
+              <a:defRPr/>
+            </a:pPr>
             <a:r>
               <a:rPr lang="en-US" sz="1400" kern="1200" dirty="0" smtClean="0">
                 <a:solidFill>
@@ -3801,6 +6734,188 @@
                 <a:ea typeface="+mn-ea"/>
                 <a:cs typeface="+mn-cs"/>
               </a:rPr>
+              <a:t>Result:</a:t>
+            </a:r>
+          </a:p>
+          <a:p>
+            <a:pPr marL="0" marR="0" indent="0" algn="l" defTabSz="914400" rtl="0" eaLnBrk="1" fontAlgn="base" latinLnBrk="0" hangingPunct="1">
+              <a:lnSpc>
+                <a:spcPct val="100000"/>
+              </a:lnSpc>
+              <a:spcBef>
+                <a:spcPct val="30000"/>
+              </a:spcBef>
+              <a:spcAft>
+                <a:spcPct val="0"/>
+              </a:spcAft>
+              <a:buClrTx/>
+              <a:buSzTx/>
+              <a:buFontTx/>
+              <a:buNone/>
+              <a:tabLst/>
+              <a:defRPr/>
+            </a:pPr>
+            <a:endParaRPr lang="en-US" sz="1400" kern="1200" dirty="0" smtClean="0">
+              <a:solidFill>
+                <a:schemeClr val="tx1"/>
+              </a:solidFill>
+              <a:latin typeface="Times New Roman" pitchFamily="18" charset="0"/>
+              <a:ea typeface="+mn-ea"/>
+              <a:cs typeface="+mn-cs"/>
+            </a:endParaRPr>
+          </a:p>
+          <a:p>
+            <a:r>
+              <a:rPr lang="en-US" sz="1400" kern="1200" dirty="0" smtClean="0">
+                <a:solidFill>
+                  <a:schemeClr val="tx1"/>
+                </a:solidFill>
+                <a:latin typeface="Times New Roman" pitchFamily="18" charset="0"/>
+                <a:ea typeface="+mn-ea"/>
+                <a:cs typeface="+mn-cs"/>
+              </a:rPr>
+              <a:t>Private Sub </a:t>
+            </a:r>
+            <a:r>
+              <a:rPr lang="en-US" sz="1400" kern="1200" dirty="0" err="1" smtClean="0">
+                <a:solidFill>
+                  <a:schemeClr val="tx1"/>
+                </a:solidFill>
+                <a:latin typeface="Times New Roman" pitchFamily="18" charset="0"/>
+                <a:ea typeface="+mn-ea"/>
+                <a:cs typeface="+mn-cs"/>
+              </a:rPr>
+              <a:t>lnklvp_LinkClicked</a:t>
+            </a:r>
+            <a:r>
+              <a:rPr lang="en-US" sz="1400" kern="1200" dirty="0" smtClean="0">
+                <a:solidFill>
+                  <a:schemeClr val="tx1"/>
+                </a:solidFill>
+                <a:latin typeface="Times New Roman" pitchFamily="18" charset="0"/>
+                <a:ea typeface="+mn-ea"/>
+                <a:cs typeface="+mn-cs"/>
+              </a:rPr>
+              <a:t>(</a:t>
+            </a:r>
+            <a:r>
+              <a:rPr lang="en-US" sz="1400" kern="1200" dirty="0" err="1" smtClean="0">
+                <a:solidFill>
+                  <a:schemeClr val="tx1"/>
+                </a:solidFill>
+                <a:latin typeface="Times New Roman" pitchFamily="18" charset="0"/>
+                <a:ea typeface="+mn-ea"/>
+                <a:cs typeface="+mn-cs"/>
+              </a:rPr>
+              <a:t>ByVal</a:t>
+            </a:r>
+            <a:r>
+              <a:rPr lang="en-US" sz="1400" kern="1200" dirty="0" smtClean="0">
+                <a:solidFill>
+                  <a:schemeClr val="tx1"/>
+                </a:solidFill>
+                <a:latin typeface="Times New Roman" pitchFamily="18" charset="0"/>
+                <a:ea typeface="+mn-ea"/>
+                <a:cs typeface="+mn-cs"/>
+              </a:rPr>
+              <a:t> sender As </a:t>
+            </a:r>
+            <a:r>
+              <a:rPr lang="en-US" sz="1400" kern="1200" dirty="0" err="1" smtClean="0">
+                <a:solidFill>
+                  <a:schemeClr val="tx1"/>
+                </a:solidFill>
+                <a:latin typeface="Times New Roman" pitchFamily="18" charset="0"/>
+                <a:ea typeface="+mn-ea"/>
+                <a:cs typeface="+mn-cs"/>
+              </a:rPr>
+              <a:t>System.Object</a:t>
+            </a:r>
+            <a:r>
+              <a:rPr lang="en-US" sz="1400" kern="1200" dirty="0" smtClean="0">
+                <a:solidFill>
+                  <a:schemeClr val="tx1"/>
+                </a:solidFill>
+                <a:latin typeface="Times New Roman" pitchFamily="18" charset="0"/>
+                <a:ea typeface="+mn-ea"/>
+                <a:cs typeface="+mn-cs"/>
+              </a:rPr>
+              <a:t>, </a:t>
+            </a:r>
+            <a:r>
+              <a:rPr lang="en-US" sz="1400" kern="1200" dirty="0" err="1" smtClean="0">
+                <a:solidFill>
+                  <a:schemeClr val="tx1"/>
+                </a:solidFill>
+                <a:latin typeface="Times New Roman" pitchFamily="18" charset="0"/>
+                <a:ea typeface="+mn-ea"/>
+                <a:cs typeface="+mn-cs"/>
+              </a:rPr>
+              <a:t>ByVal</a:t>
+            </a:r>
+            <a:r>
+              <a:rPr lang="en-US" sz="1400" kern="1200" dirty="0" smtClean="0">
+                <a:solidFill>
+                  <a:schemeClr val="tx1"/>
+                </a:solidFill>
+                <a:latin typeface="Times New Roman" pitchFamily="18" charset="0"/>
+                <a:ea typeface="+mn-ea"/>
+                <a:cs typeface="+mn-cs"/>
+              </a:rPr>
+              <a:t> e As </a:t>
+            </a:r>
+            <a:r>
+              <a:rPr lang="en-US" sz="1400" kern="1200" dirty="0" err="1" smtClean="0">
+                <a:solidFill>
+                  <a:schemeClr val="tx1"/>
+                </a:solidFill>
+                <a:latin typeface="Times New Roman" pitchFamily="18" charset="0"/>
+                <a:ea typeface="+mn-ea"/>
+                <a:cs typeface="+mn-cs"/>
+              </a:rPr>
+              <a:t>System.Windows.Forms.LinkLabelLinkClickedEventArgs</a:t>
+            </a:r>
+            <a:r>
+              <a:rPr lang="en-US" sz="1400" kern="1200" dirty="0" smtClean="0">
+                <a:solidFill>
+                  <a:schemeClr val="tx1"/>
+                </a:solidFill>
+                <a:latin typeface="Times New Roman" pitchFamily="18" charset="0"/>
+                <a:ea typeface="+mn-ea"/>
+                <a:cs typeface="+mn-cs"/>
+              </a:rPr>
+              <a:t>) Handles </a:t>
+            </a:r>
+            <a:r>
+              <a:rPr lang="en-US" sz="1400" kern="1200" dirty="0" err="1" smtClean="0">
+                <a:solidFill>
+                  <a:schemeClr val="tx1"/>
+                </a:solidFill>
+                <a:latin typeface="Times New Roman" pitchFamily="18" charset="0"/>
+                <a:ea typeface="+mn-ea"/>
+                <a:cs typeface="+mn-cs"/>
+              </a:rPr>
+              <a:t>lnklvp.LinkClicked</a:t>
+            </a:r>
+            <a:endParaRPr lang="en-US" sz="1400" kern="1200" dirty="0" smtClean="0">
+              <a:solidFill>
+                <a:schemeClr val="tx1"/>
+              </a:solidFill>
+              <a:latin typeface="Times New Roman" pitchFamily="18" charset="0"/>
+              <a:ea typeface="+mn-ea"/>
+              <a:cs typeface="+mn-cs"/>
+            </a:endParaRPr>
+          </a:p>
+          <a:p>
+            <a:r>
+              <a:rPr lang="en-US" sz="1400" kern="1200" dirty="0" smtClean="0">
+                <a:solidFill>
+                  <a:schemeClr val="tx1"/>
+                </a:solidFill>
+                <a:latin typeface="Times New Roman" pitchFamily="18" charset="0"/>
+                <a:ea typeface="+mn-ea"/>
+                <a:cs typeface="+mn-cs"/>
+              </a:rPr>
               <a:t>        </a:t>
             </a:r>
             <a:r>
@@ -3834,7 +6949,7 @@
                 <a:ea typeface="+mn-ea"/>
                 <a:cs typeface="+mn-cs"/>
               </a:rPr>
-              <a:t>www.lvp.com</a:t>
+              <a:t>www.google.com</a:t>
             </a:r>
             <a:r>
               <a:rPr lang="en-US" sz="1400" kern="1200" dirty="0" smtClean="0">
@@ -3941,7 +7056,7 @@
             <a:fld id="{CC0A02F5-6196-4DB5-8CAE-19758F608898}" type="datetime8">
               <a:rPr lang="en-US"/>
               <a:pPr/>
-              <a:t>1/14/14 14:02</a:t>
+              <a:t>2/25/15 08:13</a:t>
             </a:fld>
             <a:endParaRPr lang="en-US"/>
           </a:p>
@@ -4001,54 +7116,6 @@
         <p:txBody>
           <a:bodyPr/>
           <a:lstStyle/>
-          <a:p>
-            <a:r>
-              <a:rPr lang="en-US" dirty="0" smtClean="0"/>
-              <a:t>Call </a:t>
-            </a:r>
-            <a:r>
-              <a:rPr lang="en-US" dirty="0" err="1" smtClean="0"/>
-              <a:t>ProcedureName</a:t>
-            </a:r>
-            <a:r>
-              <a:rPr lang="en-US" dirty="0" smtClean="0"/>
-              <a:t>(parameter1, parameter2)</a:t>
-            </a:r>
-          </a:p>
-          <a:p>
-            <a:r>
-              <a:rPr lang="en-US" dirty="0" smtClean="0"/>
-              <a:t>Sub </a:t>
-            </a:r>
-            <a:r>
-              <a:rPr lang="en-US" dirty="0" err="1" smtClean="0"/>
-              <a:t>ProcedureName</a:t>
-            </a:r>
-            <a:r>
-              <a:rPr lang="en-US" dirty="0" smtClean="0"/>
-              <a:t>(</a:t>
-            </a:r>
-            <a:r>
-              <a:rPr lang="en-US" dirty="0" err="1" smtClean="0"/>
-              <a:t>ByVal</a:t>
-            </a:r>
-            <a:r>
-              <a:rPr lang="en-US" baseline="0" dirty="0" smtClean="0"/>
-              <a:t> parameter1 As type,…)</a:t>
-            </a:r>
-          </a:p>
-          <a:p>
-            <a:r>
-              <a:rPr lang="en-US" baseline="0" dirty="0" smtClean="0"/>
-              <a:t>    Statements</a:t>
-            </a:r>
-          </a:p>
-          <a:p>
-            <a:r>
-              <a:rPr lang="en-US" baseline="0" dirty="0" smtClean="0"/>
-              <a:t>End Sub</a:t>
-            </a:r>
-          </a:p>
           <a:p>
             <a:r>
               <a:rPr lang="en-US" dirty="0" err="1" smtClean="0"/>
@@ -4120,7 +7187,7 @@
             <a:fld id="{3BB8A6E0-665D-488A-8F20-FDE122A8ECCB}" type="datetime8">
               <a:rPr lang="en-US"/>
               <a:pPr/>
-              <a:t>1/14/14 14:02</a:t>
+              <a:t>2/25/15 08:13</a:t>
             </a:fld>
             <a:endParaRPr lang="en-US"/>
           </a:p>
@@ -4195,6 +7262,14 @@
             </a:r>
             <a:r>
               <a:rPr lang="en-US" baseline="0" dirty="0" smtClean="0"/>
+              <a:t>  and 1 button = </a:t>
+            </a:r>
+            <a:r>
+              <a:rPr lang="en-US" baseline="0" dirty="0" err="1" smtClean="0"/>
+              <a:t>btnRun</a:t>
+            </a:r>
+            <a:r>
+              <a:rPr lang="en-US" baseline="0" dirty="0" smtClean="0"/>
               <a:t> )</a:t>
             </a:r>
             <a:r>
@@ -4203,62 +7278,591 @@
             </a:r>
           </a:p>
           <a:p>
-            <a:r>
-              <a:rPr lang="en-US" dirty="0" smtClean="0"/>
-              <a:t>Sub Demo()</a:t>
-            </a:r>
-          </a:p>
-          <a:p>
-            <a:r>
-              <a:rPr lang="en-US" dirty="0" smtClean="0"/>
-              <a:t>   Dim counter As Integer = 1</a:t>
-            </a:r>
-          </a:p>
-          <a:p>
-            <a:r>
-              <a:rPr lang="en-US" dirty="0" smtClean="0"/>
-              <a:t>   Call </a:t>
-            </a:r>
-            <a:r>
-              <a:rPr lang="en-US" dirty="0" err="1" smtClean="0"/>
+            <a:endParaRPr lang="en-US" dirty="0" smtClean="0"/>
+          </a:p>
+          <a:p>
+            <a:r>
+              <a:rPr lang="en-US" sz="1400" kern="1200" dirty="0" smtClean="0">
+                <a:solidFill>
+                  <a:schemeClr val="tx1"/>
+                </a:solidFill>
+                <a:latin typeface="Times New Roman" pitchFamily="18" charset="0"/>
+                <a:ea typeface="+mn-ea"/>
+                <a:cs typeface="+mn-cs"/>
+              </a:rPr>
+              <a:t>Private Sub </a:t>
+            </a:r>
+            <a:r>
+              <a:rPr lang="en-US" sz="1400" kern="1200" dirty="0" err="1" smtClean="0">
+                <a:solidFill>
+                  <a:schemeClr val="tx1"/>
+                </a:solidFill>
+                <a:latin typeface="Times New Roman" pitchFamily="18" charset="0"/>
+                <a:ea typeface="+mn-ea"/>
+                <a:cs typeface="+mn-cs"/>
+              </a:rPr>
+              <a:t>btnRun_Click</a:t>
+            </a:r>
+            <a:r>
+              <a:rPr lang="en-US" sz="1400" kern="1200" dirty="0" smtClean="0">
+                <a:solidFill>
+                  <a:schemeClr val="tx1"/>
+                </a:solidFill>
+                <a:latin typeface="Times New Roman" pitchFamily="18" charset="0"/>
+                <a:ea typeface="+mn-ea"/>
+                <a:cs typeface="+mn-cs"/>
+              </a:rPr>
+              <a:t>(</a:t>
+            </a:r>
+            <a:r>
+              <a:rPr lang="en-US" sz="1400" kern="1200" dirty="0" err="1" smtClean="0">
+                <a:solidFill>
+                  <a:schemeClr val="tx1"/>
+                </a:solidFill>
+                <a:latin typeface="Times New Roman" pitchFamily="18" charset="0"/>
+                <a:ea typeface="+mn-ea"/>
+                <a:cs typeface="+mn-cs"/>
+              </a:rPr>
+              <a:t>ByVal</a:t>
+            </a:r>
+            <a:r>
+              <a:rPr lang="en-US" sz="1400" kern="1200" dirty="0" smtClean="0">
+                <a:solidFill>
+                  <a:schemeClr val="tx1"/>
+                </a:solidFill>
+                <a:latin typeface="Times New Roman" pitchFamily="18" charset="0"/>
+                <a:ea typeface="+mn-ea"/>
+                <a:cs typeface="+mn-cs"/>
+              </a:rPr>
+              <a:t> sender As </a:t>
+            </a:r>
+            <a:r>
+              <a:rPr lang="en-US" sz="1400" kern="1200" dirty="0" err="1" smtClean="0">
+                <a:solidFill>
+                  <a:schemeClr val="tx1"/>
+                </a:solidFill>
+                <a:latin typeface="Times New Roman" pitchFamily="18" charset="0"/>
+                <a:ea typeface="+mn-ea"/>
+                <a:cs typeface="+mn-cs"/>
+              </a:rPr>
+              <a:t>System.Object</a:t>
+            </a:r>
+            <a:r>
+              <a:rPr lang="en-US" sz="1400" kern="1200" dirty="0" smtClean="0">
+                <a:solidFill>
+                  <a:schemeClr val="tx1"/>
+                </a:solidFill>
+                <a:latin typeface="Times New Roman" pitchFamily="18" charset="0"/>
+                <a:ea typeface="+mn-ea"/>
+                <a:cs typeface="+mn-cs"/>
+              </a:rPr>
+              <a:t>, </a:t>
+            </a:r>
+            <a:r>
+              <a:rPr lang="en-US" sz="1400" kern="1200" dirty="0" err="1" smtClean="0">
+                <a:solidFill>
+                  <a:schemeClr val="tx1"/>
+                </a:solidFill>
+                <a:latin typeface="Times New Roman" pitchFamily="18" charset="0"/>
+                <a:ea typeface="+mn-ea"/>
+                <a:cs typeface="+mn-cs"/>
+              </a:rPr>
+              <a:t>ByVal</a:t>
+            </a:r>
+            <a:r>
+              <a:rPr lang="en-US" sz="1400" kern="1200" dirty="0" smtClean="0">
+                <a:solidFill>
+                  <a:schemeClr val="tx1"/>
+                </a:solidFill>
+                <a:latin typeface="Times New Roman" pitchFamily="18" charset="0"/>
+                <a:ea typeface="+mn-ea"/>
+                <a:cs typeface="+mn-cs"/>
+              </a:rPr>
+              <a:t> e As </a:t>
+            </a:r>
+            <a:r>
+              <a:rPr lang="en-US" sz="1400" kern="1200" dirty="0" err="1" smtClean="0">
+                <a:solidFill>
+                  <a:schemeClr val="tx1"/>
+                </a:solidFill>
+                <a:latin typeface="Times New Roman" pitchFamily="18" charset="0"/>
+                <a:ea typeface="+mn-ea"/>
+                <a:cs typeface="+mn-cs"/>
+              </a:rPr>
+              <a:t>System.EventArgs</a:t>
+            </a:r>
+            <a:r>
+              <a:rPr lang="en-US" sz="1400" kern="1200" dirty="0" smtClean="0">
+                <a:solidFill>
+                  <a:schemeClr val="tx1"/>
+                </a:solidFill>
+                <a:latin typeface="Times New Roman" pitchFamily="18" charset="0"/>
+                <a:ea typeface="+mn-ea"/>
+                <a:cs typeface="+mn-cs"/>
+              </a:rPr>
+              <a:t>) Handles </a:t>
+            </a:r>
+            <a:r>
+              <a:rPr lang="en-US" sz="1400" kern="1200" dirty="0" err="1" smtClean="0">
+                <a:solidFill>
+                  <a:schemeClr val="tx1"/>
+                </a:solidFill>
+                <a:latin typeface="Times New Roman" pitchFamily="18" charset="0"/>
+                <a:ea typeface="+mn-ea"/>
+                <a:cs typeface="+mn-cs"/>
+              </a:rPr>
+              <a:t>btnRun.Click</a:t>
+            </a:r>
+            <a:endParaRPr lang="en-US" sz="1400" kern="1200" dirty="0" smtClean="0">
+              <a:solidFill>
+                <a:schemeClr val="tx1"/>
+              </a:solidFill>
+              <a:latin typeface="Times New Roman" pitchFamily="18" charset="0"/>
+              <a:ea typeface="+mn-ea"/>
+              <a:cs typeface="+mn-cs"/>
+            </a:endParaRPr>
+          </a:p>
+          <a:p>
+            <a:r>
+              <a:rPr lang="en-US" sz="1400" kern="1200" dirty="0" smtClean="0">
+                <a:solidFill>
+                  <a:schemeClr val="tx1"/>
+                </a:solidFill>
+                <a:latin typeface="Times New Roman" pitchFamily="18" charset="0"/>
+                <a:ea typeface="+mn-ea"/>
+                <a:cs typeface="+mn-cs"/>
+              </a:rPr>
+              <a:t>        Dim counter As Integer = 1</a:t>
+            </a:r>
+          </a:p>
+          <a:p>
+            <a:r>
+              <a:rPr lang="en-US" sz="1400" kern="1200" dirty="0" smtClean="0">
+                <a:solidFill>
+                  <a:schemeClr val="tx1"/>
+                </a:solidFill>
+                <a:latin typeface="Times New Roman" pitchFamily="18" charset="0"/>
+                <a:ea typeface="+mn-ea"/>
+                <a:cs typeface="+mn-cs"/>
+              </a:rPr>
+              <a:t>        Call </a:t>
+            </a:r>
+            <a:r>
+              <a:rPr lang="en-US" sz="1400" kern="1200" dirty="0" err="1" smtClean="0">
+                <a:solidFill>
+                  <a:schemeClr val="tx1"/>
+                </a:solidFill>
+                <a:latin typeface="Times New Roman" pitchFamily="18" charset="0"/>
+                <a:ea typeface="+mn-ea"/>
+                <a:cs typeface="+mn-cs"/>
+              </a:rPr>
               <a:t>ShowCount</a:t>
             </a:r>
             <a:r>
-              <a:rPr lang="en-US" dirty="0" smtClean="0"/>
-              <a:t>(counter)               ‘Displays 1</a:t>
-            </a:r>
-          </a:p>
-          <a:p>
-            <a:r>
-              <a:rPr lang="en-US" dirty="0" smtClean="0"/>
-              <a:t>   </a:t>
-            </a:r>
-            <a:r>
-              <a:rPr lang="en-US" dirty="0" err="1" smtClean="0"/>
+              <a:rPr lang="en-US" sz="1400" kern="1200" dirty="0" smtClean="0">
+                <a:solidFill>
+                  <a:schemeClr val="tx1"/>
+                </a:solidFill>
+                <a:latin typeface="Times New Roman" pitchFamily="18" charset="0"/>
+                <a:ea typeface="+mn-ea"/>
+                <a:cs typeface="+mn-cs"/>
+              </a:rPr>
+              <a:t>(counter)</a:t>
+            </a:r>
+          </a:p>
+          <a:p>
+            <a:r>
+              <a:rPr lang="en-US" sz="1400" kern="1200" dirty="0" smtClean="0">
+                <a:solidFill>
+                  <a:schemeClr val="tx1"/>
+                </a:solidFill>
+                <a:latin typeface="Times New Roman" pitchFamily="18" charset="0"/>
+                <a:ea typeface="+mn-ea"/>
+                <a:cs typeface="+mn-cs"/>
+              </a:rPr>
+              <a:t>        </a:t>
+            </a:r>
+            <a:r>
+              <a:rPr lang="en-US" sz="1400" kern="1200" dirty="0" err="1" smtClean="0">
+                <a:solidFill>
+                  <a:schemeClr val="tx1"/>
+                </a:solidFill>
+                <a:latin typeface="Times New Roman" pitchFamily="18" charset="0"/>
+                <a:ea typeface="+mn-ea"/>
+                <a:cs typeface="+mn-cs"/>
+              </a:rPr>
               <a:t>Me.lblNumber.Text</a:t>
             </a:r>
             <a:r>
-              <a:rPr lang="en-US" dirty="0" smtClean="0"/>
-              <a:t>=counter</a:t>
-            </a:r>
-          </a:p>
-          <a:p>
-            <a:r>
-              <a:rPr lang="en-US" dirty="0" smtClean="0"/>
-              <a:t>End</a:t>
-            </a:r>
+              <a:rPr lang="en-US" sz="1400" kern="1200" dirty="0" smtClean="0">
+                <a:solidFill>
+                  <a:schemeClr val="tx1"/>
+                </a:solidFill>
+                <a:latin typeface="Times New Roman" pitchFamily="18" charset="0"/>
+                <a:ea typeface="+mn-ea"/>
+                <a:cs typeface="+mn-cs"/>
+              </a:rPr>
+              <a:t> = counter        'Displays 1</a:t>
+            </a:r>
+          </a:p>
+          <a:p>
+            <a:r>
+              <a:rPr lang="de-DE" sz="1400" kern="1200" dirty="0" smtClean="0">
+                <a:solidFill>
+                  <a:schemeClr val="tx1"/>
+                </a:solidFill>
+                <a:latin typeface="Times New Roman" pitchFamily="18" charset="0"/>
+                <a:ea typeface="+mn-ea"/>
+                <a:cs typeface="+mn-cs"/>
+              </a:rPr>
+              <a:t>End Sub</a:t>
+            </a:r>
+          </a:p>
+          <a:p>
+            <a:r>
+              <a:rPr lang="de-DE" sz="1400" kern="1200" dirty="0" smtClean="0">
+                <a:solidFill>
+                  <a:schemeClr val="tx1"/>
+                </a:solidFill>
+                <a:latin typeface="Times New Roman" pitchFamily="18" charset="0"/>
+                <a:ea typeface="+mn-ea"/>
+                <a:cs typeface="+mn-cs"/>
+              </a:rPr>
+              <a:t>Sub </a:t>
+            </a:r>
+            <a:r>
+              <a:rPr lang="de-DE" sz="1400" kern="1200" dirty="0" err="1" smtClean="0">
+                <a:solidFill>
+                  <a:schemeClr val="tx1"/>
+                </a:solidFill>
+                <a:latin typeface="Times New Roman" pitchFamily="18" charset="0"/>
+                <a:ea typeface="+mn-ea"/>
+                <a:cs typeface="+mn-cs"/>
+              </a:rPr>
+              <a:t>ShowCount</a:t>
+            </a:r>
+            <a:r>
+              <a:rPr lang="de-DE" sz="1400" kern="1200" dirty="0" smtClean="0">
+                <a:solidFill>
+                  <a:schemeClr val="tx1"/>
+                </a:solidFill>
+                <a:latin typeface="Times New Roman" pitchFamily="18" charset="0"/>
+                <a:ea typeface="+mn-ea"/>
+                <a:cs typeface="+mn-cs"/>
+              </a:rPr>
+              <a:t>(</a:t>
+            </a:r>
+            <a:r>
+              <a:rPr lang="de-DE" sz="1400" kern="1200" dirty="0" err="1" smtClean="0">
+                <a:solidFill>
+                  <a:schemeClr val="tx1"/>
+                </a:solidFill>
+                <a:latin typeface="Times New Roman" pitchFamily="18" charset="0"/>
+                <a:ea typeface="+mn-ea"/>
+                <a:cs typeface="+mn-cs"/>
+              </a:rPr>
+              <a:t>ByVal</a:t>
+            </a:r>
+            <a:r>
+              <a:rPr lang="de-DE" sz="1400" kern="1200" dirty="0" smtClean="0">
+                <a:solidFill>
+                  <a:schemeClr val="tx1"/>
+                </a:solidFill>
+                <a:latin typeface="Times New Roman" pitchFamily="18" charset="0"/>
+                <a:ea typeface="+mn-ea"/>
+                <a:cs typeface="+mn-cs"/>
+              </a:rPr>
+              <a:t> </a:t>
+            </a:r>
+            <a:r>
+              <a:rPr lang="de-DE" sz="1400" kern="1200" dirty="0" err="1" smtClean="0">
+                <a:solidFill>
+                  <a:schemeClr val="tx1"/>
+                </a:solidFill>
+                <a:latin typeface="Times New Roman" pitchFamily="18" charset="0"/>
+                <a:ea typeface="+mn-ea"/>
+                <a:cs typeface="+mn-cs"/>
+              </a:rPr>
+              <a:t>counter</a:t>
+            </a:r>
+            <a:r>
+              <a:rPr lang="de-DE" sz="1400" kern="1200" dirty="0" smtClean="0">
+                <a:solidFill>
+                  <a:schemeClr val="tx1"/>
+                </a:solidFill>
+                <a:latin typeface="Times New Roman" pitchFamily="18" charset="0"/>
+                <a:ea typeface="+mn-ea"/>
+                <a:cs typeface="+mn-cs"/>
+              </a:rPr>
+              <a:t> As Integer</a:t>
+            </a:r>
+            <a:r>
+              <a:rPr lang="de-DE" sz="1400" kern="1200" smtClean="0">
+                <a:solidFill>
+                  <a:schemeClr val="tx1"/>
+                </a:solidFill>
+                <a:latin typeface="Times New Roman" pitchFamily="18" charset="0"/>
+                <a:ea typeface="+mn-ea"/>
+                <a:cs typeface="+mn-cs"/>
+              </a:rPr>
+              <a:t>)     ‚=</a:t>
+            </a:r>
+            <a:r>
+              <a:rPr lang="de-DE" sz="1400" kern="1200" dirty="0" smtClean="0">
+                <a:solidFill>
+                  <a:schemeClr val="tx1"/>
+                </a:solidFill>
+                <a:latin typeface="Times New Roman" pitchFamily="18" charset="0"/>
+                <a:ea typeface="+mn-ea"/>
+                <a:cs typeface="+mn-cs"/>
+              </a:rPr>
+              <a:t>&gt; </a:t>
+            </a:r>
+            <a:r>
+              <a:rPr lang="de-DE" sz="1400" kern="1200" dirty="0" err="1" smtClean="0">
+                <a:solidFill>
+                  <a:schemeClr val="tx1"/>
+                </a:solidFill>
+                <a:latin typeface="Times New Roman" pitchFamily="18" charset="0"/>
+                <a:ea typeface="+mn-ea"/>
+                <a:cs typeface="+mn-cs"/>
+              </a:rPr>
+              <a:t>it</a:t>
+            </a:r>
+            <a:r>
+              <a:rPr lang="de-DE" sz="1400" kern="1200" dirty="0" smtClean="0">
+                <a:solidFill>
+                  <a:schemeClr val="tx1"/>
+                </a:solidFill>
+                <a:latin typeface="Times New Roman" pitchFamily="18" charset="0"/>
+                <a:ea typeface="+mn-ea"/>
+                <a:cs typeface="+mn-cs"/>
+              </a:rPr>
+              <a:t> </a:t>
+            </a:r>
+            <a:r>
+              <a:rPr lang="de-DE" sz="1400" kern="1200" dirty="0" err="1" smtClean="0">
+                <a:solidFill>
+                  <a:schemeClr val="tx1"/>
+                </a:solidFill>
+                <a:latin typeface="Times New Roman" pitchFamily="18" charset="0"/>
+                <a:ea typeface="+mn-ea"/>
+                <a:cs typeface="+mn-cs"/>
+              </a:rPr>
+              <a:t>can</a:t>
+            </a:r>
+            <a:r>
+              <a:rPr lang="de-DE" sz="1400" kern="1200" dirty="0" smtClean="0">
+                <a:solidFill>
+                  <a:schemeClr val="tx1"/>
+                </a:solidFill>
+                <a:latin typeface="Times New Roman" pitchFamily="18" charset="0"/>
+                <a:ea typeface="+mn-ea"/>
+                <a:cs typeface="+mn-cs"/>
+              </a:rPr>
+              <a:t> </a:t>
+            </a:r>
+            <a:r>
+              <a:rPr lang="de-DE" sz="1400" kern="1200" dirty="0" err="1" smtClean="0">
+                <a:solidFill>
+                  <a:schemeClr val="tx1"/>
+                </a:solidFill>
+                <a:latin typeface="Times New Roman" pitchFamily="18" charset="0"/>
+                <a:ea typeface="+mn-ea"/>
+                <a:cs typeface="+mn-cs"/>
+              </a:rPr>
+              <a:t>be</a:t>
+            </a:r>
+            <a:r>
+              <a:rPr lang="de-DE" sz="1400" kern="1200" dirty="0" smtClean="0">
+                <a:solidFill>
+                  <a:schemeClr val="tx1"/>
+                </a:solidFill>
+                <a:latin typeface="Times New Roman" pitchFamily="18" charset="0"/>
+                <a:ea typeface="+mn-ea"/>
+                <a:cs typeface="+mn-cs"/>
+              </a:rPr>
+              <a:t> </a:t>
+            </a:r>
+            <a:r>
+              <a:rPr lang="de-DE" sz="1400" kern="1200" dirty="0" err="1" smtClean="0">
+                <a:solidFill>
+                  <a:schemeClr val="tx1"/>
+                </a:solidFill>
+                <a:latin typeface="Times New Roman" pitchFamily="18" charset="0"/>
+                <a:ea typeface="+mn-ea"/>
+                <a:cs typeface="+mn-cs"/>
+              </a:rPr>
+              <a:t>used</a:t>
+            </a:r>
+            <a:r>
+              <a:rPr lang="de-DE" sz="1400" kern="1200" dirty="0" smtClean="0">
+                <a:solidFill>
+                  <a:schemeClr val="tx1"/>
+                </a:solidFill>
+                <a:latin typeface="Times New Roman" pitchFamily="18" charset="0"/>
+                <a:ea typeface="+mn-ea"/>
+                <a:cs typeface="+mn-cs"/>
+              </a:rPr>
+              <a:t> a different</a:t>
+            </a:r>
+            <a:r>
+              <a:rPr lang="de-DE" sz="1400" kern="1200" baseline="0" dirty="0" smtClean="0">
+                <a:solidFill>
+                  <a:schemeClr val="tx1"/>
+                </a:solidFill>
+                <a:latin typeface="Times New Roman" pitchFamily="18" charset="0"/>
+                <a:ea typeface="+mn-ea"/>
+                <a:cs typeface="+mn-cs"/>
+              </a:rPr>
+              <a:t> </a:t>
+            </a:r>
+            <a:r>
+              <a:rPr lang="de-DE" sz="1400" kern="1200" baseline="0" dirty="0" err="1" smtClean="0">
+                <a:solidFill>
+                  <a:schemeClr val="tx1"/>
+                </a:solidFill>
+                <a:latin typeface="Times New Roman" pitchFamily="18" charset="0"/>
+                <a:ea typeface="+mn-ea"/>
+                <a:cs typeface="+mn-cs"/>
+              </a:rPr>
+              <a:t>name</a:t>
+            </a:r>
+            <a:r>
+              <a:rPr lang="de-DE" sz="1400" kern="1200" baseline="0" dirty="0" smtClean="0">
+                <a:solidFill>
+                  <a:schemeClr val="tx1"/>
+                </a:solidFill>
+                <a:latin typeface="Times New Roman" pitchFamily="18" charset="0"/>
+                <a:ea typeface="+mn-ea"/>
+                <a:cs typeface="+mn-cs"/>
+              </a:rPr>
+              <a:t> </a:t>
+            </a:r>
+            <a:r>
+              <a:rPr lang="de-DE" sz="1400" kern="1200" baseline="0" dirty="0" err="1" smtClean="0">
+                <a:solidFill>
+                  <a:schemeClr val="tx1"/>
+                </a:solidFill>
+                <a:latin typeface="Times New Roman" pitchFamily="18" charset="0"/>
+                <a:ea typeface="+mn-ea"/>
+                <a:cs typeface="+mn-cs"/>
+              </a:rPr>
+              <a:t>for</a:t>
+            </a:r>
+            <a:r>
+              <a:rPr lang="de-DE" sz="1400" kern="1200" baseline="0" dirty="0" smtClean="0">
+                <a:solidFill>
+                  <a:schemeClr val="tx1"/>
+                </a:solidFill>
+                <a:latin typeface="Times New Roman" pitchFamily="18" charset="0"/>
+                <a:ea typeface="+mn-ea"/>
+                <a:cs typeface="+mn-cs"/>
+              </a:rPr>
+              <a:t> </a:t>
+            </a:r>
+            <a:r>
+              <a:rPr lang="de-DE" sz="1400" kern="1200" baseline="0" dirty="0" err="1" smtClean="0">
+                <a:solidFill>
+                  <a:schemeClr val="tx1"/>
+                </a:solidFill>
+                <a:latin typeface="Times New Roman" pitchFamily="18" charset="0"/>
+                <a:ea typeface="+mn-ea"/>
+                <a:cs typeface="+mn-cs"/>
+              </a:rPr>
+              <a:t>the</a:t>
+            </a:r>
+            <a:r>
+              <a:rPr lang="de-DE" sz="1400" kern="1200" baseline="0" dirty="0" smtClean="0">
+                <a:solidFill>
+                  <a:schemeClr val="tx1"/>
+                </a:solidFill>
+                <a:latin typeface="Times New Roman" pitchFamily="18" charset="0"/>
+                <a:ea typeface="+mn-ea"/>
+                <a:cs typeface="+mn-cs"/>
+              </a:rPr>
+              <a:t> variable</a:t>
+            </a:r>
+            <a:r>
+              <a:rPr lang="de-DE" sz="1400" kern="1200" dirty="0" smtClean="0">
+                <a:solidFill>
+                  <a:schemeClr val="tx1"/>
+                </a:solidFill>
+                <a:latin typeface="Times New Roman" pitchFamily="18" charset="0"/>
+                <a:ea typeface="+mn-ea"/>
+                <a:cs typeface="+mn-cs"/>
+              </a:rPr>
+              <a:t>  </a:t>
+            </a:r>
+          </a:p>
+          <a:p>
+            <a:r>
+              <a:rPr lang="en-US" sz="1400" kern="1200" dirty="0" smtClean="0">
+                <a:solidFill>
+                  <a:schemeClr val="tx1"/>
+                </a:solidFill>
+                <a:latin typeface="Times New Roman" pitchFamily="18" charset="0"/>
+                <a:ea typeface="+mn-ea"/>
+                <a:cs typeface="+mn-cs"/>
+              </a:rPr>
+              <a:t>        counter += 1</a:t>
+            </a:r>
+          </a:p>
+          <a:p>
+            <a:r>
+              <a:rPr lang="en-US" sz="1400" kern="1200" dirty="0" smtClean="0">
+                <a:solidFill>
+                  <a:schemeClr val="tx1"/>
+                </a:solidFill>
+                <a:latin typeface="Times New Roman" pitchFamily="18" charset="0"/>
+                <a:ea typeface="+mn-ea"/>
+                <a:cs typeface="+mn-cs"/>
+              </a:rPr>
+              <a:t>        </a:t>
+            </a:r>
+            <a:r>
+              <a:rPr lang="en-US" sz="1400" kern="1200" dirty="0" err="1" smtClean="0">
+                <a:solidFill>
+                  <a:schemeClr val="tx1"/>
+                </a:solidFill>
+                <a:latin typeface="Times New Roman" pitchFamily="18" charset="0"/>
+                <a:ea typeface="+mn-ea"/>
+                <a:cs typeface="+mn-cs"/>
+              </a:rPr>
+              <a:t>MessageBox.Show</a:t>
+            </a:r>
+            <a:r>
+              <a:rPr lang="en-US" sz="1400" kern="1200" dirty="0" smtClean="0">
+                <a:solidFill>
+                  <a:schemeClr val="tx1"/>
+                </a:solidFill>
+                <a:latin typeface="Times New Roman" pitchFamily="18" charset="0"/>
+                <a:ea typeface="+mn-ea"/>
+                <a:cs typeface="+mn-cs"/>
+              </a:rPr>
+              <a:t>(counter)                 'Displays 2</a:t>
+            </a:r>
+          </a:p>
+          <a:p>
+            <a:r>
+              <a:rPr lang="de-DE" sz="1400" kern="1200" dirty="0" smtClean="0">
+                <a:solidFill>
+                  <a:schemeClr val="tx1"/>
+                </a:solidFill>
+                <a:latin typeface="Times New Roman" pitchFamily="18" charset="0"/>
+                <a:ea typeface="+mn-ea"/>
+                <a:cs typeface="+mn-cs"/>
+              </a:rPr>
+              <a:t>End Sub</a:t>
+            </a:r>
+          </a:p>
+          <a:p>
+            <a:endParaRPr lang="en-US" baseline="0" dirty="0" smtClean="0"/>
+          </a:p>
+          <a:p>
             <a:r>
               <a:rPr lang="en-US" baseline="0" dirty="0" smtClean="0"/>
-              <a:t> Sub</a:t>
-            </a:r>
-          </a:p>
-          <a:p>
-            <a:endParaRPr lang="en-US" baseline="0" dirty="0" smtClean="0"/>
-          </a:p>
-          <a:p>
-            <a:r>
-              <a:rPr lang="en-US" baseline="0" dirty="0" smtClean="0"/>
-              <a:t>Sub </a:t>
+              <a:t>It demonstrates that counter in </a:t>
             </a:r>
             <a:r>
               <a:rPr lang="en-US" baseline="0" dirty="0" err="1" smtClean="0"/>
@@ -4266,58 +7870,23 @@
             </a:r>
             <a:r>
               <a:rPr lang="en-US" baseline="0" dirty="0" smtClean="0"/>
-              <a:t>(</a:t>
+              <a:t>() has no relation to counter in Demo(). It displays first the </a:t>
             </a:r>
             <a:r>
               <a:rPr lang="en-US" baseline="0" dirty="0" err="1" smtClean="0"/>
-              <a:t>ByVal</a:t>
+              <a:t>MessageBox</a:t>
             </a:r>
             <a:r>
               <a:rPr lang="en-US" baseline="0" dirty="0" smtClean="0"/>
-              <a:t> counter As Integer)</a:t>
-            </a:r>
-          </a:p>
-          <a:p>
+              <a:t> counter=2. After it displays </a:t>
+            </a:r>
+            <a:r>
+              <a:rPr lang="en-US" baseline="0" dirty="0" err="1" smtClean="0"/>
+              <a:t>Me.lblNumber.Text</a:t>
+            </a:r>
             <a:r>
               <a:rPr lang="en-US" baseline="0" dirty="0" smtClean="0"/>
-              <a:t>   counter+=1</a:t>
-            </a:r>
-          </a:p>
-          <a:p>
-            <a:r>
-              <a:rPr lang="en-US" baseline="0" dirty="0" smtClean="0"/>
-              <a:t>   </a:t>
-            </a:r>
-            <a:r>
-              <a:rPr lang="en-US" baseline="0" dirty="0" err="1" smtClean="0"/>
-              <a:t>MessageBox.Show</a:t>
-            </a:r>
-            <a:r>
-              <a:rPr lang="en-US" baseline="0" dirty="0" smtClean="0"/>
-              <a:t>(counter)                 ‘Displays 2</a:t>
-            </a:r>
-          </a:p>
-          <a:p>
-            <a:r>
-              <a:rPr lang="en-US" baseline="0" dirty="0" smtClean="0"/>
-              <a:t>End Sub</a:t>
-            </a:r>
-          </a:p>
-          <a:p>
-            <a:endParaRPr lang="en-US" baseline="0" dirty="0" smtClean="0"/>
-          </a:p>
-          <a:p>
-            <a:r>
-              <a:rPr lang="en-US" baseline="0" dirty="0" smtClean="0"/>
-              <a:t>It demonstrates that counter in </a:t>
-            </a:r>
-            <a:r>
-              <a:rPr lang="en-US" baseline="0" dirty="0" err="1" smtClean="0"/>
-              <a:t>ShowCount</a:t>
-            </a:r>
-            <a:r>
-              <a:rPr lang="en-US" baseline="0" dirty="0" smtClean="0"/>
-              <a:t>() has no relation to counter in Demo().</a:t>
+              <a:t> counter=1</a:t>
             </a:r>
             <a:endParaRPr lang="en-US" dirty="0"/>
           </a:p>
@@ -4368,7 +7937,7 @@
             <a:fld id="{B4531469-7FAC-423C-8ED6-A15B4FC3DE34}" type="datetime8">
               <a:rPr lang="en-US"/>
               <a:pPr/>
-              <a:t>1/14/14 14:02</a:t>
+              <a:t>2/25/15 08:13</a:t>
             </a:fld>
             <a:endParaRPr lang="en-US"/>
           </a:p>
@@ -4431,7 +8000,11 @@
           <a:p>
             <a:r>
               <a:rPr lang="en-US" i="1" dirty="0" smtClean="0"/>
-              <a:t>Comments with functionality and pre: and post: conditions.</a:t>
+              <a:t>Comments with functionality and pre: and post: conditions. Show as example </a:t>
+            </a:r>
+            <a:r>
+              <a:rPr lang="en-US" i="1" dirty="0" err="1" smtClean="0"/>
+              <a:t>TestBuild</a:t>
             </a:r>
             <a:endParaRPr lang="en-US" i="1" dirty="0"/>
           </a:p>
@@ -4491,7 +8064,7 @@
           <a:p>
             <a:r>
               <a:rPr lang="en-US" dirty="0" smtClean="0"/>
-              <a:t>Example:</a:t>
+              <a:t>Example/Console:</a:t>
             </a:r>
           </a:p>
           <a:p>
@@ -4554,116 +8127,728 @@
           </a:p>
           <a:p>
             <a:r>
-              <a:rPr lang="en-US" baseline="0" dirty="0" smtClean="0"/>
-              <a:t>Sub </a:t>
-            </a:r>
-            <a:r>
-              <a:rPr lang="en-US" baseline="0" dirty="0" err="1" smtClean="0"/>
+              <a:rPr lang="en-US" sz="1400" kern="1200" dirty="0" smtClean="0">
+                <a:solidFill>
+                  <a:schemeClr val="tx1"/>
+                </a:solidFill>
+                <a:latin typeface="Times New Roman" pitchFamily="18" charset="0"/>
+                <a:ea typeface="+mn-ea"/>
+                <a:cs typeface="+mn-cs"/>
+              </a:rPr>
+              <a:t>Sub Main()</a:t>
+            </a:r>
+          </a:p>
+          <a:p>
+            <a:r>
+              <a:rPr lang="pt-BR" sz="1400" kern="1200" dirty="0" smtClean="0">
+                <a:solidFill>
+                  <a:schemeClr val="tx1"/>
+                </a:solidFill>
+                <a:latin typeface="Times New Roman" pitchFamily="18" charset="0"/>
+                <a:ea typeface="+mn-ea"/>
+                <a:cs typeface="+mn-cs"/>
+              </a:rPr>
+              <a:t>        </a:t>
+            </a:r>
+            <a:r>
+              <a:rPr lang="pt-BR" sz="1400" kern="1200" dirty="0" err="1" smtClean="0">
+                <a:solidFill>
+                  <a:schemeClr val="tx1"/>
+                </a:solidFill>
+                <a:latin typeface="Times New Roman" pitchFamily="18" charset="0"/>
+                <a:ea typeface="+mn-ea"/>
+                <a:cs typeface="+mn-cs"/>
+              </a:rPr>
+              <a:t>Dim</a:t>
+            </a:r>
+            <a:r>
+              <a:rPr lang="pt-BR" sz="1400" kern="1200" dirty="0" smtClean="0">
+                <a:solidFill>
+                  <a:schemeClr val="tx1"/>
+                </a:solidFill>
+                <a:latin typeface="Times New Roman" pitchFamily="18" charset="0"/>
+                <a:ea typeface="+mn-ea"/>
+                <a:cs typeface="+mn-cs"/>
+              </a:rPr>
+              <a:t> num As </a:t>
+            </a:r>
+            <a:r>
+              <a:rPr lang="pt-BR" sz="1400" kern="1200" dirty="0" err="1" smtClean="0">
+                <a:solidFill>
+                  <a:schemeClr val="tx1"/>
+                </a:solidFill>
+                <a:latin typeface="Times New Roman" pitchFamily="18" charset="0"/>
+                <a:ea typeface="+mn-ea"/>
+                <a:cs typeface="+mn-cs"/>
+              </a:rPr>
+              <a:t>Integer</a:t>
+            </a:r>
+            <a:r>
+              <a:rPr lang="pt-BR" sz="1400" kern="1200" dirty="0" smtClean="0">
+                <a:solidFill>
+                  <a:schemeClr val="tx1"/>
+                </a:solidFill>
+                <a:latin typeface="Times New Roman" pitchFamily="18" charset="0"/>
+                <a:ea typeface="+mn-ea"/>
+                <a:cs typeface="+mn-cs"/>
+              </a:rPr>
+              <a:t> = 25</a:t>
+            </a:r>
+          </a:p>
+          <a:p>
+            <a:r>
+              <a:rPr lang="pt-BR" sz="1400" kern="1200" dirty="0" smtClean="0">
+                <a:solidFill>
+                  <a:schemeClr val="tx1"/>
+                </a:solidFill>
+                <a:latin typeface="Times New Roman" pitchFamily="18" charset="0"/>
+                <a:ea typeface="+mn-ea"/>
+                <a:cs typeface="+mn-cs"/>
+              </a:rPr>
+              <a:t>        </a:t>
+            </a:r>
+            <a:r>
+              <a:rPr lang="pt-BR" sz="1400" kern="1200" dirty="0" err="1" smtClean="0">
+                <a:solidFill>
+                  <a:schemeClr val="tx1"/>
+                </a:solidFill>
+                <a:latin typeface="Times New Roman" pitchFamily="18" charset="0"/>
+                <a:ea typeface="+mn-ea"/>
+                <a:cs typeface="+mn-cs"/>
+              </a:rPr>
+              <a:t>Dim</a:t>
+            </a:r>
+            <a:r>
+              <a:rPr lang="pt-BR" sz="1400" kern="1200" dirty="0" smtClean="0">
+                <a:solidFill>
+                  <a:schemeClr val="tx1"/>
+                </a:solidFill>
+                <a:latin typeface="Times New Roman" pitchFamily="18" charset="0"/>
+                <a:ea typeface="+mn-ea"/>
+                <a:cs typeface="+mn-cs"/>
+              </a:rPr>
+              <a:t> </a:t>
+            </a:r>
+            <a:r>
+              <a:rPr lang="pt-BR" sz="1400" kern="1200" dirty="0" err="1" smtClean="0">
+                <a:solidFill>
+                  <a:schemeClr val="tx1"/>
+                </a:solidFill>
+                <a:latin typeface="Times New Roman" pitchFamily="18" charset="0"/>
+                <a:ea typeface="+mn-ea"/>
+                <a:cs typeface="+mn-cs"/>
+              </a:rPr>
+              <a:t>firstDigit</a:t>
+            </a:r>
+            <a:r>
+              <a:rPr lang="pt-BR" sz="1400" kern="1200" dirty="0" smtClean="0">
+                <a:solidFill>
+                  <a:schemeClr val="tx1"/>
+                </a:solidFill>
+                <a:latin typeface="Times New Roman" pitchFamily="18" charset="0"/>
+                <a:ea typeface="+mn-ea"/>
+                <a:cs typeface="+mn-cs"/>
+              </a:rPr>
+              <a:t>, </a:t>
+            </a:r>
+            <a:r>
+              <a:rPr lang="pt-BR" sz="1400" kern="1200" dirty="0" err="1" smtClean="0">
+                <a:solidFill>
+                  <a:schemeClr val="tx1"/>
+                </a:solidFill>
+                <a:latin typeface="Times New Roman" pitchFamily="18" charset="0"/>
+                <a:ea typeface="+mn-ea"/>
+                <a:cs typeface="+mn-cs"/>
+              </a:rPr>
+              <a:t>secondDigit</a:t>
+            </a:r>
+            <a:r>
+              <a:rPr lang="pt-BR" sz="1400" kern="1200" dirty="0" smtClean="0">
+                <a:solidFill>
+                  <a:schemeClr val="tx1"/>
+                </a:solidFill>
+                <a:latin typeface="Times New Roman" pitchFamily="18" charset="0"/>
+                <a:ea typeface="+mn-ea"/>
+                <a:cs typeface="+mn-cs"/>
+              </a:rPr>
+              <a:t> As </a:t>
+            </a:r>
+            <a:r>
+              <a:rPr lang="pt-BR" sz="1400" kern="1200" dirty="0" err="1" smtClean="0">
+                <a:solidFill>
+                  <a:schemeClr val="tx1"/>
+                </a:solidFill>
+                <a:latin typeface="Times New Roman" pitchFamily="18" charset="0"/>
+                <a:ea typeface="+mn-ea"/>
+                <a:cs typeface="+mn-cs"/>
+              </a:rPr>
+              <a:t>Integer</a:t>
+            </a:r>
+            <a:endParaRPr lang="pt-BR" sz="1400" kern="1200" dirty="0" smtClean="0">
+              <a:solidFill>
+                <a:schemeClr val="tx1"/>
+              </a:solidFill>
+              <a:latin typeface="Times New Roman" pitchFamily="18" charset="0"/>
+              <a:ea typeface="+mn-ea"/>
+              <a:cs typeface="+mn-cs"/>
+            </a:endParaRPr>
+          </a:p>
+          <a:p>
+            <a:r>
+              <a:rPr lang="pt-BR" sz="1400" kern="1200" dirty="0" smtClean="0">
+                <a:solidFill>
+                  <a:schemeClr val="tx1"/>
+                </a:solidFill>
+                <a:latin typeface="Times New Roman" pitchFamily="18" charset="0"/>
+                <a:ea typeface="+mn-ea"/>
+                <a:cs typeface="+mn-cs"/>
+              </a:rPr>
+              <a:t>        </a:t>
+            </a:r>
+            <a:r>
+              <a:rPr lang="pt-BR" sz="1400" kern="1200" dirty="0" err="1" smtClean="0">
+                <a:solidFill>
+                  <a:schemeClr val="tx1"/>
+                </a:solidFill>
+                <a:latin typeface="Times New Roman" pitchFamily="18" charset="0"/>
+                <a:ea typeface="+mn-ea"/>
+                <a:cs typeface="+mn-cs"/>
+              </a:rPr>
+              <a:t>Call</a:t>
+            </a:r>
+            <a:r>
+              <a:rPr lang="pt-BR" sz="1400" kern="1200" dirty="0" smtClean="0">
+                <a:solidFill>
+                  <a:schemeClr val="tx1"/>
+                </a:solidFill>
+                <a:latin typeface="Times New Roman" pitchFamily="18" charset="0"/>
+                <a:ea typeface="+mn-ea"/>
+                <a:cs typeface="+mn-cs"/>
+              </a:rPr>
+              <a:t> </a:t>
+            </a:r>
+            <a:r>
+              <a:rPr lang="pt-BR" sz="1400" kern="1200" dirty="0" err="1" smtClean="0">
+                <a:solidFill>
+                  <a:schemeClr val="tx1"/>
+                </a:solidFill>
+                <a:latin typeface="Times New Roman" pitchFamily="18" charset="0"/>
+                <a:ea typeface="+mn-ea"/>
+                <a:cs typeface="+mn-cs"/>
+              </a:rPr>
               <a:t>TwoDigits</a:t>
             </a:r>
             <a:r>
-              <a:rPr lang="en-US" baseline="0" dirty="0" smtClean="0"/>
+              <a:rPr lang="pt-BR" sz="1400" kern="1200" dirty="0" smtClean="0">
+                <a:solidFill>
+                  <a:schemeClr val="tx1"/>
+                </a:solidFill>
+                <a:latin typeface="Times New Roman" pitchFamily="18" charset="0"/>
+                <a:ea typeface="+mn-ea"/>
+                <a:cs typeface="+mn-cs"/>
+              </a:rPr>
+              <a:t>(num, </a:t>
+            </a:r>
+            <a:r>
+              <a:rPr lang="pt-BR" sz="1400" kern="1200" dirty="0" err="1" smtClean="0">
+                <a:solidFill>
+                  <a:schemeClr val="tx1"/>
+                </a:solidFill>
+                <a:latin typeface="Times New Roman" pitchFamily="18" charset="0"/>
+                <a:ea typeface="+mn-ea"/>
+                <a:cs typeface="+mn-cs"/>
+              </a:rPr>
+              <a:t>firstDigit</a:t>
+            </a:r>
+            <a:r>
+              <a:rPr lang="pt-BR" sz="1400" kern="1200" dirty="0" smtClean="0">
+                <a:solidFill>
+                  <a:schemeClr val="tx1"/>
+                </a:solidFill>
+                <a:latin typeface="Times New Roman" pitchFamily="18" charset="0"/>
+                <a:ea typeface="+mn-ea"/>
+                <a:cs typeface="+mn-cs"/>
+              </a:rPr>
+              <a:t>, </a:t>
+            </a:r>
+            <a:r>
+              <a:rPr lang="pt-BR" sz="1400" kern="1200" dirty="0" err="1" smtClean="0">
+                <a:solidFill>
+                  <a:schemeClr val="tx1"/>
+                </a:solidFill>
+                <a:latin typeface="Times New Roman" pitchFamily="18" charset="0"/>
+                <a:ea typeface="+mn-ea"/>
+                <a:cs typeface="+mn-cs"/>
+              </a:rPr>
+              <a:t>secondDigit</a:t>
+            </a:r>
+            <a:r>
+              <a:rPr lang="pt-BR" sz="1400" kern="1200" dirty="0" smtClean="0">
+                <a:solidFill>
+                  <a:schemeClr val="tx1"/>
+                </a:solidFill>
+                <a:latin typeface="Times New Roman" pitchFamily="18" charset="0"/>
+                <a:ea typeface="+mn-ea"/>
+                <a:cs typeface="+mn-cs"/>
+              </a:rPr>
+              <a:t>)</a:t>
+            </a:r>
+          </a:p>
+          <a:p>
+            <a:r>
+              <a:rPr lang="pt-BR" sz="1400" kern="1200" dirty="0" smtClean="0">
+                <a:solidFill>
+                  <a:schemeClr val="tx1"/>
+                </a:solidFill>
+                <a:latin typeface="Times New Roman" pitchFamily="18" charset="0"/>
+                <a:ea typeface="+mn-ea"/>
+                <a:cs typeface="+mn-cs"/>
+              </a:rPr>
+              <a:t>        </a:t>
+            </a:r>
+            <a:r>
+              <a:rPr lang="pt-BR" sz="1400" kern="1200" dirty="0" err="1" smtClean="0">
+                <a:solidFill>
+                  <a:schemeClr val="tx1"/>
+                </a:solidFill>
+                <a:latin typeface="Times New Roman" pitchFamily="18" charset="0"/>
+                <a:ea typeface="+mn-ea"/>
+                <a:cs typeface="+mn-cs"/>
+              </a:rPr>
+              <a:t>Console.WriteLine</a:t>
+            </a:r>
+            <a:r>
+              <a:rPr lang="pt-BR" sz="1400" kern="1200" dirty="0" smtClean="0">
+                <a:solidFill>
+                  <a:schemeClr val="tx1"/>
+                </a:solidFill>
+                <a:latin typeface="Times New Roman" pitchFamily="18" charset="0"/>
+                <a:ea typeface="+mn-ea"/>
+                <a:cs typeface="+mn-cs"/>
+              </a:rPr>
+              <a:t>(num)</a:t>
+            </a:r>
+          </a:p>
+          <a:p>
+            <a:r>
+              <a:rPr lang="pt-BR" sz="1400" kern="1200" dirty="0" smtClean="0">
+                <a:solidFill>
+                  <a:schemeClr val="tx1"/>
+                </a:solidFill>
+                <a:latin typeface="Times New Roman" pitchFamily="18" charset="0"/>
+                <a:ea typeface="+mn-ea"/>
+                <a:cs typeface="+mn-cs"/>
+              </a:rPr>
+              <a:t>        </a:t>
+            </a:r>
+            <a:r>
+              <a:rPr lang="pt-BR" sz="1400" kern="1200" dirty="0" err="1" smtClean="0">
+                <a:solidFill>
+                  <a:schemeClr val="tx1"/>
+                </a:solidFill>
+                <a:latin typeface="Times New Roman" pitchFamily="18" charset="0"/>
+                <a:ea typeface="+mn-ea"/>
+                <a:cs typeface="+mn-cs"/>
+              </a:rPr>
+              <a:t>Console.WriteLine</a:t>
+            </a:r>
+            <a:r>
+              <a:rPr lang="pt-BR" sz="1400" kern="1200" dirty="0" smtClean="0">
+                <a:solidFill>
+                  <a:schemeClr val="tx1"/>
+                </a:solidFill>
+                <a:latin typeface="Times New Roman" pitchFamily="18" charset="0"/>
+                <a:ea typeface="+mn-ea"/>
+                <a:cs typeface="+mn-cs"/>
+              </a:rPr>
               <a:t>(</a:t>
             </a:r>
             <a:r>
-              <a:rPr lang="en-US" baseline="0" dirty="0" err="1" smtClean="0"/>
+              <a:rPr lang="pt-BR" sz="1400" kern="1200" dirty="0" err="1" smtClean="0">
+                <a:solidFill>
+                  <a:schemeClr val="tx1"/>
+                </a:solidFill>
+                <a:latin typeface="Times New Roman" pitchFamily="18" charset="0"/>
+                <a:ea typeface="+mn-ea"/>
+                <a:cs typeface="+mn-cs"/>
+              </a:rPr>
+              <a:t>firstDigit</a:t>
+            </a:r>
+            <a:r>
+              <a:rPr lang="pt-BR" sz="1400" kern="1200" dirty="0" smtClean="0">
+                <a:solidFill>
+                  <a:schemeClr val="tx1"/>
+                </a:solidFill>
+                <a:latin typeface="Times New Roman" pitchFamily="18" charset="0"/>
+                <a:ea typeface="+mn-ea"/>
+                <a:cs typeface="+mn-cs"/>
+              </a:rPr>
+              <a:t>)</a:t>
+            </a:r>
+          </a:p>
+          <a:p>
+            <a:r>
+              <a:rPr lang="pt-BR" sz="1400" kern="1200" dirty="0" smtClean="0">
+                <a:solidFill>
+                  <a:schemeClr val="tx1"/>
+                </a:solidFill>
+                <a:latin typeface="Times New Roman" pitchFamily="18" charset="0"/>
+                <a:ea typeface="+mn-ea"/>
+                <a:cs typeface="+mn-cs"/>
+              </a:rPr>
+              <a:t>        </a:t>
+            </a:r>
+            <a:r>
+              <a:rPr lang="pt-BR" sz="1400" kern="1200" dirty="0" err="1" smtClean="0">
+                <a:solidFill>
+                  <a:schemeClr val="tx1"/>
+                </a:solidFill>
+                <a:latin typeface="Times New Roman" pitchFamily="18" charset="0"/>
+                <a:ea typeface="+mn-ea"/>
+                <a:cs typeface="+mn-cs"/>
+              </a:rPr>
+              <a:t>Console.WriteLine</a:t>
+            </a:r>
+            <a:r>
+              <a:rPr lang="pt-BR" sz="1400" kern="1200" dirty="0" smtClean="0">
+                <a:solidFill>
+                  <a:schemeClr val="tx1"/>
+                </a:solidFill>
+                <a:latin typeface="Times New Roman" pitchFamily="18" charset="0"/>
+                <a:ea typeface="+mn-ea"/>
+                <a:cs typeface="+mn-cs"/>
+              </a:rPr>
+              <a:t>(</a:t>
+            </a:r>
+            <a:r>
+              <a:rPr lang="pt-BR" sz="1400" kern="1200" dirty="0" err="1" smtClean="0">
+                <a:solidFill>
+                  <a:schemeClr val="tx1"/>
+                </a:solidFill>
+                <a:latin typeface="Times New Roman" pitchFamily="18" charset="0"/>
+                <a:ea typeface="+mn-ea"/>
+                <a:cs typeface="+mn-cs"/>
+              </a:rPr>
+              <a:t>secondDigit</a:t>
+            </a:r>
+            <a:r>
+              <a:rPr lang="pt-BR" sz="1400" kern="1200" dirty="0" smtClean="0">
+                <a:solidFill>
+                  <a:schemeClr val="tx1"/>
+                </a:solidFill>
+                <a:latin typeface="Times New Roman" pitchFamily="18" charset="0"/>
+                <a:ea typeface="+mn-ea"/>
+                <a:cs typeface="+mn-cs"/>
+              </a:rPr>
+              <a:t>)</a:t>
+            </a:r>
+          </a:p>
+          <a:p>
+            <a:r>
+              <a:rPr lang="de-DE" sz="1400" kern="1200" dirty="0" smtClean="0">
+                <a:solidFill>
+                  <a:schemeClr val="tx1"/>
+                </a:solidFill>
+                <a:latin typeface="Times New Roman" pitchFamily="18" charset="0"/>
+                <a:ea typeface="+mn-ea"/>
+                <a:cs typeface="+mn-cs"/>
+              </a:rPr>
+              <a:t>    End Sub</a:t>
+            </a:r>
+          </a:p>
+          <a:p>
+            <a:r>
+              <a:rPr lang="de-DE" sz="1400" kern="1200" dirty="0" smtClean="0">
+                <a:solidFill>
+                  <a:schemeClr val="tx1"/>
+                </a:solidFill>
+                <a:latin typeface="Times New Roman" pitchFamily="18" charset="0"/>
+                <a:ea typeface="+mn-ea"/>
+                <a:cs typeface="+mn-cs"/>
+              </a:rPr>
+              <a:t>    Sub </a:t>
+            </a:r>
+            <a:r>
+              <a:rPr lang="de-DE" sz="1400" kern="1200" dirty="0" err="1" smtClean="0">
+                <a:solidFill>
+                  <a:schemeClr val="tx1"/>
+                </a:solidFill>
+                <a:latin typeface="Times New Roman" pitchFamily="18" charset="0"/>
+                <a:ea typeface="+mn-ea"/>
+                <a:cs typeface="+mn-cs"/>
+              </a:rPr>
+              <a:t>TwoDigits</a:t>
+            </a:r>
+            <a:r>
+              <a:rPr lang="de-DE" sz="1400" kern="1200" dirty="0" smtClean="0">
+                <a:solidFill>
+                  <a:schemeClr val="tx1"/>
+                </a:solidFill>
+                <a:latin typeface="Times New Roman" pitchFamily="18" charset="0"/>
+                <a:ea typeface="+mn-ea"/>
+                <a:cs typeface="+mn-cs"/>
+              </a:rPr>
+              <a:t>(</a:t>
+            </a:r>
+            <a:r>
+              <a:rPr lang="de-DE" sz="1400" kern="1200" dirty="0" err="1" smtClean="0">
+                <a:solidFill>
+                  <a:schemeClr val="tx1"/>
+                </a:solidFill>
+                <a:latin typeface="Times New Roman" pitchFamily="18" charset="0"/>
+                <a:ea typeface="+mn-ea"/>
+                <a:cs typeface="+mn-cs"/>
+              </a:rPr>
               <a:t>ByVal</a:t>
             </a:r>
             <a:r>
-              <a:rPr lang="en-US" baseline="0" dirty="0" smtClean="0"/>
+              <a:rPr lang="de-DE" sz="1400" kern="1200" dirty="0" smtClean="0">
+                <a:solidFill>
+                  <a:schemeClr val="tx1"/>
+                </a:solidFill>
+                <a:latin typeface="Times New Roman" pitchFamily="18" charset="0"/>
+                <a:ea typeface="+mn-ea"/>
+                <a:cs typeface="+mn-cs"/>
+              </a:rPr>
               <a:t> </a:t>
             </a:r>
             <a:r>
-              <a:rPr lang="en-US" baseline="0" dirty="0" err="1" smtClean="0"/>
+              <a:rPr lang="de-DE" sz="1400" kern="1200" dirty="0" err="1" smtClean="0">
+                <a:solidFill>
+                  <a:schemeClr val="tx1"/>
+                </a:solidFill>
+                <a:latin typeface="Times New Roman" pitchFamily="18" charset="0"/>
+                <a:ea typeface="+mn-ea"/>
+                <a:cs typeface="+mn-cs"/>
+              </a:rPr>
               <a:t>num</a:t>
             </a:r>
             <a:r>
-              <a:rPr lang="en-US" baseline="0" dirty="0" smtClean="0"/>
+              <a:rPr lang="de-DE" sz="1400" kern="1200" dirty="0" smtClean="0">
+                <a:solidFill>
+                  <a:schemeClr val="tx1"/>
+                </a:solidFill>
+                <a:latin typeface="Times New Roman" pitchFamily="18" charset="0"/>
+                <a:ea typeface="+mn-ea"/>
+                <a:cs typeface="+mn-cs"/>
+              </a:rPr>
               <a:t> As Integer, </a:t>
             </a:r>
             <a:r>
-              <a:rPr lang="en-US" baseline="0" dirty="0" err="1" smtClean="0"/>
+              <a:rPr lang="de-DE" sz="1400" kern="1200" dirty="0" err="1" smtClean="0">
+                <a:solidFill>
+                  <a:schemeClr val="tx1"/>
+                </a:solidFill>
+                <a:latin typeface="Times New Roman" pitchFamily="18" charset="0"/>
+                <a:ea typeface="+mn-ea"/>
+                <a:cs typeface="+mn-cs"/>
+              </a:rPr>
               <a:t>ByRef</a:t>
             </a:r>
             <a:r>
-              <a:rPr lang="en-US" baseline="0" dirty="0" smtClean="0"/>
+              <a:rPr lang="de-DE" sz="1400" kern="1200" dirty="0" smtClean="0">
+                <a:solidFill>
+                  <a:schemeClr val="tx1"/>
+                </a:solidFill>
+                <a:latin typeface="Times New Roman" pitchFamily="18" charset="0"/>
+                <a:ea typeface="+mn-ea"/>
+                <a:cs typeface="+mn-cs"/>
+              </a:rPr>
               <a:t> </a:t>
             </a:r>
             <a:r>
-              <a:rPr lang="en-US" baseline="0" dirty="0" err="1" smtClean="0"/>
+              <a:rPr lang="de-DE" sz="1400" kern="1200" dirty="0" err="1" smtClean="0">
+                <a:solidFill>
+                  <a:schemeClr val="tx1"/>
+                </a:solidFill>
+                <a:latin typeface="Times New Roman" pitchFamily="18" charset="0"/>
+                <a:ea typeface="+mn-ea"/>
+                <a:cs typeface="+mn-cs"/>
+              </a:rPr>
               <a:t>firstDigit</a:t>
             </a:r>
             <a:r>
-              <a:rPr lang="en-US" baseline="0" dirty="0" smtClean="0"/>
+              <a:rPr lang="de-DE" sz="1400" kern="1200" dirty="0" smtClean="0">
+                <a:solidFill>
+                  <a:schemeClr val="tx1"/>
+                </a:solidFill>
+                <a:latin typeface="Times New Roman" pitchFamily="18" charset="0"/>
+                <a:ea typeface="+mn-ea"/>
+                <a:cs typeface="+mn-cs"/>
+              </a:rPr>
               <a:t> As Integer, </a:t>
             </a:r>
             <a:r>
-              <a:rPr lang="en-US" baseline="0" dirty="0" err="1" smtClean="0"/>
+              <a:rPr lang="de-DE" sz="1400" kern="1200" dirty="0" err="1" smtClean="0">
+                <a:solidFill>
+                  <a:schemeClr val="tx1"/>
+                </a:solidFill>
+                <a:latin typeface="Times New Roman" pitchFamily="18" charset="0"/>
+                <a:ea typeface="+mn-ea"/>
+                <a:cs typeface="+mn-cs"/>
+              </a:rPr>
               <a:t>ByRef</a:t>
             </a:r>
             <a:r>
-              <a:rPr lang="en-US" baseline="0" dirty="0" smtClean="0"/>
+              <a:rPr lang="de-DE" sz="1400" kern="1200" dirty="0" smtClean="0">
+                <a:solidFill>
+                  <a:schemeClr val="tx1"/>
+                </a:solidFill>
+                <a:latin typeface="Times New Roman" pitchFamily="18" charset="0"/>
+                <a:ea typeface="+mn-ea"/>
+                <a:cs typeface="+mn-cs"/>
+              </a:rPr>
               <a:t> </a:t>
             </a:r>
             <a:r>
-              <a:rPr lang="en-US" baseline="0" dirty="0" err="1" smtClean="0"/>
+              <a:rPr lang="de-DE" sz="1400" kern="1200" dirty="0" err="1" smtClean="0">
+                <a:solidFill>
+                  <a:schemeClr val="tx1"/>
+                </a:solidFill>
+                <a:latin typeface="Times New Roman" pitchFamily="18" charset="0"/>
+                <a:ea typeface="+mn-ea"/>
+                <a:cs typeface="+mn-cs"/>
+              </a:rPr>
               <a:t>secondDigit</a:t>
             </a:r>
             <a:r>
-              <a:rPr lang="en-US" baseline="0" dirty="0" smtClean="0"/>
+              <a:rPr lang="de-DE" sz="1400" kern="1200" dirty="0" smtClean="0">
+                <a:solidFill>
+                  <a:schemeClr val="tx1"/>
+                </a:solidFill>
+                <a:latin typeface="Times New Roman" pitchFamily="18" charset="0"/>
+                <a:ea typeface="+mn-ea"/>
+                <a:cs typeface="+mn-cs"/>
+              </a:rPr>
               <a:t> As Integer)</a:t>
             </a:r>
           </a:p>
           <a:p>
             <a:r>
-              <a:rPr lang="en-US" baseline="0" dirty="0" smtClean="0"/>
-              <a:t>   </a:t>
-            </a:r>
-            <a:r>
-              <a:rPr lang="en-US" baseline="0" dirty="0" err="1" smtClean="0"/>
+              <a:rPr lang="en-US" sz="1400" kern="1200" dirty="0" smtClean="0">
+                <a:solidFill>
+                  <a:schemeClr val="tx1"/>
+                </a:solidFill>
+                <a:latin typeface="Times New Roman" pitchFamily="18" charset="0"/>
+                <a:ea typeface="+mn-ea"/>
+                <a:cs typeface="+mn-cs"/>
+              </a:rPr>
+              <a:t>        </a:t>
+            </a:r>
+            <a:r>
+              <a:rPr lang="en-US" sz="1400" kern="1200" dirty="0" err="1" smtClean="0">
+                <a:solidFill>
+                  <a:schemeClr val="tx1"/>
+                </a:solidFill>
+                <a:latin typeface="Times New Roman" pitchFamily="18" charset="0"/>
+                <a:ea typeface="+mn-ea"/>
+                <a:cs typeface="+mn-cs"/>
+              </a:rPr>
               <a:t>firstDigit</a:t>
             </a:r>
             <a:r>
-              <a:rPr lang="en-US" baseline="0" dirty="0" smtClean="0"/>
+              <a:rPr lang="en-US" sz="1400" kern="1200" dirty="0" smtClean="0">
+                <a:solidFill>
+                  <a:schemeClr val="tx1"/>
+                </a:solidFill>
+                <a:latin typeface="Times New Roman" pitchFamily="18" charset="0"/>
+                <a:ea typeface="+mn-ea"/>
+                <a:cs typeface="+mn-cs"/>
+              </a:rPr>
               <a:t> = </a:t>
             </a:r>
             <a:r>
-              <a:rPr lang="en-US" baseline="0" dirty="0" err="1" smtClean="0"/>
+              <a:rPr lang="en-US" sz="1400" kern="1200" dirty="0" err="1" smtClean="0">
+                <a:solidFill>
+                  <a:schemeClr val="tx1"/>
+                </a:solidFill>
+                <a:latin typeface="Times New Roman" pitchFamily="18" charset="0"/>
+                <a:ea typeface="+mn-ea"/>
+                <a:cs typeface="+mn-cs"/>
+              </a:rPr>
               <a:t>num</a:t>
             </a:r>
             <a:r>
-              <a:rPr lang="en-US" baseline="0" dirty="0" smtClean="0"/>
+              <a:rPr lang="en-US" sz="1400" kern="1200" dirty="0" smtClean="0">
+                <a:solidFill>
+                  <a:schemeClr val="tx1"/>
+                </a:solidFill>
+                <a:latin typeface="Times New Roman" pitchFamily="18" charset="0"/>
+                <a:ea typeface="+mn-ea"/>
+                <a:cs typeface="+mn-cs"/>
+              </a:rPr>
               <a:t> \ 10</a:t>
             </a:r>
           </a:p>
           <a:p>
             <a:r>
-              <a:rPr lang="en-US" baseline="0" dirty="0" smtClean="0"/>
-              <a:t>   </a:t>
-            </a:r>
-            <a:r>
-              <a:rPr lang="en-US" baseline="0" dirty="0" err="1" smtClean="0"/>
+              <a:rPr lang="en-US" sz="1400" kern="1200" dirty="0" smtClean="0">
+                <a:solidFill>
+                  <a:schemeClr val="tx1"/>
+                </a:solidFill>
+                <a:latin typeface="Times New Roman" pitchFamily="18" charset="0"/>
+                <a:ea typeface="+mn-ea"/>
+                <a:cs typeface="+mn-cs"/>
+              </a:rPr>
+              <a:t>        </a:t>
+            </a:r>
+            <a:r>
+              <a:rPr lang="en-US" sz="1400" kern="1200" dirty="0" err="1" smtClean="0">
+                <a:solidFill>
+                  <a:schemeClr val="tx1"/>
+                </a:solidFill>
+                <a:latin typeface="Times New Roman" pitchFamily="18" charset="0"/>
+                <a:ea typeface="+mn-ea"/>
+                <a:cs typeface="+mn-cs"/>
+              </a:rPr>
               <a:t>secondDigit</a:t>
             </a:r>
             <a:r>
-              <a:rPr lang="en-US" baseline="0" dirty="0" smtClean="0"/>
+              <a:rPr lang="en-US" sz="1400" kern="1200" dirty="0" smtClean="0">
+                <a:solidFill>
+                  <a:schemeClr val="tx1"/>
+                </a:solidFill>
+                <a:latin typeface="Times New Roman" pitchFamily="18" charset="0"/>
+                <a:ea typeface="+mn-ea"/>
+                <a:cs typeface="+mn-cs"/>
+              </a:rPr>
               <a:t> = </a:t>
             </a:r>
             <a:r>
-              <a:rPr lang="en-US" baseline="0" dirty="0" err="1" smtClean="0"/>
+              <a:rPr lang="en-US" sz="1400" kern="1200" dirty="0" err="1" smtClean="0">
+                <a:solidFill>
+                  <a:schemeClr val="tx1"/>
+                </a:solidFill>
+                <a:latin typeface="Times New Roman" pitchFamily="18" charset="0"/>
+                <a:ea typeface="+mn-ea"/>
+                <a:cs typeface="+mn-cs"/>
+              </a:rPr>
               <a:t>num</a:t>
             </a:r>
             <a:r>
-              <a:rPr lang="en-US" baseline="0" dirty="0" smtClean="0"/>
+              <a:rPr lang="en-US" sz="1400" kern="1200" dirty="0" smtClean="0">
+                <a:solidFill>
+                  <a:schemeClr val="tx1"/>
+                </a:solidFill>
+                <a:latin typeface="Times New Roman" pitchFamily="18" charset="0"/>
+                <a:ea typeface="+mn-ea"/>
+                <a:cs typeface="+mn-cs"/>
+              </a:rPr>
               <a:t> Mod 10</a:t>
             </a:r>
           </a:p>
           <a:p>
             <a:r>
-              <a:rPr lang="en-US" baseline="0" dirty="0" smtClean="0"/>
-              <a:t>End Sub   </a:t>
-            </a:r>
-            <a:endParaRPr lang="en-US" dirty="0"/>
+              <a:rPr lang="de-DE" sz="1400" kern="1200" dirty="0" smtClean="0">
+                <a:solidFill>
+                  <a:schemeClr val="tx1"/>
+                </a:solidFill>
+                <a:latin typeface="Times New Roman" pitchFamily="18" charset="0"/>
+                <a:ea typeface="+mn-ea"/>
+                <a:cs typeface="+mn-cs"/>
+              </a:rPr>
+              <a:t>    End Sub</a:t>
+            </a:r>
           </a:p>
         </p:txBody>
       </p:sp>
@@ -4685,7 +8870,7 @@
             <a:fld id="{FCFA55DC-8285-4330-9809-771463244A4C}" type="datetime8">
               <a:rPr lang="en-US" smtClean="0"/>
               <a:pPr/>
-              <a:t>1/14/14 14:02</a:t>
+              <a:t>2/25/15 08:13</a:t>
             </a:fld>
             <a:endParaRPr lang="en-US"/>
           </a:p>
@@ -4765,7 +8950,7 @@
             <a:fld id="{F4FE7434-14A7-4C62-B0B0-6B78BE1466DA}" type="datetime8">
               <a:rPr lang="en-US"/>
               <a:pPr/>
-              <a:t>1/14/14 14:02</a:t>
+              <a:t>2/25/15 08:13</a:t>
             </a:fld>
             <a:endParaRPr lang="en-US"/>
           </a:p>
@@ -12972,6 +17157,13 @@
   <p:clrMapOvr>
     <a:masterClrMapping/>
   </p:clrMapOvr>
+  <p:timing>
+    <p:tnLst>
+      <p:par>
+        <p:cTn xmlns:p14="http://schemas.microsoft.com/office/powerpoint/2010/main" id="1" dur="indefinite" restart="never" nodeType="tmRoot"/>
+      </p:par>
+    </p:tnLst>
+  </p:timing>
 </p:sld>
 </file>
 
@@ -13088,7 +17280,7 @@
         <p:spPr bwMode="auto">
           <a:xfrm>
             <a:off x="790575" y="1579563"/>
-            <a:ext cx="7958138" cy="3970318"/>
+            <a:ext cx="7958138" cy="5078313"/>
           </a:xfrm>
           <a:prstGeom prst="rect">
             <a:avLst/>
@@ -13307,105 +17499,165 @@
               <a:rPr lang="en-US" dirty="0">
                 <a:latin typeface="Tahoma" pitchFamily="34" charset="0"/>
               </a:rPr>
-              <a:t>The data passed to a procedure are called the arguments.</a:t>
-            </a:r>
-          </a:p>
-          <a:p>
-            <a:pPr>
+              <a:t>D</a:t>
+            </a:r>
+            <a:r>
+              <a:rPr lang="en-US" dirty="0" smtClean="0">
+                <a:latin typeface="Tahoma" pitchFamily="34" charset="0"/>
+              </a:rPr>
+              <a:t>ata </a:t>
+            </a:r>
+            <a:r>
+              <a:rPr lang="en-US" dirty="0">
+                <a:latin typeface="Tahoma" pitchFamily="34" charset="0"/>
+              </a:rPr>
+              <a:t>passed to a </a:t>
+            </a:r>
+            <a:r>
+              <a:rPr lang="en-US">
+                <a:latin typeface="Tahoma" pitchFamily="34" charset="0"/>
+              </a:rPr>
+              <a:t>procedure </a:t>
+            </a:r>
+            <a:r>
+              <a:rPr lang="en-US" smtClean="0">
+                <a:latin typeface="Tahoma" pitchFamily="34" charset="0"/>
+              </a:rPr>
+              <a:t>is  </a:t>
+            </a:r>
+            <a:r>
+              <a:rPr lang="en-US" dirty="0">
+                <a:latin typeface="Tahoma" pitchFamily="34" charset="0"/>
+              </a:rPr>
+              <a:t>called the arguments</a:t>
+            </a:r>
+            <a:r>
+              <a:rPr lang="en-US" dirty="0" smtClean="0">
+                <a:latin typeface="Tahoma" pitchFamily="34" charset="0"/>
+              </a:rPr>
+              <a:t>.</a:t>
+            </a:r>
+          </a:p>
+          <a:p>
+            <a:pPr marL="342900" indent="-342900">
+              <a:buFont typeface="Wingdings" charset="2"/>
+              <a:buChar char="§"/>
+            </a:pPr>
+            <a:r>
+              <a:rPr lang="en-US" dirty="0">
+                <a:latin typeface="+mn-lt"/>
+              </a:rPr>
+              <a:t>Call </a:t>
+            </a:r>
+            <a:r>
+              <a:rPr lang="en-US" dirty="0" err="1">
+                <a:latin typeface="+mn-lt"/>
+              </a:rPr>
+              <a:t>ProcedureName</a:t>
+            </a:r>
+            <a:r>
+              <a:rPr lang="en-US" dirty="0">
+                <a:latin typeface="+mn-lt"/>
+              </a:rPr>
+              <a:t>(parameter1, parameter2</a:t>
+            </a:r>
+            <a:r>
+              <a:rPr lang="en-US" dirty="0" smtClean="0">
+                <a:latin typeface="+mn-lt"/>
+              </a:rPr>
+              <a:t>)</a:t>
+            </a:r>
+          </a:p>
+          <a:p>
+            <a:pPr marL="0" indent="0"/>
+            <a:r>
+              <a:rPr lang="en-US" dirty="0" smtClean="0">
+                <a:latin typeface="+mn-lt"/>
+              </a:rPr>
+              <a:t>…</a:t>
+            </a:r>
+            <a:endParaRPr lang="en-US" dirty="0">
+              <a:latin typeface="+mn-lt"/>
+            </a:endParaRPr>
+          </a:p>
+          <a:p>
+            <a:r>
+              <a:rPr lang="en-US" dirty="0">
+                <a:latin typeface="+mn-lt"/>
+              </a:rPr>
+              <a:t>Sub </a:t>
+            </a:r>
+            <a:r>
+              <a:rPr lang="en-US" dirty="0" err="1">
+                <a:latin typeface="+mn-lt"/>
+              </a:rPr>
+              <a:t>ProcedureName</a:t>
+            </a:r>
+            <a:r>
+              <a:rPr lang="en-US" dirty="0">
+                <a:latin typeface="+mn-lt"/>
+              </a:rPr>
+              <a:t>(</a:t>
+            </a:r>
+            <a:r>
+              <a:rPr lang="en-US" dirty="0" err="1">
+                <a:latin typeface="+mn-lt"/>
+              </a:rPr>
+              <a:t>ByVal</a:t>
+            </a:r>
+            <a:r>
+              <a:rPr lang="en-US" dirty="0">
+                <a:latin typeface="+mn-lt"/>
+              </a:rPr>
+              <a:t> parameter1 As </a:t>
+            </a:r>
+            <a:r>
+              <a:rPr lang="en-US" dirty="0" smtClean="0">
+                <a:latin typeface="+mn-lt"/>
+              </a:rPr>
+              <a:t>type, </a:t>
+            </a:r>
+            <a:r>
+              <a:rPr lang="en-US" dirty="0" err="1" smtClean="0">
+                <a:latin typeface="+mn-lt"/>
+              </a:rPr>
+              <a:t>ByVal</a:t>
+            </a:r>
+            <a:r>
+              <a:rPr lang="en-US" dirty="0" smtClean="0">
+                <a:latin typeface="+mn-lt"/>
+              </a:rPr>
+              <a:t> parameter2)</a:t>
+            </a:r>
+            <a:endParaRPr lang="en-US" dirty="0">
+              <a:latin typeface="+mn-lt"/>
+            </a:endParaRPr>
+          </a:p>
+          <a:p>
+            <a:r>
+              <a:rPr lang="en-US" dirty="0">
+                <a:latin typeface="+mn-lt"/>
+              </a:rPr>
+              <a:t>    Statements</a:t>
+            </a:r>
+          </a:p>
+          <a:p>
+            <a:r>
+              <a:rPr lang="en-US" dirty="0">
+                <a:latin typeface="+mn-lt"/>
+              </a:rPr>
+              <a:t>End Sub</a:t>
+            </a:r>
+          </a:p>
+          <a:p>
+            <a:pPr marL="0" indent="0">
               <a:spcAft>
                 <a:spcPct val="50000"/>
               </a:spcAft>
-              <a:buFont typeface="Wingdings" pitchFamily="2" charset="2"/>
-              <a:buChar char="§"/>
             </a:pPr>
-            <a:r>
-              <a:rPr lang="en-US" dirty="0" err="1">
-                <a:latin typeface="Tahoma" pitchFamily="34" charset="0"/>
-              </a:rPr>
-              <a:t>GiveHint</a:t>
-            </a:r>
-            <a:r>
-              <a:rPr lang="en-US" dirty="0">
-                <a:latin typeface="Tahoma" pitchFamily="34" charset="0"/>
-              </a:rPr>
-              <a:t>() has two parameters:</a:t>
-            </a:r>
-            <a:br>
-              <a:rPr lang="en-US" dirty="0">
-                <a:latin typeface="Tahoma" pitchFamily="34" charset="0"/>
-              </a:rPr>
-            </a:br>
-            <a:r>
-              <a:rPr lang="en-US" dirty="0">
-                <a:latin typeface="Courier New" pitchFamily="49" charset="0"/>
-              </a:rPr>
-              <a:t>Sub </a:t>
-            </a:r>
-            <a:r>
-              <a:rPr lang="en-US" dirty="0" err="1">
-                <a:latin typeface="Courier New" pitchFamily="49" charset="0"/>
-              </a:rPr>
-              <a:t>GiveHint</a:t>
-            </a:r>
-            <a:r>
-              <a:rPr lang="en-US" dirty="0">
-                <a:latin typeface="Courier New" pitchFamily="49" charset="0"/>
-              </a:rPr>
-              <a:t>(</a:t>
-            </a:r>
-            <a:r>
-              <a:rPr lang="en-US" dirty="0" err="1">
-                <a:latin typeface="Courier New" pitchFamily="49" charset="0"/>
-              </a:rPr>
-              <a:t>ByVal</a:t>
-            </a:r>
-            <a:r>
-              <a:rPr lang="en-US" dirty="0">
-                <a:latin typeface="Courier New" pitchFamily="49" charset="0"/>
-              </a:rPr>
-              <a:t> </a:t>
-            </a:r>
-            <a:r>
-              <a:rPr lang="en-US" dirty="0" err="1">
-                <a:latin typeface="Courier New" pitchFamily="49" charset="0"/>
-              </a:rPr>
-              <a:t>firstNum</a:t>
-            </a:r>
-            <a:r>
-              <a:rPr lang="en-US" dirty="0">
-                <a:latin typeface="Courier New" pitchFamily="49" charset="0"/>
-              </a:rPr>
-              <a:t> As Integer, </a:t>
-            </a:r>
-            <a:br>
-              <a:rPr lang="en-US" dirty="0">
-                <a:latin typeface="Courier New" pitchFamily="49" charset="0"/>
-              </a:rPr>
-            </a:br>
-            <a:r>
-              <a:rPr lang="en-US" dirty="0" err="1">
-                <a:latin typeface="Courier New" pitchFamily="49" charset="0"/>
-              </a:rPr>
-              <a:t>ByVal</a:t>
-            </a:r>
-            <a:r>
-              <a:rPr lang="en-US" dirty="0">
-                <a:latin typeface="Courier New" pitchFamily="49" charset="0"/>
-              </a:rPr>
-              <a:t> </a:t>
-            </a:r>
-            <a:r>
-              <a:rPr lang="en-US" dirty="0" err="1">
-                <a:latin typeface="Courier New" pitchFamily="49" charset="0"/>
-              </a:rPr>
-              <a:t>secondNum</a:t>
-            </a:r>
-            <a:r>
-              <a:rPr lang="en-US" dirty="0">
-                <a:latin typeface="Courier New" pitchFamily="49" charset="0"/>
-              </a:rPr>
-              <a:t> As Integer) …</a:t>
-            </a:r>
+            <a:endParaRPr lang="en-US" dirty="0">
+              <a:latin typeface="Tahoma" pitchFamily="34" charset="0"/>
+            </a:endParaRPr>
           </a:p>
         </p:txBody>
       </p:sp>
